--- a/notes/L31/Lsn32.pptx
+++ b/notes/L31/Lsn32.pptx
@@ -5,10 +5,10 @@
     <p:sldMasterId id="2147483648" r:id="rId1"/>
   </p:sldMasterIdLst>
   <p:notesMasterIdLst>
-    <p:notesMasterId r:id="rId39"/>
+    <p:notesMasterId r:id="rId41"/>
   </p:notesMasterIdLst>
   <p:handoutMasterIdLst>
-    <p:handoutMasterId r:id="rId40"/>
+    <p:handoutMasterId r:id="rId42"/>
   </p:handoutMasterIdLst>
   <p:sldIdLst>
     <p:sldId id="282" r:id="rId2"/>
@@ -19,35 +19,37 @@
     <p:sldId id="483" r:id="rId7"/>
     <p:sldId id="435" r:id="rId8"/>
     <p:sldId id="479" r:id="rId9"/>
-    <p:sldId id="480" r:id="rId10"/>
-    <p:sldId id="481" r:id="rId11"/>
-    <p:sldId id="482" r:id="rId12"/>
-    <p:sldId id="499" r:id="rId13"/>
-    <p:sldId id="478" r:id="rId14"/>
-    <p:sldId id="502" r:id="rId15"/>
-    <p:sldId id="488" r:id="rId16"/>
-    <p:sldId id="501" r:id="rId17"/>
-    <p:sldId id="500" r:id="rId18"/>
-    <p:sldId id="498" r:id="rId19"/>
-    <p:sldId id="505" r:id="rId20"/>
-    <p:sldId id="504" r:id="rId21"/>
-    <p:sldId id="503" r:id="rId22"/>
-    <p:sldId id="489" r:id="rId23"/>
-    <p:sldId id="506" r:id="rId24"/>
-    <p:sldId id="491" r:id="rId25"/>
-    <p:sldId id="471" r:id="rId26"/>
-    <p:sldId id="508" r:id="rId27"/>
+    <p:sldId id="509" r:id="rId10"/>
+    <p:sldId id="480" r:id="rId11"/>
+    <p:sldId id="481" r:id="rId12"/>
+    <p:sldId id="482" r:id="rId13"/>
+    <p:sldId id="499" r:id="rId14"/>
+    <p:sldId id="478" r:id="rId15"/>
+    <p:sldId id="502" r:id="rId16"/>
+    <p:sldId id="488" r:id="rId17"/>
+    <p:sldId id="501" r:id="rId18"/>
+    <p:sldId id="500" r:id="rId19"/>
+    <p:sldId id="498" r:id="rId20"/>
+    <p:sldId id="505" r:id="rId21"/>
+    <p:sldId id="504" r:id="rId22"/>
+    <p:sldId id="503" r:id="rId23"/>
+    <p:sldId id="510" r:id="rId24"/>
+    <p:sldId id="489" r:id="rId25"/>
+    <p:sldId id="506" r:id="rId26"/>
+    <p:sldId id="491" r:id="rId27"/>
     <p:sldId id="487" r:id="rId28"/>
-    <p:sldId id="507" r:id="rId29"/>
-    <p:sldId id="493" r:id="rId30"/>
-    <p:sldId id="494" r:id="rId31"/>
-    <p:sldId id="495" r:id="rId32"/>
-    <p:sldId id="492" r:id="rId33"/>
-    <p:sldId id="490" r:id="rId34"/>
-    <p:sldId id="496" r:id="rId35"/>
-    <p:sldId id="497" r:id="rId36"/>
-    <p:sldId id="462" r:id="rId37"/>
-    <p:sldId id="458" r:id="rId38"/>
+    <p:sldId id="511" r:id="rId29"/>
+    <p:sldId id="471" r:id="rId30"/>
+    <p:sldId id="508" r:id="rId31"/>
+    <p:sldId id="493" r:id="rId32"/>
+    <p:sldId id="494" r:id="rId33"/>
+    <p:sldId id="495" r:id="rId34"/>
+    <p:sldId id="492" r:id="rId35"/>
+    <p:sldId id="490" r:id="rId36"/>
+    <p:sldId id="496" r:id="rId37"/>
+    <p:sldId id="497" r:id="rId38"/>
+    <p:sldId id="462" r:id="rId39"/>
+    <p:sldId id="458" r:id="rId40"/>
   </p:sldIdLst>
   <p:sldSz cx="9144000" cy="6858000" type="screen4x3"/>
   <p:notesSz cx="6985000" cy="9283700"/>
@@ -3860,6 +3862,18 @@
                 </a:solidFill>
                 <a:sym typeface="Wingdings" pitchFamily="2" charset="2"/>
               </a:rPr>
+              <a:t>GR 2 Hot Wash</a:t>
+            </a:r>
+          </a:p>
+          <a:p>
+            <a:pPr lvl="1" algn="l"/>
+            <a:r>
+              <a:rPr lang="en-US" sz="2000" dirty="0" smtClean="0">
+                <a:solidFill>
+                  <a:srgbClr val="0070C0"/>
+                </a:solidFill>
+                <a:sym typeface="Wingdings" pitchFamily="2" charset="2"/>
+              </a:rPr>
               <a:t>Lab </a:t>
             </a:r>
             <a:r>
@@ -4269,9 +4283,9 @@
             </a:pPr>
             <a:r>
               <a:rPr lang="en-US" sz="2000" dirty="0"/>
-              <a:t>	Solution?     </a:t>
-            </a:r>
-            <a:endParaRPr lang="en-US" sz="1600" dirty="0" smtClean="0">
+              <a:t>	</a:t>
+            </a:r>
+            <a:endParaRPr lang="en-US" sz="2000" dirty="0">
               <a:solidFill>
                 <a:schemeClr val="accent2"/>
               </a:solidFill>
@@ -4522,6 +4536,257 @@
               <a:rPr lang="en-US" sz="2000" dirty="0"/>
               <a:t>	Solution?     </a:t>
             </a:r>
+            <a:endParaRPr lang="en-US" sz="1600" dirty="0" smtClean="0">
+              <a:solidFill>
+                <a:schemeClr val="accent2"/>
+              </a:solidFill>
+            </a:endParaRPr>
+          </a:p>
+        </p:txBody>
+      </p:sp>
+    </p:spTree>
+    <p:extLst>
+      <p:ext uri="{BB962C8B-B14F-4D97-AF65-F5344CB8AC3E}">
+        <p14:creationId xmlns:p14="http://schemas.microsoft.com/office/powerpoint/2010/main" val="676976476"/>
+      </p:ext>
+    </p:extLst>
+  </p:cSld>
+  <p:clrMapOvr>
+    <a:masterClrMapping/>
+  </p:clrMapOvr>
+  <p:timing>
+    <p:tnLst>
+      <p:par>
+        <p:cTn id="1" dur="indefinite" restart="never" nodeType="tmRoot"/>
+      </p:par>
+    </p:tnLst>
+  </p:timing>
+</p:sld>
+</file>
+
+<file path=ppt/slides/slide12.xml><?xml version="1.0" encoding="utf-8"?>
+<p:sld xmlns:a="http://schemas.openxmlformats.org/drawingml/2006/main" xmlns:r="http://schemas.openxmlformats.org/officeDocument/2006/relationships" xmlns:p="http://schemas.openxmlformats.org/presentationml/2006/main">
+  <p:cSld>
+    <p:spTree>
+      <p:nvGrpSpPr>
+        <p:cNvPr id="1" name=""/>
+        <p:cNvGrpSpPr/>
+        <p:nvPr/>
+      </p:nvGrpSpPr>
+      <p:grpSpPr>
+        <a:xfrm>
+          <a:off x="0" y="0"/>
+          <a:ext cx="0" cy="0"/>
+          <a:chOff x="0" y="0"/>
+          <a:chExt cx="0" cy="0"/>
+        </a:xfrm>
+      </p:grpSpPr>
+      <p:sp>
+        <p:nvSpPr>
+          <p:cNvPr id="2" name="Title 1"/>
+          <p:cNvSpPr>
+            <a:spLocks noGrp="1"/>
+          </p:cNvSpPr>
+          <p:nvPr>
+            <p:ph type="title"/>
+          </p:nvPr>
+        </p:nvSpPr>
+        <p:spPr/>
+        <p:txBody>
+          <a:bodyPr/>
+          <a:lstStyle/>
+          <a:p>
+            <a:r>
+              <a:rPr lang="en-US" b="1" dirty="0" smtClean="0"/>
+              <a:t>Using DC Motors</a:t>
+            </a:r>
+            <a:endParaRPr lang="en-US" b="1" dirty="0"/>
+          </a:p>
+        </p:txBody>
+      </p:sp>
+      <p:sp>
+        <p:nvSpPr>
+          <p:cNvPr id="3" name="Content Placeholder 2"/>
+          <p:cNvSpPr>
+            <a:spLocks noGrp="1"/>
+          </p:cNvSpPr>
+          <p:nvPr>
+            <p:ph idx="1"/>
+          </p:nvPr>
+        </p:nvSpPr>
+        <p:spPr>
+          <a:xfrm>
+            <a:off x="348339" y="847679"/>
+            <a:ext cx="8083562" cy="5747330"/>
+          </a:xfrm>
+        </p:spPr>
+        <p:txBody>
+          <a:bodyPr/>
+          <a:lstStyle/>
+          <a:p>
+            <a:pPr marL="0" indent="0">
+              <a:buNone/>
+            </a:pPr>
+            <a:r>
+              <a:rPr lang="en-US" sz="2000" dirty="0" smtClean="0"/>
+              <a:t>How do DC motors work?    How do you make them go faster?</a:t>
+            </a:r>
+          </a:p>
+          <a:p>
+            <a:pPr lvl="1"/>
+            <a:r>
+              <a:rPr lang="en-US" sz="1600" dirty="0" smtClean="0">
+                <a:solidFill>
+                  <a:schemeClr val="accent2"/>
+                </a:solidFill>
+              </a:rPr>
+              <a:t>Provide analog DC voltage… The higher the voltage, the faster it spins</a:t>
+            </a:r>
+          </a:p>
+          <a:p>
+            <a:pPr lvl="1"/>
+            <a:r>
+              <a:rPr lang="en-US" sz="1600" dirty="0" smtClean="0">
+                <a:solidFill>
+                  <a:schemeClr val="accent2"/>
+                </a:solidFill>
+              </a:rPr>
+              <a:t>[ motor demo ]</a:t>
+            </a:r>
+            <a:endParaRPr lang="en-US" sz="1600" dirty="0">
+              <a:solidFill>
+                <a:schemeClr val="accent2"/>
+              </a:solidFill>
+            </a:endParaRPr>
+          </a:p>
+          <a:p>
+            <a:pPr marL="0" indent="0">
+              <a:buNone/>
+            </a:pPr>
+            <a:r>
+              <a:rPr lang="en-US" sz="2000" dirty="0" smtClean="0"/>
+              <a:t>How to we control a DC motor with the </a:t>
+            </a:r>
+            <a:r>
+              <a:rPr lang="en-US" sz="2000" dirty="0"/>
+              <a:t>MSP430 </a:t>
+            </a:r>
+            <a:r>
+              <a:rPr lang="en-US" sz="2000" dirty="0" smtClean="0"/>
+              <a:t>?</a:t>
+            </a:r>
+          </a:p>
+          <a:p>
+            <a:pPr marL="0" indent="0">
+              <a:buNone/>
+            </a:pPr>
+            <a:r>
+              <a:rPr lang="en-US" sz="2000" dirty="0" smtClean="0"/>
+              <a:t>	Can we use the ADC converter?</a:t>
+            </a:r>
+            <a:endParaRPr lang="en-US" sz="2000" dirty="0"/>
+          </a:p>
+          <a:p>
+            <a:pPr marL="0" indent="0">
+              <a:buNone/>
+            </a:pPr>
+            <a:r>
+              <a:rPr lang="en-US" sz="2000" dirty="0" smtClean="0"/>
+              <a:t>Two issues interfacing MSP430 with a DC motor?</a:t>
+            </a:r>
+          </a:p>
+          <a:p>
+            <a:pPr lvl="1"/>
+            <a:r>
+              <a:rPr lang="en-US" sz="1600" dirty="0" smtClean="0">
+                <a:solidFill>
+                  <a:schemeClr val="accent2"/>
+                </a:solidFill>
+              </a:rPr>
+              <a:t>MSP430 only produces two voltages (</a:t>
+            </a:r>
+            <a:r>
+              <a:rPr lang="en-US" sz="1600" dirty="0" err="1" smtClean="0">
+                <a:solidFill>
+                  <a:schemeClr val="accent2"/>
+                </a:solidFill>
+              </a:rPr>
+              <a:t>Vcc</a:t>
+            </a:r>
+            <a:r>
+              <a:rPr lang="en-US" sz="1600" dirty="0" smtClean="0">
+                <a:solidFill>
+                  <a:schemeClr val="accent2"/>
+                </a:solidFill>
+              </a:rPr>
+              <a:t> and </a:t>
+            </a:r>
+            <a:r>
+              <a:rPr lang="en-US" sz="1600" dirty="0" err="1" smtClean="0">
+                <a:solidFill>
+                  <a:schemeClr val="accent2"/>
+                </a:solidFill>
+              </a:rPr>
+              <a:t>Gnd</a:t>
+            </a:r>
+            <a:r>
+              <a:rPr lang="en-US" sz="1600" dirty="0" smtClean="0">
+                <a:solidFill>
+                  <a:schemeClr val="accent2"/>
+                </a:solidFill>
+              </a:rPr>
+              <a:t>)</a:t>
+            </a:r>
+          </a:p>
+          <a:p>
+            <a:pPr marL="0" indent="0">
+              <a:buNone/>
+            </a:pPr>
+            <a:r>
+              <a:rPr lang="en-US" sz="2000" dirty="0" smtClean="0"/>
+              <a:t>	Solution?     </a:t>
+            </a:r>
+            <a:r>
+              <a:rPr lang="en-US" sz="2000" dirty="0" smtClean="0">
+                <a:solidFill>
+                  <a:schemeClr val="accent2"/>
+                </a:solidFill>
+              </a:rPr>
+              <a:t>PWM- pulse width modulation  (remember this?)</a:t>
+            </a:r>
+            <a:endParaRPr lang="en-US" sz="2000" dirty="0">
+              <a:solidFill>
+                <a:schemeClr val="accent2"/>
+              </a:solidFill>
+            </a:endParaRPr>
+          </a:p>
+          <a:p>
+            <a:pPr lvl="1"/>
+            <a:r>
+              <a:rPr lang="en-US" sz="1600" dirty="0" smtClean="0">
+                <a:solidFill>
+                  <a:schemeClr val="accent2"/>
+                </a:solidFill>
+              </a:rPr>
+              <a:t>MSP430 does not source enough current to power the motors (blow the </a:t>
+            </a:r>
+            <a:r>
+              <a:rPr lang="en-US" sz="1600" dirty="0">
+                <a:solidFill>
+                  <a:schemeClr val="accent2"/>
+                </a:solidFill>
+              </a:rPr>
+              <a:t>chip)</a:t>
+            </a:r>
+          </a:p>
+          <a:p>
+            <a:pPr marL="0" indent="0">
+              <a:buNone/>
+            </a:pPr>
+            <a:r>
+              <a:rPr lang="en-US" sz="2000" dirty="0"/>
+              <a:t>	Solution?     </a:t>
+            </a:r>
             <a:r>
               <a:rPr lang="en-US" sz="2000" dirty="0" smtClean="0">
                 <a:solidFill>
@@ -4580,8 +4845,38 @@
                   <a:schemeClr val="accent2"/>
                 </a:solidFill>
               </a:rPr>
-              <a:t>Monitor a pin for a specified signal (rising edge, falling edge, either edge) and record when it occurs.</a:t>
-            </a:r>
+              <a:t>Monitor a pin for a specified signal (rising edge, falling edge, either edge) and record when it occurs</a:t>
+            </a:r>
+            <a:r>
+              <a:rPr lang="en-US" sz="2000" dirty="0" smtClean="0">
+                <a:solidFill>
+                  <a:schemeClr val="accent2"/>
+                </a:solidFill>
+              </a:rPr>
+              <a:t>.  </a:t>
+            </a:r>
+            <a:r>
+              <a:rPr lang="en-US" sz="2000" dirty="0" smtClean="0">
+                <a:solidFill>
+                  <a:schemeClr val="accent2"/>
+                </a:solidFill>
+                <a:sym typeface="Wingdings" panose="05000000000000000000" pitchFamily="2" charset="2"/>
+              </a:rPr>
+              <a:t> </a:t>
+            </a:r>
+            <a:r>
+              <a:rPr lang="en-US" sz="2000" b="1" dirty="0" smtClean="0">
+                <a:solidFill>
+                  <a:schemeClr val="accent2"/>
+                </a:solidFill>
+              </a:rPr>
+              <a:t>Ultrasonic sensor</a:t>
+            </a:r>
+            <a:endParaRPr lang="en-US" sz="2000" b="1" dirty="0">
+              <a:solidFill>
+                <a:schemeClr val="accent2"/>
+              </a:solidFill>
+            </a:endParaRPr>
           </a:p>
           <a:p>
             <a:r>
@@ -4626,9 +4921,35 @@
                   <a:schemeClr val="accent2"/>
                 </a:solidFill>
               </a:rPr>
-              <a:t>. (can make a PWM signal)</a:t>
-            </a:r>
-            <a:endParaRPr lang="en-US" sz="2000" dirty="0">
+              <a:t>. (can make a PWM signal</a:t>
+            </a:r>
+            <a:r>
+              <a:rPr lang="en-US" sz="2000" dirty="0" smtClean="0">
+                <a:solidFill>
+                  <a:schemeClr val="accent2"/>
+                </a:solidFill>
+              </a:rPr>
+              <a:t>) </a:t>
+            </a:r>
+            <a:r>
+              <a:rPr lang="en-US" sz="2000" dirty="0" smtClean="0">
+                <a:solidFill>
+                  <a:schemeClr val="accent2"/>
+                </a:solidFill>
+                <a:sym typeface="Wingdings" panose="05000000000000000000" pitchFamily="2" charset="2"/>
+              </a:rPr>
+              <a:t> </a:t>
+            </a:r>
+            <a:r>
+              <a:rPr lang="en-US" sz="2000" b="1" dirty="0" smtClean="0">
+                <a:solidFill>
+                  <a:schemeClr val="accent2"/>
+                </a:solidFill>
+                <a:sym typeface="Wingdings" panose="05000000000000000000" pitchFamily="2" charset="2"/>
+              </a:rPr>
+              <a:t>drive motors, servos</a:t>
+            </a:r>
+            <a:endParaRPr lang="en-US" sz="2000" b="1" dirty="0">
               <a:solidFill>
                 <a:schemeClr val="accent2"/>
               </a:solidFill>
@@ -4694,7 +5015,7 @@
 </p:sld>
 </file>
 
-<file path=ppt/slides/slide12.xml><?xml version="1.0" encoding="utf-8"?>
+<file path=ppt/slides/slide13.xml><?xml version="1.0" encoding="utf-8"?>
 <p:sld xmlns:a="http://schemas.openxmlformats.org/drawingml/2006/main" xmlns:r="http://schemas.openxmlformats.org/officeDocument/2006/relationships" xmlns:p="http://schemas.openxmlformats.org/presentationml/2006/main">
   <p:cSld>
     <p:spTree>
@@ -5704,7 +6025,7 @@
 </p:sld>
 </file>
 
-<file path=ppt/slides/slide13.xml><?xml version="1.0" encoding="utf-8"?>
+<file path=ppt/slides/slide14.xml><?xml version="1.0" encoding="utf-8"?>
 <p:sld xmlns:a="http://schemas.openxmlformats.org/drawingml/2006/main" xmlns:r="http://schemas.openxmlformats.org/officeDocument/2006/relationships" xmlns:p="http://schemas.openxmlformats.org/presentationml/2006/main">
   <p:cSld>
     <p:spTree>
@@ -5983,7 +6304,7 @@
 </p:sld>
 </file>
 
-<file path=ppt/slides/slide14.xml><?xml version="1.0" encoding="utf-8"?>
+<file path=ppt/slides/slide15.xml><?xml version="1.0" encoding="utf-8"?>
 <p:sld xmlns:a="http://schemas.openxmlformats.org/drawingml/2006/main" xmlns:r="http://schemas.openxmlformats.org/officeDocument/2006/relationships" xmlns:p="http://schemas.openxmlformats.org/presentationml/2006/main">
   <p:cSld>
     <p:spTree>
@@ -6285,7 +6606,7 @@
 </p:sld>
 </file>
 
-<file path=ppt/slides/slide15.xml><?xml version="1.0" encoding="utf-8"?>
+<file path=ppt/slides/slide16.xml><?xml version="1.0" encoding="utf-8"?>
 <p:sld xmlns:a="http://schemas.openxmlformats.org/drawingml/2006/main" xmlns:r="http://schemas.openxmlformats.org/officeDocument/2006/relationships" xmlns:p="http://schemas.openxmlformats.org/presentationml/2006/main">
   <p:cSld>
     <p:spTree>
@@ -6421,8 +6742,21 @@
                   <a:schemeClr val="accent2"/>
                 </a:solidFill>
               </a:rPr>
-              <a:t>Pulse-width measurement</a:t>
-            </a:r>
+              <a:t>Pulse-width </a:t>
+            </a:r>
+            <a:r>
+              <a:rPr lang="en-US" sz="1800" dirty="0" smtClean="0">
+                <a:solidFill>
+                  <a:schemeClr val="accent2"/>
+                </a:solidFill>
+              </a:rPr>
+              <a:t>measurement ***</a:t>
+            </a:r>
+            <a:endParaRPr lang="en-US" sz="1800" dirty="0">
+              <a:solidFill>
+                <a:schemeClr val="accent2"/>
+              </a:solidFill>
+            </a:endParaRPr>
           </a:p>
           <a:p>
             <a:pPr lvl="1"/>
@@ -6552,7 +6886,7 @@
 </p:sld>
 </file>
 
-<file path=ppt/slides/slide16.xml><?xml version="1.0" encoding="utf-8"?>
+<file path=ppt/slides/slide17.xml><?xml version="1.0" encoding="utf-8"?>
 <p:sld xmlns:a="http://schemas.openxmlformats.org/drawingml/2006/main" xmlns:r="http://schemas.openxmlformats.org/officeDocument/2006/relationships" xmlns:p="http://schemas.openxmlformats.org/presentationml/2006/main">
   <p:cSld>
     <p:spTree>
@@ -7164,7 +7498,7 @@
 </p:sld>
 </file>
 
-<file path=ppt/slides/slide17.xml><?xml version="1.0" encoding="utf-8"?>
+<file path=ppt/slides/slide18.xml><?xml version="1.0" encoding="utf-8"?>
 <p:sld xmlns:a="http://schemas.openxmlformats.org/drawingml/2006/main" xmlns:r="http://schemas.openxmlformats.org/officeDocument/2006/relationships" xmlns:p="http://schemas.openxmlformats.org/presentationml/2006/main">
   <p:cSld>
     <p:spTree>
@@ -7827,7 +8161,7 @@
 </p:sld>
 </file>
 
-<file path=ppt/slides/slide18.xml><?xml version="1.0" encoding="utf-8"?>
+<file path=ppt/slides/slide19.xml><?xml version="1.0" encoding="utf-8"?>
 <p:sld xmlns:a="http://schemas.openxmlformats.org/drawingml/2006/main" xmlns:r="http://schemas.openxmlformats.org/officeDocument/2006/relationships" xmlns:p="http://schemas.openxmlformats.org/presentationml/2006/main">
   <p:cSld>
     <p:spTree>
@@ -8022,212 +8356,6 @@
     <p:extLst>
       <p:ext uri="{BB962C8B-B14F-4D97-AF65-F5344CB8AC3E}">
         <p14:creationId xmlns:p14="http://schemas.microsoft.com/office/powerpoint/2010/main" val="3311892694"/>
-      </p:ext>
-    </p:extLst>
-  </p:cSld>
-  <p:clrMapOvr>
-    <a:masterClrMapping/>
-  </p:clrMapOvr>
-  <p:timing>
-    <p:tnLst>
-      <p:par>
-        <p:cTn id="1" dur="indefinite" restart="never" nodeType="tmRoot"/>
-      </p:par>
-    </p:tnLst>
-  </p:timing>
-</p:sld>
-</file>
-
-<file path=ppt/slides/slide19.xml><?xml version="1.0" encoding="utf-8"?>
-<p:sld xmlns:a="http://schemas.openxmlformats.org/drawingml/2006/main" xmlns:r="http://schemas.openxmlformats.org/officeDocument/2006/relationships" xmlns:p="http://schemas.openxmlformats.org/presentationml/2006/main">
-  <p:cSld>
-    <p:spTree>
-      <p:nvGrpSpPr>
-        <p:cNvPr id="1" name=""/>
-        <p:cNvGrpSpPr/>
-        <p:nvPr/>
-      </p:nvGrpSpPr>
-      <p:grpSpPr>
-        <a:xfrm>
-          <a:off x="0" y="0"/>
-          <a:ext cx="0" cy="0"/>
-          <a:chOff x="0" y="0"/>
-          <a:chExt cx="0" cy="0"/>
-        </a:xfrm>
-      </p:grpSpPr>
-      <p:sp>
-        <p:nvSpPr>
-          <p:cNvPr id="2" name="Title 1"/>
-          <p:cNvSpPr>
-            <a:spLocks noGrp="1"/>
-          </p:cNvSpPr>
-          <p:nvPr>
-            <p:ph type="title"/>
-          </p:nvPr>
-        </p:nvSpPr>
-        <p:spPr/>
-        <p:txBody>
-          <a:bodyPr/>
-          <a:lstStyle/>
-          <a:p>
-            <a:r>
-              <a:rPr lang="en-US" dirty="0" smtClean="0"/>
-              <a:t>Input Capture</a:t>
-            </a:r>
-            <a:endParaRPr lang="en-US" dirty="0"/>
-          </a:p>
-        </p:txBody>
-      </p:sp>
-      <p:sp>
-        <p:nvSpPr>
-          <p:cNvPr id="4" name="Content Placeholder 3"/>
-          <p:cNvSpPr>
-            <a:spLocks noGrp="1"/>
-          </p:cNvSpPr>
-          <p:nvPr>
-            <p:ph idx="1"/>
-          </p:nvPr>
-        </p:nvSpPr>
-        <p:spPr/>
-        <p:txBody>
-          <a:bodyPr/>
-          <a:lstStyle/>
-          <a:p>
-            <a:r>
-              <a:rPr lang="en-US" sz="2000" dirty="0"/>
-              <a:t>The input signal level can be read at any time via the CCI bit. MSP430x2xx family devices may </a:t>
-            </a:r>
-            <a:r>
-              <a:rPr lang="en-US" sz="2000" dirty="0" smtClean="0"/>
-              <a:t>have different </a:t>
-            </a:r>
-            <a:r>
-              <a:rPr lang="en-US" sz="2000" dirty="0"/>
-              <a:t>signals connected to </a:t>
-            </a:r>
-            <a:r>
-              <a:rPr lang="en-US" sz="2000" dirty="0" err="1"/>
-              <a:t>CCIxA</a:t>
-            </a:r>
-            <a:r>
-              <a:rPr lang="en-US" sz="2000" dirty="0"/>
-              <a:t> and </a:t>
-            </a:r>
-            <a:r>
-              <a:rPr lang="en-US" sz="2000" dirty="0" err="1"/>
-              <a:t>CCIxB</a:t>
-            </a:r>
-            <a:r>
-              <a:rPr lang="en-US" sz="2000" dirty="0"/>
-              <a:t>. See the device-specific data sheet for the connections </a:t>
-            </a:r>
-            <a:r>
-              <a:rPr lang="en-US" sz="2000" dirty="0" smtClean="0"/>
-              <a:t>of these </a:t>
-            </a:r>
-            <a:r>
-              <a:rPr lang="en-US" sz="2000" dirty="0"/>
-              <a:t>signals.</a:t>
-            </a:r>
-          </a:p>
-        </p:txBody>
-      </p:sp>
-      <p:sp>
-        <p:nvSpPr>
-          <p:cNvPr id="7" name="TextBox 6"/>
-          <p:cNvSpPr txBox="1"/>
-          <p:nvPr/>
-        </p:nvSpPr>
-        <p:spPr>
-          <a:xfrm>
-            <a:off x="3205163" y="2689372"/>
-            <a:ext cx="2733674" cy="784830"/>
-          </a:xfrm>
-          <a:prstGeom prst="rect">
-            <a:avLst/>
-          </a:prstGeom>
-          <a:solidFill>
-            <a:schemeClr val="bg1"/>
-          </a:solidFill>
-        </p:spPr>
-        <p:txBody>
-          <a:bodyPr wrap="square" rtlCol="0">
-            <a:spAutoFit/>
-          </a:bodyPr>
-          <a:lstStyle/>
-          <a:p>
-            <a:r>
-              <a:rPr lang="en-US" sz="1800" dirty="0" smtClean="0"/>
-              <a:t>Device Specific pp 16</a:t>
-            </a:r>
-          </a:p>
-          <a:p>
-            <a:r>
-              <a:rPr lang="en-US" sz="1800" dirty="0" smtClean="0"/>
-              <a:t>Blue Book pp 112</a:t>
-            </a:r>
-            <a:endParaRPr lang="en-US" sz="1800" dirty="0"/>
-          </a:p>
-        </p:txBody>
-      </p:sp>
-      <p:pic>
-        <p:nvPicPr>
-          <p:cNvPr id="3074" name="Picture 2"/>
-          <p:cNvPicPr>
-            <a:picLocks noChangeAspect="1" noChangeArrowheads="1"/>
-          </p:cNvPicPr>
-          <p:nvPr/>
-        </p:nvPicPr>
-        <p:blipFill>
-          <a:blip r:embed="rId2">
-            <a:extLst>
-              <a:ext uri="{28A0092B-C50C-407E-A947-70E740481C1C}">
-                <a14:useLocalDpi xmlns:a14="http://schemas.microsoft.com/office/drawing/2010/main" val="0"/>
-              </a:ext>
-            </a:extLst>
-          </a:blip>
-          <a:srcRect/>
-          <a:stretch>
-            <a:fillRect/>
-          </a:stretch>
-        </p:blipFill>
-        <p:spPr bwMode="auto">
-          <a:xfrm>
-            <a:off x="771525" y="3490559"/>
-            <a:ext cx="7600950" cy="3924300"/>
-          </a:xfrm>
-          <a:prstGeom prst="rect">
-            <a:avLst/>
-          </a:prstGeom>
-          <a:noFill/>
-          <a:ln>
-            <a:noFill/>
-          </a:ln>
-          <a:extLst>
-            <a:ext uri="{909E8E84-426E-40DD-AFC4-6F175D3DCCD1}">
-              <a14:hiddenFill xmlns:a14="http://schemas.microsoft.com/office/drawing/2010/main">
-                <a:solidFill>
-                  <a:schemeClr val="accent1"/>
-                </a:solidFill>
-              </a14:hiddenFill>
-            </a:ext>
-            <a:ext uri="{91240B29-F687-4F45-9708-019B960494DF}">
-              <a14:hiddenLine xmlns:a14="http://schemas.microsoft.com/office/drawing/2010/main" w="9525">
-                <a:solidFill>
-                  <a:schemeClr val="tx1"/>
-                </a:solidFill>
-                <a:miter lim="800000"/>
-                <a:headEnd/>
-                <a:tailEnd/>
-              </a14:hiddenLine>
-            </a:ext>
-          </a:extLst>
-        </p:spPr>
-      </p:pic>
-    </p:spTree>
-    <p:extLst>
-      <p:ext uri="{BB962C8B-B14F-4D97-AF65-F5344CB8AC3E}">
-        <p14:creationId xmlns:p14="http://schemas.microsoft.com/office/powerpoint/2010/main" val="1856942615"/>
       </p:ext>
     </p:extLst>
   </p:cSld>
@@ -8318,6 +8446,71 @@
             <a:endParaRPr lang="en-US" sz="2800" dirty="0"/>
           </a:p>
           <a:p>
+            <a:pPr marL="457200" lvl="1" indent="-457200">
+              <a:buFont typeface="+mj-lt"/>
+              <a:buAutoNum type="arabicPeriod"/>
+            </a:pPr>
+            <a:r>
+              <a:rPr lang="en-US" sz="2000" dirty="0" smtClean="0">
+                <a:solidFill>
+                  <a:schemeClr val="accent2"/>
+                </a:solidFill>
+              </a:rPr>
+              <a:t>Answers to questions</a:t>
+            </a:r>
+          </a:p>
+          <a:p>
+            <a:pPr marL="457200" lvl="1" indent="-457200">
+              <a:buFont typeface="+mj-lt"/>
+              <a:buAutoNum type="arabicPeriod"/>
+            </a:pPr>
+            <a:r>
+              <a:rPr lang="en-US" sz="2000" dirty="0">
+                <a:solidFill>
+                  <a:schemeClr val="accent2"/>
+                </a:solidFill>
+              </a:rPr>
+              <a:t>Hardware Schematic</a:t>
+            </a:r>
+          </a:p>
+          <a:p>
+            <a:pPr marL="457200" lvl="1" indent="-457200">
+              <a:buFont typeface="+mj-lt"/>
+              <a:buAutoNum type="arabicPeriod"/>
+            </a:pPr>
+            <a:r>
+              <a:rPr lang="en-US" sz="2000" dirty="0" smtClean="0">
+                <a:solidFill>
+                  <a:schemeClr val="accent2"/>
+                </a:solidFill>
+              </a:rPr>
+              <a:t>Software </a:t>
+            </a:r>
+            <a:r>
+              <a:rPr lang="en-US" sz="2000" dirty="0" smtClean="0">
+                <a:solidFill>
+                  <a:schemeClr val="accent2"/>
+                </a:solidFill>
+              </a:rPr>
+              <a:t>Design (flowchart and/or pseudo-code)</a:t>
+            </a:r>
+          </a:p>
+          <a:p>
+            <a:pPr marL="0" indent="0">
+              <a:buNone/>
+            </a:pPr>
+            <a:endParaRPr lang="en-US" sz="2800" dirty="0" smtClean="0"/>
+          </a:p>
+          <a:p>
+            <a:pPr marL="0" indent="0">
+              <a:buNone/>
+            </a:pPr>
+            <a:r>
+              <a:rPr lang="en-US" sz="2800" dirty="0" smtClean="0"/>
+              <a:t>Basic Functionality:  </a:t>
+            </a:r>
+          </a:p>
+          <a:p>
             <a:pPr marL="285750" lvl="1">
               <a:buFontTx/>
               <a:buChar char="-"/>
@@ -8328,64 +8521,24 @@
                   <a:schemeClr val="accent2"/>
                 </a:solidFill>
               </a:rPr>
-              <a:t>Software Design (flowchart and/or pseudo-code)</a:t>
-            </a:r>
-          </a:p>
-          <a:p>
-            <a:pPr marL="285750" lvl="1">
-              <a:buFontTx/>
-              <a:buChar char="-"/>
+              <a:t>Move the Robot Forward, Reverse, Left, Right (small and large turn) (no USB cord)</a:t>
+            </a:r>
+          </a:p>
+          <a:p>
+            <a:pPr marL="0" indent="0">
+              <a:buNone/>
             </a:pPr>
             <a:r>
-              <a:rPr lang="en-US" sz="2000" dirty="0" smtClean="0">
-                <a:solidFill>
-                  <a:schemeClr val="accent2"/>
-                </a:solidFill>
-              </a:rPr>
-              <a:t>Hardware Schematics</a:t>
-            </a:r>
-            <a:endParaRPr lang="en-US" sz="2000" dirty="0">
-              <a:solidFill>
-                <a:schemeClr val="accent2"/>
-              </a:solidFill>
-            </a:endParaRPr>
-          </a:p>
-          <a:p>
-            <a:pPr marL="0" indent="0">
-              <a:buNone/>
-            </a:pPr>
-            <a:endParaRPr lang="en-US" sz="2800" dirty="0" smtClean="0"/>
-          </a:p>
-          <a:p>
-            <a:pPr marL="0" indent="0">
-              <a:buNone/>
-            </a:pPr>
+              <a:rPr lang="en-US" sz="2800" smtClean="0"/>
+              <a:t>Remote</a:t>
+            </a:r>
+            <a:r>
+              <a:rPr lang="en-US" sz="2800" smtClean="0"/>
+              <a:t> </a:t>
+            </a:r>
             <a:r>
               <a:rPr lang="en-US" sz="2800" dirty="0" smtClean="0"/>
-              <a:t>Basic Functionality:  </a:t>
-            </a:r>
-          </a:p>
-          <a:p>
-            <a:pPr marL="285750" lvl="1">
-              <a:buFontTx/>
-              <a:buChar char="-"/>
-            </a:pPr>
-            <a:r>
-              <a:rPr lang="en-US" sz="2000" dirty="0" smtClean="0">
-                <a:solidFill>
-                  <a:schemeClr val="accent2"/>
-                </a:solidFill>
-              </a:rPr>
-              <a:t>Move the Robot Forward, Reverse, Left, Right (small and large turn) (no USB cord)</a:t>
-            </a:r>
-          </a:p>
-          <a:p>
-            <a:pPr marL="0" indent="0">
-              <a:buNone/>
-            </a:pPr>
-            <a:r>
-              <a:rPr lang="en-US" sz="2800" dirty="0" smtClean="0"/>
-              <a:t>A Functionality</a:t>
+              <a:t>Functionality</a:t>
             </a:r>
             <a:r>
               <a:rPr lang="en-US" sz="2800" dirty="0"/>
@@ -8452,6 +8605,212 @@
 </file>
 
 <file path=ppt/slides/slide20.xml><?xml version="1.0" encoding="utf-8"?>
+<p:sld xmlns:a="http://schemas.openxmlformats.org/drawingml/2006/main" xmlns:r="http://schemas.openxmlformats.org/officeDocument/2006/relationships" xmlns:p="http://schemas.openxmlformats.org/presentationml/2006/main">
+  <p:cSld>
+    <p:spTree>
+      <p:nvGrpSpPr>
+        <p:cNvPr id="1" name=""/>
+        <p:cNvGrpSpPr/>
+        <p:nvPr/>
+      </p:nvGrpSpPr>
+      <p:grpSpPr>
+        <a:xfrm>
+          <a:off x="0" y="0"/>
+          <a:ext cx="0" cy="0"/>
+          <a:chOff x="0" y="0"/>
+          <a:chExt cx="0" cy="0"/>
+        </a:xfrm>
+      </p:grpSpPr>
+      <p:sp>
+        <p:nvSpPr>
+          <p:cNvPr id="2" name="Title 1"/>
+          <p:cNvSpPr>
+            <a:spLocks noGrp="1"/>
+          </p:cNvSpPr>
+          <p:nvPr>
+            <p:ph type="title"/>
+          </p:nvPr>
+        </p:nvSpPr>
+        <p:spPr/>
+        <p:txBody>
+          <a:bodyPr/>
+          <a:lstStyle/>
+          <a:p>
+            <a:r>
+              <a:rPr lang="en-US" dirty="0" smtClean="0"/>
+              <a:t>Input Capture</a:t>
+            </a:r>
+            <a:endParaRPr lang="en-US" dirty="0"/>
+          </a:p>
+        </p:txBody>
+      </p:sp>
+      <p:sp>
+        <p:nvSpPr>
+          <p:cNvPr id="4" name="Content Placeholder 3"/>
+          <p:cNvSpPr>
+            <a:spLocks noGrp="1"/>
+          </p:cNvSpPr>
+          <p:nvPr>
+            <p:ph idx="1"/>
+          </p:nvPr>
+        </p:nvSpPr>
+        <p:spPr/>
+        <p:txBody>
+          <a:bodyPr/>
+          <a:lstStyle/>
+          <a:p>
+            <a:r>
+              <a:rPr lang="en-US" sz="2000" dirty="0"/>
+              <a:t>The input signal level can be read at any time via the CCI bit. MSP430x2xx family devices may </a:t>
+            </a:r>
+            <a:r>
+              <a:rPr lang="en-US" sz="2000" dirty="0" smtClean="0"/>
+              <a:t>have different </a:t>
+            </a:r>
+            <a:r>
+              <a:rPr lang="en-US" sz="2000" dirty="0"/>
+              <a:t>signals connected to </a:t>
+            </a:r>
+            <a:r>
+              <a:rPr lang="en-US" sz="2000" dirty="0" err="1"/>
+              <a:t>CCIxA</a:t>
+            </a:r>
+            <a:r>
+              <a:rPr lang="en-US" sz="2000" dirty="0"/>
+              <a:t> and </a:t>
+            </a:r>
+            <a:r>
+              <a:rPr lang="en-US" sz="2000" dirty="0" err="1"/>
+              <a:t>CCIxB</a:t>
+            </a:r>
+            <a:r>
+              <a:rPr lang="en-US" sz="2000" dirty="0"/>
+              <a:t>. See the device-specific data sheet for the connections </a:t>
+            </a:r>
+            <a:r>
+              <a:rPr lang="en-US" sz="2000" dirty="0" smtClean="0"/>
+              <a:t>of these </a:t>
+            </a:r>
+            <a:r>
+              <a:rPr lang="en-US" sz="2000" dirty="0"/>
+              <a:t>signals.</a:t>
+            </a:r>
+          </a:p>
+        </p:txBody>
+      </p:sp>
+      <p:sp>
+        <p:nvSpPr>
+          <p:cNvPr id="7" name="TextBox 6"/>
+          <p:cNvSpPr txBox="1"/>
+          <p:nvPr/>
+        </p:nvSpPr>
+        <p:spPr>
+          <a:xfrm>
+            <a:off x="3205163" y="2689372"/>
+            <a:ext cx="2733674" cy="784830"/>
+          </a:xfrm>
+          <a:prstGeom prst="rect">
+            <a:avLst/>
+          </a:prstGeom>
+          <a:solidFill>
+            <a:schemeClr val="bg1"/>
+          </a:solidFill>
+        </p:spPr>
+        <p:txBody>
+          <a:bodyPr wrap="square" rtlCol="0">
+            <a:spAutoFit/>
+          </a:bodyPr>
+          <a:lstStyle/>
+          <a:p>
+            <a:r>
+              <a:rPr lang="en-US" sz="1800" dirty="0" smtClean="0"/>
+              <a:t>Device Specific pp 16</a:t>
+            </a:r>
+          </a:p>
+          <a:p>
+            <a:r>
+              <a:rPr lang="en-US" sz="1800" dirty="0" smtClean="0"/>
+              <a:t>Blue Book pp 112</a:t>
+            </a:r>
+            <a:endParaRPr lang="en-US" sz="1800" dirty="0"/>
+          </a:p>
+        </p:txBody>
+      </p:sp>
+      <p:pic>
+        <p:nvPicPr>
+          <p:cNvPr id="3074" name="Picture 2"/>
+          <p:cNvPicPr>
+            <a:picLocks noChangeAspect="1" noChangeArrowheads="1"/>
+          </p:cNvPicPr>
+          <p:nvPr/>
+        </p:nvPicPr>
+        <p:blipFill>
+          <a:blip r:embed="rId2">
+            <a:extLst>
+              <a:ext uri="{28A0092B-C50C-407E-A947-70E740481C1C}">
+                <a14:useLocalDpi xmlns:a14="http://schemas.microsoft.com/office/drawing/2010/main" val="0"/>
+              </a:ext>
+            </a:extLst>
+          </a:blip>
+          <a:srcRect/>
+          <a:stretch>
+            <a:fillRect/>
+          </a:stretch>
+        </p:blipFill>
+        <p:spPr bwMode="auto">
+          <a:xfrm>
+            <a:off x="771525" y="3490559"/>
+            <a:ext cx="7600950" cy="3924300"/>
+          </a:xfrm>
+          <a:prstGeom prst="rect">
+            <a:avLst/>
+          </a:prstGeom>
+          <a:noFill/>
+          <a:ln>
+            <a:noFill/>
+          </a:ln>
+          <a:extLst>
+            <a:ext uri="{909E8E84-426E-40DD-AFC4-6F175D3DCCD1}">
+              <a14:hiddenFill xmlns:a14="http://schemas.microsoft.com/office/drawing/2010/main">
+                <a:solidFill>
+                  <a:schemeClr val="accent1"/>
+                </a:solidFill>
+              </a14:hiddenFill>
+            </a:ext>
+            <a:ext uri="{91240B29-F687-4F45-9708-019B960494DF}">
+              <a14:hiddenLine xmlns:a14="http://schemas.microsoft.com/office/drawing/2010/main" w="9525">
+                <a:solidFill>
+                  <a:schemeClr val="tx1"/>
+                </a:solidFill>
+                <a:miter lim="800000"/>
+                <a:headEnd/>
+                <a:tailEnd/>
+              </a14:hiddenLine>
+            </a:ext>
+          </a:extLst>
+        </p:spPr>
+      </p:pic>
+    </p:spTree>
+    <p:extLst>
+      <p:ext uri="{BB962C8B-B14F-4D97-AF65-F5344CB8AC3E}">
+        <p14:creationId xmlns:p14="http://schemas.microsoft.com/office/powerpoint/2010/main" val="1856942615"/>
+      </p:ext>
+    </p:extLst>
+  </p:cSld>
+  <p:clrMapOvr>
+    <a:masterClrMapping/>
+  </p:clrMapOvr>
+  <p:timing>
+    <p:tnLst>
+      <p:par>
+        <p:cTn id="1" dur="indefinite" restart="never" nodeType="tmRoot"/>
+      </p:par>
+    </p:tnLst>
+  </p:timing>
+</p:sld>
+</file>
+
+<file path=ppt/slides/slide21.xml><?xml version="1.0" encoding="utf-8"?>
 <p:sld xmlns:a="http://schemas.openxmlformats.org/drawingml/2006/main" xmlns:r="http://schemas.openxmlformats.org/officeDocument/2006/relationships" xmlns:p="http://schemas.openxmlformats.org/presentationml/2006/main">
   <p:cSld>
     <p:spTree>
@@ -8730,7 +9089,7 @@
 </p:sld>
 </file>
 
-<file path=ppt/slides/slide21.xml><?xml version="1.0" encoding="utf-8"?>
+<file path=ppt/slides/slide22.xml><?xml version="1.0" encoding="utf-8"?>
 <p:sld xmlns:a="http://schemas.openxmlformats.org/drawingml/2006/main" xmlns:r="http://schemas.openxmlformats.org/officeDocument/2006/relationships" xmlns:p="http://schemas.openxmlformats.org/presentationml/2006/main">
   <p:cSld>
     <p:spTree>
@@ -8955,7 +9314,144 @@
 </p:sld>
 </file>
 
-<file path=ppt/slides/slide22.xml><?xml version="1.0" encoding="utf-8"?>
+<file path=ppt/slides/slide23.xml><?xml version="1.0" encoding="utf-8"?>
+<p:sld xmlns:a="http://schemas.openxmlformats.org/drawingml/2006/main" xmlns:r="http://schemas.openxmlformats.org/officeDocument/2006/relationships" xmlns:p="http://schemas.openxmlformats.org/presentationml/2006/main">
+  <p:cSld>
+    <p:spTree>
+      <p:nvGrpSpPr>
+        <p:cNvPr id="1" name=""/>
+        <p:cNvGrpSpPr/>
+        <p:nvPr/>
+      </p:nvGrpSpPr>
+      <p:grpSpPr>
+        <a:xfrm>
+          <a:off x="0" y="0"/>
+          <a:ext cx="0" cy="0"/>
+          <a:chOff x="0" y="0"/>
+          <a:chExt cx="0" cy="0"/>
+        </a:xfrm>
+      </p:grpSpPr>
+      <p:sp>
+        <p:nvSpPr>
+          <p:cNvPr id="2" name="Title 1"/>
+          <p:cNvSpPr>
+            <a:spLocks noGrp="1"/>
+          </p:cNvSpPr>
+          <p:nvPr>
+            <p:ph type="title"/>
+          </p:nvPr>
+        </p:nvSpPr>
+        <p:spPr/>
+        <p:txBody>
+          <a:bodyPr/>
+          <a:lstStyle/>
+          <a:p>
+            <a:r>
+              <a:rPr lang="en-US" dirty="0" smtClean="0"/>
+              <a:t>PWM Setup Tasks</a:t>
+            </a:r>
+            <a:endParaRPr lang="en-US" dirty="0"/>
+          </a:p>
+        </p:txBody>
+      </p:sp>
+      <p:sp>
+        <p:nvSpPr>
+          <p:cNvPr id="3" name="Content Placeholder 2"/>
+          <p:cNvSpPr>
+            <a:spLocks noGrp="1"/>
+          </p:cNvSpPr>
+          <p:nvPr>
+            <p:ph idx="1"/>
+          </p:nvPr>
+        </p:nvSpPr>
+        <p:spPr>
+          <a:xfrm>
+            <a:off x="695325" y="904875"/>
+            <a:ext cx="7772400" cy="4724400"/>
+          </a:xfrm>
+        </p:spPr>
+        <p:txBody>
+          <a:bodyPr/>
+          <a:lstStyle/>
+          <a:p>
+            <a:r>
+              <a:rPr lang="en-US" dirty="0" smtClean="0"/>
+              <a:t>Set I/O direction for output</a:t>
+            </a:r>
+          </a:p>
+          <a:p>
+            <a:pPr lvl="1"/>
+            <a:r>
+              <a:rPr lang="en-US" dirty="0" smtClean="0"/>
+              <a:t>MUX PWM</a:t>
+            </a:r>
+          </a:p>
+          <a:p>
+            <a:endParaRPr lang="en-US" dirty="0" smtClean="0"/>
+          </a:p>
+          <a:p>
+            <a:r>
+              <a:rPr lang="en-US" dirty="0"/>
+              <a:t>Set period</a:t>
+            </a:r>
+          </a:p>
+          <a:p>
+            <a:r>
+              <a:rPr lang="en-US" dirty="0"/>
+              <a:t>Set on time</a:t>
+            </a:r>
+          </a:p>
+          <a:p>
+            <a:r>
+              <a:rPr lang="en-US" dirty="0" smtClean="0"/>
+              <a:t>Enable PWM </a:t>
+            </a:r>
+            <a:r>
+              <a:rPr lang="en-US" u="sng" dirty="0" smtClean="0"/>
+              <a:t>mode</a:t>
+            </a:r>
+            <a:r>
+              <a:rPr lang="en-US" dirty="0" smtClean="0"/>
+              <a:t> on timer</a:t>
+            </a:r>
+          </a:p>
+          <a:p>
+            <a:endParaRPr lang="en-US" dirty="0" smtClean="0"/>
+          </a:p>
+          <a:p>
+            <a:r>
+              <a:rPr lang="en-US" dirty="0" err="1" smtClean="0"/>
+              <a:t>Config</a:t>
+            </a:r>
+            <a:r>
+              <a:rPr lang="en-US" dirty="0" smtClean="0"/>
+              <a:t> / Start timer</a:t>
+            </a:r>
+            <a:endParaRPr lang="en-US" dirty="0"/>
+          </a:p>
+        </p:txBody>
+      </p:sp>
+    </p:spTree>
+    <p:extLst>
+      <p:ext uri="{BB962C8B-B14F-4D97-AF65-F5344CB8AC3E}">
+        <p14:creationId xmlns:p14="http://schemas.microsoft.com/office/powerpoint/2010/main" val="4019579348"/>
+      </p:ext>
+    </p:extLst>
+  </p:cSld>
+  <p:clrMapOvr>
+    <a:masterClrMapping/>
+  </p:clrMapOvr>
+  <p:timing>
+    <p:tnLst>
+      <p:par>
+        <p:cTn id="1" dur="indefinite" restart="never" nodeType="tmRoot"/>
+      </p:par>
+    </p:tnLst>
+  </p:timing>
+</p:sld>
+</file>
+
+<file path=ppt/slides/slide24.xml><?xml version="1.0" encoding="utf-8"?>
 <p:sld xmlns:a="http://schemas.openxmlformats.org/drawingml/2006/main" xmlns:r="http://schemas.openxmlformats.org/officeDocument/2006/relationships" xmlns:p="http://schemas.openxmlformats.org/presentationml/2006/main">
   <p:cSld>
     <p:spTree>
@@ -10294,7 +10790,7 @@
 </p:sld>
 </file>
 
-<file path=ppt/slides/slide23.xml><?xml version="1.0" encoding="utf-8"?>
+<file path=ppt/slides/slide25.xml><?xml version="1.0" encoding="utf-8"?>
 <p:sld xmlns:a="http://schemas.openxmlformats.org/drawingml/2006/main" xmlns:r="http://schemas.openxmlformats.org/officeDocument/2006/relationships" xmlns:p="http://schemas.openxmlformats.org/presentationml/2006/main">
   <p:cSld>
     <p:spTree>
@@ -10596,7 +11092,7 @@
 </p:sld>
 </file>
 
-<file path=ppt/slides/slide24.xml><?xml version="1.0" encoding="utf-8"?>
+<file path=ppt/slides/slide26.xml><?xml version="1.0" encoding="utf-8"?>
 <p:sld xmlns:a="http://schemas.openxmlformats.org/drawingml/2006/main" xmlns:r="http://schemas.openxmlformats.org/officeDocument/2006/relationships" xmlns:p="http://schemas.openxmlformats.org/presentationml/2006/main">
   <p:cSld>
     <p:spTree>
@@ -10711,2842 +11207,6 @@
     <p:extLst>
       <p:ext uri="{BB962C8B-B14F-4D97-AF65-F5344CB8AC3E}">
         <p14:creationId xmlns:p14="http://schemas.microsoft.com/office/powerpoint/2010/main" val="1711522809"/>
-      </p:ext>
-    </p:extLst>
-  </p:cSld>
-  <p:clrMapOvr>
-    <a:masterClrMapping/>
-  </p:clrMapOvr>
-  <p:timing>
-    <p:tnLst>
-      <p:par>
-        <p:cTn id="1" dur="indefinite" restart="never" nodeType="tmRoot"/>
-      </p:par>
-    </p:tnLst>
-  </p:timing>
-</p:sld>
-</file>
-
-<file path=ppt/slides/slide25.xml><?xml version="1.0" encoding="utf-8"?>
-<p:sld xmlns:a="http://schemas.openxmlformats.org/drawingml/2006/main" xmlns:r="http://schemas.openxmlformats.org/officeDocument/2006/relationships" xmlns:p="http://schemas.openxmlformats.org/presentationml/2006/main">
-  <p:cSld>
-    <p:spTree>
-      <p:nvGrpSpPr>
-        <p:cNvPr id="1" name=""/>
-        <p:cNvGrpSpPr/>
-        <p:nvPr/>
-      </p:nvGrpSpPr>
-      <p:grpSpPr>
-        <a:xfrm>
-          <a:off x="0" y="0"/>
-          <a:ext cx="0" cy="0"/>
-          <a:chOff x="0" y="0"/>
-          <a:chExt cx="0" cy="0"/>
-        </a:xfrm>
-      </p:grpSpPr>
-      <p:sp>
-        <p:nvSpPr>
-          <p:cNvPr id="2" name="Title 1"/>
-          <p:cNvSpPr>
-            <a:spLocks noGrp="1"/>
-          </p:cNvSpPr>
-          <p:nvPr>
-            <p:ph type="title"/>
-          </p:nvPr>
-        </p:nvSpPr>
-        <p:spPr>
-          <a:xfrm>
-            <a:off x="685800" y="152400"/>
-            <a:ext cx="7772400" cy="457200"/>
-          </a:xfrm>
-        </p:spPr>
-        <p:txBody>
-          <a:bodyPr/>
-          <a:lstStyle/>
-          <a:p>
-            <a:r>
-              <a:rPr lang="en-US" b="1" dirty="0" smtClean="0"/>
-              <a:t>Example</a:t>
-            </a:r>
-            <a:endParaRPr lang="en-US" b="1" dirty="0"/>
-          </a:p>
-        </p:txBody>
-      </p:sp>
-      <p:sp>
-        <p:nvSpPr>
-          <p:cNvPr id="3" name="Content Placeholder 2"/>
-          <p:cNvSpPr>
-            <a:spLocks noGrp="1"/>
-          </p:cNvSpPr>
-          <p:nvPr>
-            <p:ph idx="1"/>
-          </p:nvPr>
-        </p:nvSpPr>
-        <p:spPr>
-          <a:xfrm>
-            <a:off x="253089" y="190454"/>
-            <a:ext cx="8557536" cy="5747330"/>
-          </a:xfrm>
-        </p:spPr>
-        <p:txBody>
-          <a:bodyPr/>
-          <a:lstStyle/>
-          <a:p>
-            <a:pPr marL="57150" indent="0">
-              <a:buNone/>
-            </a:pPr>
-            <a:r>
-              <a:rPr lang="en-US" sz="1400" b="1" dirty="0">
-                <a:solidFill>
-                  <a:schemeClr val="accent2"/>
-                </a:solidFill>
-                <a:latin typeface="Courier New" pitchFamily="49" charset="0"/>
-                <a:cs typeface="Courier New" pitchFamily="49" charset="0"/>
-              </a:rPr>
-              <a:t>#include &lt;msp430.h</a:t>
-            </a:r>
-            <a:r>
-              <a:rPr lang="en-US" sz="1400" b="1" dirty="0" smtClean="0">
-                <a:solidFill>
-                  <a:schemeClr val="accent2"/>
-                </a:solidFill>
-                <a:latin typeface="Courier New" pitchFamily="49" charset="0"/>
-                <a:cs typeface="Courier New" pitchFamily="49" charset="0"/>
-              </a:rPr>
-              <a:t>&gt;</a:t>
-            </a:r>
-            <a:endParaRPr lang="en-US" sz="1400" b="1" dirty="0">
-              <a:solidFill>
-                <a:schemeClr val="accent2"/>
-              </a:solidFill>
-              <a:latin typeface="Courier New" pitchFamily="49" charset="0"/>
-              <a:cs typeface="Courier New" pitchFamily="49" charset="0"/>
-            </a:endParaRPr>
-          </a:p>
-          <a:p>
-            <a:pPr marL="57150" indent="0">
-              <a:buNone/>
-            </a:pPr>
-            <a:r>
-              <a:rPr lang="en-US" sz="1400" b="1" dirty="0">
-                <a:solidFill>
-                  <a:schemeClr val="accent2"/>
-                </a:solidFill>
-                <a:latin typeface="Courier New" pitchFamily="49" charset="0"/>
-                <a:cs typeface="Courier New" pitchFamily="49" charset="0"/>
-              </a:rPr>
-              <a:t>int main(void)</a:t>
-            </a:r>
-          </a:p>
-          <a:p>
-            <a:pPr marL="57150" indent="0">
-              <a:buNone/>
-            </a:pPr>
-            <a:r>
-              <a:rPr lang="en-US" sz="1400" b="1" dirty="0">
-                <a:solidFill>
-                  <a:schemeClr val="accent2"/>
-                </a:solidFill>
-                <a:latin typeface="Courier New" pitchFamily="49" charset="0"/>
-                <a:cs typeface="Courier New" pitchFamily="49" charset="0"/>
-              </a:rPr>
-              <a:t>{</a:t>
-            </a:r>
-          </a:p>
-          <a:p>
-            <a:pPr marL="57150" indent="0">
-              <a:buNone/>
-            </a:pPr>
-            <a:r>
-              <a:rPr lang="en-US" sz="1400" b="1" dirty="0">
-                <a:solidFill>
-                  <a:schemeClr val="accent2"/>
-                </a:solidFill>
-                <a:latin typeface="Courier New" pitchFamily="49" charset="0"/>
-                <a:cs typeface="Courier New" pitchFamily="49" charset="0"/>
-              </a:rPr>
-              <a:t>    WDTCTL = WDTPW|WDTHOLD; </a:t>
-            </a:r>
-            <a:r>
-              <a:rPr lang="en-US" sz="1400" b="1" dirty="0" smtClean="0">
-                <a:solidFill>
-                  <a:schemeClr val="accent2"/>
-                </a:solidFill>
-                <a:latin typeface="Courier New" pitchFamily="49" charset="0"/>
-                <a:cs typeface="Courier New" pitchFamily="49" charset="0"/>
-              </a:rPr>
-              <a:t>      </a:t>
-            </a:r>
-            <a:r>
-              <a:rPr lang="en-US" sz="1400" b="1" dirty="0" smtClean="0">
-                <a:solidFill>
-                  <a:srgbClr val="00B050"/>
-                </a:solidFill>
-                <a:latin typeface="Courier New" pitchFamily="49" charset="0"/>
-                <a:cs typeface="Courier New" pitchFamily="49" charset="0"/>
-              </a:rPr>
-              <a:t>// </a:t>
-            </a:r>
-            <a:r>
-              <a:rPr lang="en-US" sz="1400" b="1" dirty="0">
-                <a:solidFill>
-                  <a:srgbClr val="00B050"/>
-                </a:solidFill>
-                <a:latin typeface="Courier New" pitchFamily="49" charset="0"/>
-                <a:cs typeface="Courier New" pitchFamily="49" charset="0"/>
-              </a:rPr>
-              <a:t>stop the watchdog </a:t>
-            </a:r>
-            <a:r>
-              <a:rPr lang="en-US" sz="1400" b="1" dirty="0" smtClean="0">
-                <a:solidFill>
-                  <a:srgbClr val="00B050"/>
-                </a:solidFill>
-                <a:latin typeface="Courier New" pitchFamily="49" charset="0"/>
-                <a:cs typeface="Courier New" pitchFamily="49" charset="0"/>
-              </a:rPr>
-              <a:t>timer</a:t>
-            </a:r>
-            <a:endParaRPr lang="en-US" sz="1400" b="1" dirty="0">
-              <a:solidFill>
-                <a:srgbClr val="00B050"/>
-              </a:solidFill>
-              <a:latin typeface="Courier New" pitchFamily="49" charset="0"/>
-              <a:cs typeface="Courier New" pitchFamily="49" charset="0"/>
-            </a:endParaRPr>
-          </a:p>
-          <a:p>
-            <a:pPr marL="57150" indent="0">
-              <a:buNone/>
-            </a:pPr>
-            <a:r>
-              <a:rPr lang="en-US" sz="1400" b="1" dirty="0">
-                <a:solidFill>
-                  <a:schemeClr val="accent2"/>
-                </a:solidFill>
-                <a:latin typeface="Courier New" pitchFamily="49" charset="0"/>
-                <a:cs typeface="Courier New" pitchFamily="49" charset="0"/>
-              </a:rPr>
-              <a:t>    P1DIR |= BIT2;                </a:t>
-            </a:r>
-            <a:r>
-              <a:rPr lang="en-US" sz="1400" b="1" dirty="0">
-                <a:solidFill>
-                  <a:srgbClr val="00B050"/>
-                </a:solidFill>
-                <a:latin typeface="Courier New" pitchFamily="49" charset="0"/>
-                <a:cs typeface="Courier New" pitchFamily="49" charset="0"/>
-              </a:rPr>
-              <a:t>// TA0CCR1 on P1.2</a:t>
-            </a:r>
-          </a:p>
-          <a:p>
-            <a:pPr marL="57150" indent="0">
-              <a:buNone/>
-            </a:pPr>
-            <a:r>
-              <a:rPr lang="en-US" sz="1400" b="1" dirty="0">
-                <a:solidFill>
-                  <a:schemeClr val="accent2"/>
-                </a:solidFill>
-                <a:latin typeface="Courier New" pitchFamily="49" charset="0"/>
-                <a:cs typeface="Courier New" pitchFamily="49" charset="0"/>
-              </a:rPr>
-              <a:t>    P1SEL |= BIT2;                </a:t>
-            </a:r>
-            <a:r>
-              <a:rPr lang="en-US" sz="1400" b="1" dirty="0">
-                <a:solidFill>
-                  <a:srgbClr val="00B050"/>
-                </a:solidFill>
-                <a:latin typeface="Courier New" pitchFamily="49" charset="0"/>
-                <a:cs typeface="Courier New" pitchFamily="49" charset="0"/>
-              </a:rPr>
-              <a:t>// TA0CCR1 on </a:t>
-            </a:r>
-            <a:r>
-              <a:rPr lang="en-US" sz="1400" b="1" dirty="0" smtClean="0">
-                <a:solidFill>
-                  <a:srgbClr val="00B050"/>
-                </a:solidFill>
-                <a:latin typeface="Courier New" pitchFamily="49" charset="0"/>
-                <a:cs typeface="Courier New" pitchFamily="49" charset="0"/>
-              </a:rPr>
-              <a:t>P1.2</a:t>
-            </a:r>
-            <a:endParaRPr lang="en-US" sz="1400" b="1" dirty="0">
-              <a:solidFill>
-                <a:srgbClr val="00B050"/>
-              </a:solidFill>
-              <a:latin typeface="Courier New" pitchFamily="49" charset="0"/>
-              <a:cs typeface="Courier New" pitchFamily="49" charset="0"/>
-            </a:endParaRPr>
-          </a:p>
-          <a:p>
-            <a:pPr marL="57150" indent="0">
-              <a:buNone/>
-            </a:pPr>
-            <a:r>
-              <a:rPr lang="en-US" sz="1400" b="1" dirty="0">
-                <a:solidFill>
-                  <a:schemeClr val="accent2"/>
-                </a:solidFill>
-                <a:latin typeface="Courier New" pitchFamily="49" charset="0"/>
-                <a:cs typeface="Courier New" pitchFamily="49" charset="0"/>
-              </a:rPr>
-              <a:t>    </a:t>
-            </a:r>
-            <a:r>
-              <a:rPr lang="en-US" sz="1400" b="1" dirty="0" smtClean="0">
-                <a:solidFill>
-                  <a:schemeClr val="accent2"/>
-                </a:solidFill>
-                <a:latin typeface="Courier New" pitchFamily="49" charset="0"/>
-                <a:cs typeface="Courier New" pitchFamily="49" charset="0"/>
-              </a:rPr>
-              <a:t>TA0CTL </a:t>
-            </a:r>
-            <a:r>
-              <a:rPr lang="en-US" sz="1400" b="1" dirty="0">
-                <a:solidFill>
-                  <a:schemeClr val="accent2"/>
-                </a:solidFill>
-                <a:latin typeface="Courier New" pitchFamily="49" charset="0"/>
-                <a:cs typeface="Courier New" pitchFamily="49" charset="0"/>
-              </a:rPr>
-              <a:t>&amp;= ~MC1|MC0;            </a:t>
-            </a:r>
-            <a:r>
-              <a:rPr lang="en-US" sz="1400" b="1" dirty="0">
-                <a:solidFill>
-                  <a:srgbClr val="00B050"/>
-                </a:solidFill>
-                <a:latin typeface="Courier New" pitchFamily="49" charset="0"/>
-                <a:cs typeface="Courier New" pitchFamily="49" charset="0"/>
-              </a:rPr>
-              <a:t>// stop timer </a:t>
-            </a:r>
-            <a:r>
-              <a:rPr lang="en-US" sz="1400" b="1" dirty="0" smtClean="0">
-                <a:solidFill>
-                  <a:srgbClr val="00B050"/>
-                </a:solidFill>
-                <a:latin typeface="Courier New" pitchFamily="49" charset="0"/>
-                <a:cs typeface="Courier New" pitchFamily="49" charset="0"/>
-              </a:rPr>
-              <a:t>A0</a:t>
-            </a:r>
-            <a:endParaRPr lang="en-US" sz="1400" b="1" dirty="0">
-              <a:solidFill>
-                <a:srgbClr val="00B050"/>
-              </a:solidFill>
-              <a:latin typeface="Courier New" pitchFamily="49" charset="0"/>
-              <a:cs typeface="Courier New" pitchFamily="49" charset="0"/>
-            </a:endParaRPr>
-          </a:p>
-          <a:p>
-            <a:pPr marL="57150" indent="0">
-              <a:buNone/>
-            </a:pPr>
-            <a:r>
-              <a:rPr lang="en-US" sz="1400" b="1" dirty="0">
-                <a:solidFill>
-                  <a:schemeClr val="accent2"/>
-                </a:solidFill>
-                <a:latin typeface="Courier New" pitchFamily="49" charset="0"/>
-                <a:cs typeface="Courier New" pitchFamily="49" charset="0"/>
-              </a:rPr>
-              <a:t>    </a:t>
-            </a:r>
-            <a:r>
-              <a:rPr lang="en-US" sz="1400" b="1" dirty="0" smtClean="0">
-                <a:solidFill>
-                  <a:schemeClr val="accent2"/>
-                </a:solidFill>
-                <a:latin typeface="Courier New" pitchFamily="49" charset="0"/>
-                <a:cs typeface="Courier New" pitchFamily="49" charset="0"/>
-              </a:rPr>
-              <a:t>TA0CTL </a:t>
-            </a:r>
-            <a:r>
-              <a:rPr lang="en-US" sz="1400" b="1" dirty="0">
-                <a:solidFill>
-                  <a:schemeClr val="accent2"/>
-                </a:solidFill>
-                <a:latin typeface="Courier New" pitchFamily="49" charset="0"/>
-                <a:cs typeface="Courier New" pitchFamily="49" charset="0"/>
-              </a:rPr>
-              <a:t>|= TACLR;                </a:t>
-            </a:r>
-            <a:r>
-              <a:rPr lang="en-US" sz="1400" b="1" dirty="0">
-                <a:solidFill>
-                  <a:srgbClr val="00B050"/>
-                </a:solidFill>
-                <a:latin typeface="Courier New" pitchFamily="49" charset="0"/>
-                <a:cs typeface="Courier New" pitchFamily="49" charset="0"/>
-              </a:rPr>
-              <a:t>// clear timer </a:t>
-            </a:r>
-            <a:r>
-              <a:rPr lang="en-US" sz="1400" b="1" dirty="0" smtClean="0">
-                <a:solidFill>
-                  <a:srgbClr val="00B050"/>
-                </a:solidFill>
-                <a:latin typeface="Courier New" pitchFamily="49" charset="0"/>
-                <a:cs typeface="Courier New" pitchFamily="49" charset="0"/>
-              </a:rPr>
-              <a:t>A0</a:t>
-            </a:r>
-            <a:endParaRPr lang="en-US" sz="1400" b="1" dirty="0">
-              <a:solidFill>
-                <a:srgbClr val="00B050"/>
-              </a:solidFill>
-              <a:latin typeface="Courier New" pitchFamily="49" charset="0"/>
-              <a:cs typeface="Courier New" pitchFamily="49" charset="0"/>
-            </a:endParaRPr>
-          </a:p>
-          <a:p>
-            <a:pPr marL="57150" indent="0">
-              <a:buNone/>
-            </a:pPr>
-            <a:r>
-              <a:rPr lang="en-US" sz="1400" b="1" dirty="0">
-                <a:solidFill>
-                  <a:schemeClr val="accent2"/>
-                </a:solidFill>
-                <a:latin typeface="Courier New" pitchFamily="49" charset="0"/>
-                <a:cs typeface="Courier New" pitchFamily="49" charset="0"/>
-              </a:rPr>
-              <a:t>    </a:t>
-            </a:r>
-            <a:r>
-              <a:rPr lang="en-US" sz="1400" b="1" dirty="0" smtClean="0">
-                <a:solidFill>
-                  <a:schemeClr val="accent2"/>
-                </a:solidFill>
-                <a:latin typeface="Courier New" pitchFamily="49" charset="0"/>
-                <a:cs typeface="Courier New" pitchFamily="49" charset="0"/>
-              </a:rPr>
-              <a:t>TA0CTL </a:t>
-            </a:r>
-            <a:r>
-              <a:rPr lang="en-US" sz="1400" b="1" dirty="0">
-                <a:solidFill>
-                  <a:schemeClr val="accent2"/>
-                </a:solidFill>
-                <a:latin typeface="Courier New" pitchFamily="49" charset="0"/>
-                <a:cs typeface="Courier New" pitchFamily="49" charset="0"/>
-              </a:rPr>
-              <a:t>|= TASSEL1;           </a:t>
-            </a:r>
-            <a:r>
-              <a:rPr lang="en-US" sz="1400" b="1" dirty="0">
-                <a:solidFill>
-                  <a:srgbClr val="00B050"/>
-                </a:solidFill>
-                <a:latin typeface="Courier New" pitchFamily="49" charset="0"/>
-                <a:cs typeface="Courier New" pitchFamily="49" charset="0"/>
-              </a:rPr>
-              <a:t>// configure for </a:t>
-            </a:r>
-            <a:r>
-              <a:rPr lang="en-US" sz="1400" b="1" dirty="0" smtClean="0">
-                <a:solidFill>
-                  <a:srgbClr val="00B050"/>
-                </a:solidFill>
-                <a:latin typeface="Courier New" pitchFamily="49" charset="0"/>
-                <a:cs typeface="Courier New" pitchFamily="49" charset="0"/>
-              </a:rPr>
-              <a:t>SMCLK</a:t>
-            </a:r>
-            <a:endParaRPr lang="en-US" sz="1400" b="1" dirty="0">
-              <a:solidFill>
-                <a:srgbClr val="00B050"/>
-              </a:solidFill>
-              <a:latin typeface="Courier New" pitchFamily="49" charset="0"/>
-              <a:cs typeface="Courier New" pitchFamily="49" charset="0"/>
-            </a:endParaRPr>
-          </a:p>
-          <a:p>
-            <a:pPr marL="57150" indent="0">
-              <a:buNone/>
-            </a:pPr>
-            <a:r>
-              <a:rPr lang="en-US" sz="1400" b="1" dirty="0">
-                <a:solidFill>
-                  <a:schemeClr val="accent2"/>
-                </a:solidFill>
-                <a:latin typeface="Courier New" pitchFamily="49" charset="0"/>
-                <a:cs typeface="Courier New" pitchFamily="49" charset="0"/>
-              </a:rPr>
-              <a:t>    </a:t>
-            </a:r>
-            <a:r>
-              <a:rPr lang="en-US" sz="1400" b="1" dirty="0" smtClean="0">
-                <a:solidFill>
-                  <a:schemeClr val="accent2"/>
-                </a:solidFill>
-                <a:latin typeface="Courier New" pitchFamily="49" charset="0"/>
-                <a:cs typeface="Courier New" pitchFamily="49" charset="0"/>
-              </a:rPr>
-              <a:t>TA0CCR0 </a:t>
-            </a:r>
-            <a:r>
-              <a:rPr lang="en-US" sz="1400" b="1" dirty="0">
-                <a:solidFill>
-                  <a:schemeClr val="accent2"/>
-                </a:solidFill>
-                <a:latin typeface="Courier New" pitchFamily="49" charset="0"/>
-                <a:cs typeface="Courier New" pitchFamily="49" charset="0"/>
-              </a:rPr>
-              <a:t>= 100;   </a:t>
-            </a:r>
-            <a:r>
-              <a:rPr lang="en-US" sz="1400" b="1" dirty="0" smtClean="0">
-                <a:solidFill>
-                  <a:srgbClr val="00B050"/>
-                </a:solidFill>
-                <a:latin typeface="Courier New" pitchFamily="49" charset="0"/>
-                <a:cs typeface="Courier New" pitchFamily="49" charset="0"/>
-              </a:rPr>
-              <a:t>// </a:t>
-            </a:r>
-            <a:r>
-              <a:rPr lang="en-US" sz="1400" b="1" dirty="0">
-                <a:solidFill>
-                  <a:srgbClr val="00B050"/>
-                </a:solidFill>
-                <a:latin typeface="Courier New" pitchFamily="49" charset="0"/>
-                <a:cs typeface="Courier New" pitchFamily="49" charset="0"/>
-              </a:rPr>
-              <a:t>set signal period to 100 clock cycles (~100 </a:t>
-            </a:r>
-            <a:r>
-              <a:rPr lang="en-US" sz="1000" b="1" dirty="0">
-                <a:solidFill>
-                  <a:srgbClr val="00B050"/>
-                </a:solidFill>
-                <a:latin typeface="Courier New" pitchFamily="49" charset="0"/>
-                <a:cs typeface="Courier New" pitchFamily="49" charset="0"/>
-              </a:rPr>
-              <a:t>microseconds</a:t>
-            </a:r>
-            <a:r>
-              <a:rPr lang="en-US" sz="1400" b="1" dirty="0">
-                <a:solidFill>
-                  <a:srgbClr val="00B050"/>
-                </a:solidFill>
-                <a:latin typeface="Courier New" pitchFamily="49" charset="0"/>
-                <a:cs typeface="Courier New" pitchFamily="49" charset="0"/>
-              </a:rPr>
-              <a:t>)</a:t>
-            </a:r>
-          </a:p>
-          <a:p>
-            <a:pPr marL="57150" indent="0">
-              <a:buNone/>
-            </a:pPr>
-            <a:r>
-              <a:rPr lang="en-US" sz="1400" b="1" dirty="0">
-                <a:solidFill>
-                  <a:schemeClr val="accent2"/>
-                </a:solidFill>
-                <a:latin typeface="Courier New" pitchFamily="49" charset="0"/>
-                <a:cs typeface="Courier New" pitchFamily="49" charset="0"/>
-              </a:rPr>
-              <a:t>    </a:t>
-            </a:r>
-            <a:r>
-              <a:rPr lang="en-US" sz="1400" b="1" dirty="0" smtClean="0">
-                <a:solidFill>
-                  <a:schemeClr val="accent2"/>
-                </a:solidFill>
-                <a:latin typeface="Courier New" pitchFamily="49" charset="0"/>
-                <a:cs typeface="Courier New" pitchFamily="49" charset="0"/>
-              </a:rPr>
-              <a:t>TA0CCR1 </a:t>
-            </a:r>
-            <a:r>
-              <a:rPr lang="en-US" sz="1400" b="1" dirty="0">
-                <a:solidFill>
-                  <a:schemeClr val="accent2"/>
-                </a:solidFill>
-                <a:latin typeface="Courier New" pitchFamily="49" charset="0"/>
-                <a:cs typeface="Courier New" pitchFamily="49" charset="0"/>
-              </a:rPr>
-              <a:t>= 25;                </a:t>
-            </a:r>
-            <a:r>
-              <a:rPr lang="en-US" sz="1400" b="1" dirty="0">
-                <a:solidFill>
-                  <a:srgbClr val="00B050"/>
-                </a:solidFill>
-                <a:latin typeface="Courier New" pitchFamily="49" charset="0"/>
-                <a:cs typeface="Courier New" pitchFamily="49" charset="0"/>
-              </a:rPr>
-              <a:t>// set duty cycle to 25/100 (25</a:t>
-            </a:r>
-            <a:r>
-              <a:rPr lang="en-US" sz="1400" b="1" dirty="0" smtClean="0">
-                <a:solidFill>
-                  <a:srgbClr val="00B050"/>
-                </a:solidFill>
-                <a:latin typeface="Courier New" pitchFamily="49" charset="0"/>
-                <a:cs typeface="Courier New" pitchFamily="49" charset="0"/>
-              </a:rPr>
-              <a:t>%)</a:t>
-            </a:r>
-            <a:endParaRPr lang="en-US" sz="1400" b="1" dirty="0">
-              <a:solidFill>
-                <a:srgbClr val="00B050"/>
-              </a:solidFill>
-              <a:latin typeface="Courier New" pitchFamily="49" charset="0"/>
-              <a:cs typeface="Courier New" pitchFamily="49" charset="0"/>
-            </a:endParaRPr>
-          </a:p>
-          <a:p>
-            <a:pPr marL="57150" indent="0">
-              <a:buNone/>
-            </a:pPr>
-            <a:r>
-              <a:rPr lang="en-US" sz="1400" b="1" dirty="0">
-                <a:solidFill>
-                  <a:schemeClr val="accent2"/>
-                </a:solidFill>
-                <a:latin typeface="Courier New" pitchFamily="49" charset="0"/>
-                <a:cs typeface="Courier New" pitchFamily="49" charset="0"/>
-              </a:rPr>
-              <a:t>    </a:t>
-            </a:r>
-            <a:r>
-              <a:rPr lang="en-US" sz="1400" b="1" dirty="0" smtClean="0">
-                <a:solidFill>
-                  <a:schemeClr val="accent2"/>
-                </a:solidFill>
-                <a:latin typeface="Courier New" pitchFamily="49" charset="0"/>
-                <a:cs typeface="Courier New" pitchFamily="49" charset="0"/>
-              </a:rPr>
-              <a:t>TA0CCTL1 </a:t>
-            </a:r>
-            <a:r>
-              <a:rPr lang="en-US" sz="1400" b="1" dirty="0">
-                <a:solidFill>
-                  <a:schemeClr val="accent2"/>
-                </a:solidFill>
-                <a:latin typeface="Courier New" pitchFamily="49" charset="0"/>
-                <a:cs typeface="Courier New" pitchFamily="49" charset="0"/>
-              </a:rPr>
-              <a:t>|= OUTMOD_7;        </a:t>
-            </a:r>
-            <a:r>
-              <a:rPr lang="en-US" sz="1400" b="1" dirty="0">
-                <a:solidFill>
-                  <a:srgbClr val="00B050"/>
-                </a:solidFill>
-                <a:latin typeface="Courier New" pitchFamily="49" charset="0"/>
-                <a:cs typeface="Courier New" pitchFamily="49" charset="0"/>
-              </a:rPr>
-              <a:t>// set TACCTL1 to Reset / Set </a:t>
-            </a:r>
-            <a:r>
-              <a:rPr lang="en-US" sz="1400" b="1" dirty="0" smtClean="0">
-                <a:solidFill>
-                  <a:srgbClr val="00B050"/>
-                </a:solidFill>
-                <a:latin typeface="Courier New" pitchFamily="49" charset="0"/>
-                <a:cs typeface="Courier New" pitchFamily="49" charset="0"/>
-              </a:rPr>
-              <a:t>mode</a:t>
-            </a:r>
-            <a:endParaRPr lang="en-US" sz="1400" b="1" dirty="0">
-              <a:solidFill>
-                <a:srgbClr val="00B050"/>
-              </a:solidFill>
-              <a:latin typeface="Courier New" pitchFamily="49" charset="0"/>
-              <a:cs typeface="Courier New" pitchFamily="49" charset="0"/>
-            </a:endParaRPr>
-          </a:p>
-          <a:p>
-            <a:pPr marL="57150" indent="0">
-              <a:buNone/>
-            </a:pPr>
-            <a:r>
-              <a:rPr lang="en-US" sz="1400" b="1" dirty="0">
-                <a:solidFill>
-                  <a:schemeClr val="accent2"/>
-                </a:solidFill>
-                <a:latin typeface="Courier New" pitchFamily="49" charset="0"/>
-                <a:cs typeface="Courier New" pitchFamily="49" charset="0"/>
-              </a:rPr>
-              <a:t>    </a:t>
-            </a:r>
-            <a:r>
-              <a:rPr lang="en-US" sz="1400" b="1" dirty="0" smtClean="0">
-                <a:solidFill>
-                  <a:schemeClr val="accent2"/>
-                </a:solidFill>
-                <a:latin typeface="Courier New" pitchFamily="49" charset="0"/>
-                <a:cs typeface="Courier New" pitchFamily="49" charset="0"/>
-              </a:rPr>
-              <a:t>TA0CTL </a:t>
-            </a:r>
-            <a:r>
-              <a:rPr lang="en-US" sz="1400" b="1" dirty="0">
-                <a:solidFill>
-                  <a:schemeClr val="accent2"/>
-                </a:solidFill>
-                <a:latin typeface="Courier New" pitchFamily="49" charset="0"/>
-                <a:cs typeface="Courier New" pitchFamily="49" charset="0"/>
-              </a:rPr>
-              <a:t>|= MC0;                </a:t>
-            </a:r>
-            <a:r>
-              <a:rPr lang="en-US" sz="1400" b="1" dirty="0">
-                <a:solidFill>
-                  <a:srgbClr val="00B050"/>
-                </a:solidFill>
-                <a:latin typeface="Courier New" pitchFamily="49" charset="0"/>
-                <a:cs typeface="Courier New" pitchFamily="49" charset="0"/>
-              </a:rPr>
-              <a:t>// count </a:t>
-            </a:r>
-            <a:r>
-              <a:rPr lang="en-US" sz="1400" b="1" dirty="0" smtClean="0">
-                <a:solidFill>
-                  <a:srgbClr val="00B050"/>
-                </a:solidFill>
-                <a:latin typeface="Courier New" pitchFamily="49" charset="0"/>
-                <a:cs typeface="Courier New" pitchFamily="49" charset="0"/>
-              </a:rPr>
-              <a:t>up</a:t>
-            </a:r>
-            <a:endParaRPr lang="en-US" sz="1400" b="1" dirty="0">
-              <a:solidFill>
-                <a:srgbClr val="00B050"/>
-              </a:solidFill>
-              <a:latin typeface="Courier New" pitchFamily="49" charset="0"/>
-              <a:cs typeface="Courier New" pitchFamily="49" charset="0"/>
-            </a:endParaRPr>
-          </a:p>
-          <a:p>
-            <a:pPr marL="57150" indent="0">
-              <a:buNone/>
-            </a:pPr>
-            <a:r>
-              <a:rPr lang="en-US" sz="1400" b="1" dirty="0">
-                <a:solidFill>
-                  <a:schemeClr val="accent2"/>
-                </a:solidFill>
-                <a:latin typeface="Courier New" pitchFamily="49" charset="0"/>
-                <a:cs typeface="Courier New" pitchFamily="49" charset="0"/>
-              </a:rPr>
-              <a:t>    while (1) {</a:t>
-            </a:r>
-          </a:p>
-          <a:p>
-            <a:pPr marL="57150" indent="0">
-              <a:buNone/>
-            </a:pPr>
-            <a:r>
-              <a:rPr lang="en-US" sz="1400" b="1" dirty="0">
-                <a:solidFill>
-                  <a:schemeClr val="accent2"/>
-                </a:solidFill>
-                <a:latin typeface="Courier New" pitchFamily="49" charset="0"/>
-                <a:cs typeface="Courier New" pitchFamily="49" charset="0"/>
-              </a:rPr>
-              <a:t>        __</a:t>
-            </a:r>
-            <a:r>
-              <a:rPr lang="en-US" sz="1400" b="1" dirty="0" err="1">
-                <a:solidFill>
-                  <a:schemeClr val="accent2"/>
-                </a:solidFill>
-                <a:latin typeface="Courier New" pitchFamily="49" charset="0"/>
-                <a:cs typeface="Courier New" pitchFamily="49" charset="0"/>
-              </a:rPr>
-              <a:t>delay_cycles</a:t>
-            </a:r>
-            <a:r>
-              <a:rPr lang="en-US" sz="1400" b="1" dirty="0">
-                <a:solidFill>
-                  <a:schemeClr val="accent2"/>
-                </a:solidFill>
-                <a:latin typeface="Courier New" pitchFamily="49" charset="0"/>
-                <a:cs typeface="Courier New" pitchFamily="49" charset="0"/>
-              </a:rPr>
-              <a:t>(1000000);</a:t>
-            </a:r>
-          </a:p>
-          <a:p>
-            <a:pPr marL="57150" indent="0">
-              <a:buNone/>
-            </a:pPr>
-            <a:r>
-              <a:rPr lang="en-US" sz="1400" b="1" dirty="0">
-                <a:solidFill>
-                  <a:schemeClr val="accent2"/>
-                </a:solidFill>
-                <a:latin typeface="Courier New" pitchFamily="49" charset="0"/>
-                <a:cs typeface="Courier New" pitchFamily="49" charset="0"/>
-              </a:rPr>
-              <a:t>        </a:t>
-            </a:r>
-            <a:r>
-              <a:rPr lang="en-US" sz="1400" b="1" dirty="0" smtClean="0">
-                <a:solidFill>
-                  <a:schemeClr val="accent2"/>
-                </a:solidFill>
-                <a:latin typeface="Courier New" pitchFamily="49" charset="0"/>
-                <a:cs typeface="Courier New" pitchFamily="49" charset="0"/>
-              </a:rPr>
-              <a:t>TA0CCR1 </a:t>
-            </a:r>
-            <a:r>
-              <a:rPr lang="en-US" sz="1400" b="1" dirty="0">
-                <a:solidFill>
-                  <a:schemeClr val="accent2"/>
-                </a:solidFill>
-                <a:latin typeface="Courier New" pitchFamily="49" charset="0"/>
-                <a:cs typeface="Courier New" pitchFamily="49" charset="0"/>
-              </a:rPr>
-              <a:t>= 50;            </a:t>
-            </a:r>
-            <a:r>
-              <a:rPr lang="en-US" sz="1400" b="1" dirty="0">
-                <a:solidFill>
-                  <a:srgbClr val="00B050"/>
-                </a:solidFill>
-                <a:latin typeface="Courier New" pitchFamily="49" charset="0"/>
-                <a:cs typeface="Courier New" pitchFamily="49" charset="0"/>
-              </a:rPr>
-              <a:t>// set duty cycle to 50/100 (50%)</a:t>
-            </a:r>
-          </a:p>
-          <a:p>
-            <a:pPr marL="57150" indent="0">
-              <a:buNone/>
-            </a:pPr>
-            <a:r>
-              <a:rPr lang="en-US" sz="1400" b="1" dirty="0">
-                <a:solidFill>
-                  <a:schemeClr val="accent2"/>
-                </a:solidFill>
-                <a:latin typeface="Courier New" pitchFamily="49" charset="0"/>
-                <a:cs typeface="Courier New" pitchFamily="49" charset="0"/>
-              </a:rPr>
-              <a:t>        __</a:t>
-            </a:r>
-            <a:r>
-              <a:rPr lang="en-US" sz="1400" b="1" dirty="0" err="1">
-                <a:solidFill>
-                  <a:schemeClr val="accent2"/>
-                </a:solidFill>
-                <a:latin typeface="Courier New" pitchFamily="49" charset="0"/>
-                <a:cs typeface="Courier New" pitchFamily="49" charset="0"/>
-              </a:rPr>
-              <a:t>delay_cycles</a:t>
-            </a:r>
-            <a:r>
-              <a:rPr lang="en-US" sz="1400" b="1" dirty="0">
-                <a:solidFill>
-                  <a:schemeClr val="accent2"/>
-                </a:solidFill>
-                <a:latin typeface="Courier New" pitchFamily="49" charset="0"/>
-                <a:cs typeface="Courier New" pitchFamily="49" charset="0"/>
-              </a:rPr>
-              <a:t>(1000000);</a:t>
-            </a:r>
-          </a:p>
-          <a:p>
-            <a:pPr marL="57150" indent="0">
-              <a:buNone/>
-            </a:pPr>
-            <a:r>
-              <a:rPr lang="en-US" sz="1400" b="1" dirty="0">
-                <a:solidFill>
-                  <a:schemeClr val="accent2"/>
-                </a:solidFill>
-                <a:latin typeface="Courier New" pitchFamily="49" charset="0"/>
-                <a:cs typeface="Courier New" pitchFamily="49" charset="0"/>
-              </a:rPr>
-              <a:t>        </a:t>
-            </a:r>
-            <a:r>
-              <a:rPr lang="en-US" sz="1400" b="1" dirty="0" smtClean="0">
-                <a:solidFill>
-                  <a:schemeClr val="accent2"/>
-                </a:solidFill>
-                <a:latin typeface="Courier New" pitchFamily="49" charset="0"/>
-                <a:cs typeface="Courier New" pitchFamily="49" charset="0"/>
-              </a:rPr>
-              <a:t>TA0CCR1 </a:t>
-            </a:r>
-            <a:r>
-              <a:rPr lang="en-US" sz="1400" b="1" dirty="0">
-                <a:solidFill>
-                  <a:schemeClr val="accent2"/>
-                </a:solidFill>
-                <a:latin typeface="Courier New" pitchFamily="49" charset="0"/>
-                <a:cs typeface="Courier New" pitchFamily="49" charset="0"/>
-              </a:rPr>
-              <a:t>= 75;            </a:t>
-            </a:r>
-            <a:r>
-              <a:rPr lang="en-US" sz="1400" b="1" dirty="0">
-                <a:solidFill>
-                  <a:srgbClr val="00B050"/>
-                </a:solidFill>
-                <a:latin typeface="Courier New" pitchFamily="49" charset="0"/>
-                <a:cs typeface="Courier New" pitchFamily="49" charset="0"/>
-              </a:rPr>
-              <a:t>// set duty cycle to 75/100 (75%)</a:t>
-            </a:r>
-          </a:p>
-          <a:p>
-            <a:pPr marL="57150" indent="0">
-              <a:buNone/>
-            </a:pPr>
-            <a:r>
-              <a:rPr lang="en-US" sz="1400" b="1" dirty="0">
-                <a:solidFill>
-                  <a:schemeClr val="accent2"/>
-                </a:solidFill>
-                <a:latin typeface="Courier New" pitchFamily="49" charset="0"/>
-                <a:cs typeface="Courier New" pitchFamily="49" charset="0"/>
-              </a:rPr>
-              <a:t>        __</a:t>
-            </a:r>
-            <a:r>
-              <a:rPr lang="en-US" sz="1400" b="1" dirty="0" err="1">
-                <a:solidFill>
-                  <a:schemeClr val="accent2"/>
-                </a:solidFill>
-                <a:latin typeface="Courier New" pitchFamily="49" charset="0"/>
-                <a:cs typeface="Courier New" pitchFamily="49" charset="0"/>
-              </a:rPr>
-              <a:t>delay_cycles</a:t>
-            </a:r>
-            <a:r>
-              <a:rPr lang="en-US" sz="1400" b="1" dirty="0">
-                <a:solidFill>
-                  <a:schemeClr val="accent2"/>
-                </a:solidFill>
-                <a:latin typeface="Courier New" pitchFamily="49" charset="0"/>
-                <a:cs typeface="Courier New" pitchFamily="49" charset="0"/>
-              </a:rPr>
-              <a:t>(1000000);</a:t>
-            </a:r>
-          </a:p>
-          <a:p>
-            <a:pPr marL="57150" indent="0">
-              <a:buNone/>
-            </a:pPr>
-            <a:r>
-              <a:rPr lang="en-US" sz="1400" b="1" dirty="0">
-                <a:solidFill>
-                  <a:schemeClr val="accent2"/>
-                </a:solidFill>
-                <a:latin typeface="Courier New" pitchFamily="49" charset="0"/>
-                <a:cs typeface="Courier New" pitchFamily="49" charset="0"/>
-              </a:rPr>
-              <a:t>        </a:t>
-            </a:r>
-            <a:r>
-              <a:rPr lang="en-US" sz="1400" b="1" dirty="0" smtClean="0">
-                <a:solidFill>
-                  <a:schemeClr val="accent2"/>
-                </a:solidFill>
-                <a:latin typeface="Courier New" pitchFamily="49" charset="0"/>
-                <a:cs typeface="Courier New" pitchFamily="49" charset="0"/>
-              </a:rPr>
-              <a:t>TA0CCR1 </a:t>
-            </a:r>
-            <a:r>
-              <a:rPr lang="en-US" sz="1400" b="1" dirty="0">
-                <a:solidFill>
-                  <a:schemeClr val="accent2"/>
-                </a:solidFill>
-                <a:latin typeface="Courier New" pitchFamily="49" charset="0"/>
-                <a:cs typeface="Courier New" pitchFamily="49" charset="0"/>
-              </a:rPr>
-              <a:t>= 100;            </a:t>
-            </a:r>
-            <a:r>
-              <a:rPr lang="en-US" sz="1400" b="1" dirty="0">
-                <a:solidFill>
-                  <a:srgbClr val="00B050"/>
-                </a:solidFill>
-                <a:latin typeface="Courier New" pitchFamily="49" charset="0"/>
-                <a:cs typeface="Courier New" pitchFamily="49" charset="0"/>
-              </a:rPr>
-              <a:t>// set duty cycle to 100/100 (100%)</a:t>
-            </a:r>
-          </a:p>
-          <a:p>
-            <a:pPr marL="57150" indent="0">
-              <a:buNone/>
-            </a:pPr>
-            <a:r>
-              <a:rPr lang="en-US" sz="1400" b="1" dirty="0">
-                <a:solidFill>
-                  <a:schemeClr val="accent2"/>
-                </a:solidFill>
-                <a:latin typeface="Courier New" pitchFamily="49" charset="0"/>
-                <a:cs typeface="Courier New" pitchFamily="49" charset="0"/>
-              </a:rPr>
-              <a:t>        __</a:t>
-            </a:r>
-            <a:r>
-              <a:rPr lang="en-US" sz="1400" b="1" dirty="0" err="1">
-                <a:solidFill>
-                  <a:schemeClr val="accent2"/>
-                </a:solidFill>
-                <a:latin typeface="Courier New" pitchFamily="49" charset="0"/>
-                <a:cs typeface="Courier New" pitchFamily="49" charset="0"/>
-              </a:rPr>
-              <a:t>delay_cycles</a:t>
-            </a:r>
-            <a:r>
-              <a:rPr lang="en-US" sz="1400" b="1" dirty="0">
-                <a:solidFill>
-                  <a:schemeClr val="accent2"/>
-                </a:solidFill>
-                <a:latin typeface="Courier New" pitchFamily="49" charset="0"/>
-                <a:cs typeface="Courier New" pitchFamily="49" charset="0"/>
-              </a:rPr>
-              <a:t>(1000000);</a:t>
-            </a:r>
-          </a:p>
-          <a:p>
-            <a:pPr marL="57150" indent="0">
-              <a:buNone/>
-            </a:pPr>
-            <a:r>
-              <a:rPr lang="en-US" sz="1400" b="1" dirty="0">
-                <a:solidFill>
-                  <a:schemeClr val="accent2"/>
-                </a:solidFill>
-                <a:latin typeface="Courier New" pitchFamily="49" charset="0"/>
-                <a:cs typeface="Courier New" pitchFamily="49" charset="0"/>
-              </a:rPr>
-              <a:t>        </a:t>
-            </a:r>
-            <a:r>
-              <a:rPr lang="en-US" sz="1400" b="1" dirty="0" smtClean="0">
-                <a:solidFill>
-                  <a:schemeClr val="accent2"/>
-                </a:solidFill>
-                <a:latin typeface="Courier New" pitchFamily="49" charset="0"/>
-                <a:cs typeface="Courier New" pitchFamily="49" charset="0"/>
-              </a:rPr>
-              <a:t>TA0CCR1 </a:t>
-            </a:r>
-            <a:r>
-              <a:rPr lang="en-US" sz="1400" b="1" dirty="0">
-                <a:solidFill>
-                  <a:schemeClr val="accent2"/>
-                </a:solidFill>
-                <a:latin typeface="Courier New" pitchFamily="49" charset="0"/>
-                <a:cs typeface="Courier New" pitchFamily="49" charset="0"/>
-              </a:rPr>
-              <a:t>= 25;            </a:t>
-            </a:r>
-            <a:r>
-              <a:rPr lang="en-US" sz="1400" b="1" dirty="0">
-                <a:solidFill>
-                  <a:srgbClr val="00B050"/>
-                </a:solidFill>
-                <a:latin typeface="Courier New" pitchFamily="49" charset="0"/>
-                <a:cs typeface="Courier New" pitchFamily="49" charset="0"/>
-              </a:rPr>
-              <a:t>// set duty cycle to 25/100 (25%)</a:t>
-            </a:r>
-          </a:p>
-          <a:p>
-            <a:pPr marL="57150" indent="0">
-              <a:buNone/>
-            </a:pPr>
-            <a:r>
-              <a:rPr lang="en-US" sz="1400" b="1" dirty="0">
-                <a:solidFill>
-                  <a:schemeClr val="accent2"/>
-                </a:solidFill>
-                <a:latin typeface="Courier New" pitchFamily="49" charset="0"/>
-                <a:cs typeface="Courier New" pitchFamily="49" charset="0"/>
-              </a:rPr>
-              <a:t>    </a:t>
-            </a:r>
-            <a:r>
-              <a:rPr lang="en-US" sz="1400" b="1" dirty="0" smtClean="0">
-                <a:solidFill>
-                  <a:schemeClr val="accent2"/>
-                </a:solidFill>
-                <a:latin typeface="Courier New" pitchFamily="49" charset="0"/>
-                <a:cs typeface="Courier New" pitchFamily="49" charset="0"/>
-              </a:rPr>
-              <a:t>}</a:t>
-            </a:r>
-            <a:endParaRPr lang="en-US" sz="1400" b="1" dirty="0">
-              <a:solidFill>
-                <a:schemeClr val="accent2"/>
-              </a:solidFill>
-              <a:latin typeface="Courier New" pitchFamily="49" charset="0"/>
-              <a:cs typeface="Courier New" pitchFamily="49" charset="0"/>
-            </a:endParaRPr>
-          </a:p>
-          <a:p>
-            <a:pPr marL="57150" indent="0">
-              <a:buNone/>
-            </a:pPr>
-            <a:r>
-              <a:rPr lang="en-US" sz="1400" b="1" dirty="0">
-                <a:solidFill>
-                  <a:schemeClr val="accent2"/>
-                </a:solidFill>
-                <a:latin typeface="Courier New" pitchFamily="49" charset="0"/>
-                <a:cs typeface="Courier New" pitchFamily="49" charset="0"/>
-              </a:rPr>
-              <a:t>    return 0;</a:t>
-            </a:r>
-          </a:p>
-          <a:p>
-            <a:pPr marL="57150" indent="0">
-              <a:buNone/>
-            </a:pPr>
-            <a:r>
-              <a:rPr lang="en-US" sz="1400" b="1" dirty="0">
-                <a:solidFill>
-                  <a:schemeClr val="accent2"/>
-                </a:solidFill>
-                <a:latin typeface="Courier New" pitchFamily="49" charset="0"/>
-                <a:cs typeface="Courier New" pitchFamily="49" charset="0"/>
-              </a:rPr>
-              <a:t>}</a:t>
-            </a:r>
-            <a:endParaRPr lang="en-US" sz="1600" dirty="0" smtClean="0">
-              <a:solidFill>
-                <a:schemeClr val="accent2"/>
-              </a:solidFill>
-            </a:endParaRPr>
-          </a:p>
-        </p:txBody>
-      </p:sp>
-    </p:spTree>
-    <p:extLst>
-      <p:ext uri="{BB962C8B-B14F-4D97-AF65-F5344CB8AC3E}">
-        <p14:creationId xmlns:p14="http://schemas.microsoft.com/office/powerpoint/2010/main" val="668065249"/>
-      </p:ext>
-    </p:extLst>
-  </p:cSld>
-  <p:clrMapOvr>
-    <a:masterClrMapping/>
-  </p:clrMapOvr>
-  <p:timing>
-    <p:tnLst>
-      <p:par>
-        <p:cTn id="1" dur="indefinite" restart="never" nodeType="tmRoot"/>
-      </p:par>
-    </p:tnLst>
-  </p:timing>
-</p:sld>
-</file>
-
-<file path=ppt/slides/slide26.xml><?xml version="1.0" encoding="utf-8"?>
-<p:sld xmlns:a="http://schemas.openxmlformats.org/drawingml/2006/main" xmlns:r="http://schemas.openxmlformats.org/officeDocument/2006/relationships" xmlns:p="http://schemas.openxmlformats.org/presentationml/2006/main">
-  <p:cSld>
-    <p:spTree>
-      <p:nvGrpSpPr>
-        <p:cNvPr id="1" name=""/>
-        <p:cNvGrpSpPr/>
-        <p:nvPr/>
-      </p:nvGrpSpPr>
-      <p:grpSpPr>
-        <a:xfrm>
-          <a:off x="0" y="0"/>
-          <a:ext cx="0" cy="0"/>
-          <a:chOff x="0" y="0"/>
-          <a:chExt cx="0" cy="0"/>
-        </a:xfrm>
-      </p:grpSpPr>
-      <p:sp>
-        <p:nvSpPr>
-          <p:cNvPr id="2" name="Title 1"/>
-          <p:cNvSpPr>
-            <a:spLocks noGrp="1"/>
-          </p:cNvSpPr>
-          <p:nvPr>
-            <p:ph type="title"/>
-          </p:nvPr>
-        </p:nvSpPr>
-        <p:spPr/>
-        <p:txBody>
-          <a:bodyPr/>
-          <a:lstStyle/>
-          <a:p>
-            <a:r>
-              <a:rPr lang="en-US" b="1" dirty="0" smtClean="0"/>
-              <a:t>Example with Interrupt</a:t>
-            </a:r>
-            <a:endParaRPr lang="en-US" b="1" dirty="0"/>
-          </a:p>
-        </p:txBody>
-      </p:sp>
-      <p:sp>
-        <p:nvSpPr>
-          <p:cNvPr id="3" name="Content Placeholder 2"/>
-          <p:cNvSpPr>
-            <a:spLocks noGrp="1"/>
-          </p:cNvSpPr>
-          <p:nvPr>
-            <p:ph idx="1"/>
-          </p:nvPr>
-        </p:nvSpPr>
-        <p:spPr>
-          <a:xfrm>
-            <a:off x="253089" y="190454"/>
-            <a:ext cx="8557536" cy="5747330"/>
-          </a:xfrm>
-        </p:spPr>
-        <p:txBody>
-          <a:bodyPr/>
-          <a:lstStyle/>
-          <a:p>
-            <a:pPr marL="0" indent="0">
-              <a:buNone/>
-            </a:pPr>
-            <a:r>
-              <a:rPr lang="en-US" sz="1200" b="1" dirty="0">
-                <a:solidFill>
-                  <a:srgbClr val="7F0055"/>
-                </a:solidFill>
-                <a:latin typeface="Consolas"/>
-              </a:rPr>
-              <a:t>#include</a:t>
-            </a:r>
-            <a:r>
-              <a:rPr lang="en-US" sz="1200" b="1" dirty="0">
-                <a:solidFill>
-                  <a:srgbClr val="000000"/>
-                </a:solidFill>
-                <a:latin typeface="Consolas"/>
-              </a:rPr>
-              <a:t> </a:t>
-            </a:r>
-            <a:r>
-              <a:rPr lang="en-US" sz="1200" b="1" dirty="0">
-                <a:solidFill>
-                  <a:srgbClr val="2A00FF"/>
-                </a:solidFill>
-                <a:latin typeface="Consolas"/>
-              </a:rPr>
-              <a:t>&lt;msp430.h&gt;</a:t>
-            </a:r>
-          </a:p>
-          <a:p>
-            <a:pPr marL="0" indent="0">
-              <a:buNone/>
-            </a:pPr>
-            <a:endParaRPr lang="en-US" sz="1200" dirty="0">
-              <a:latin typeface="Consolas"/>
-            </a:endParaRPr>
-          </a:p>
-          <a:p>
-            <a:pPr marL="0" indent="0">
-              <a:buNone/>
-            </a:pPr>
-            <a:r>
-              <a:rPr lang="en-US" sz="1200" b="1" dirty="0">
-                <a:solidFill>
-                  <a:srgbClr val="7F0055"/>
-                </a:solidFill>
-                <a:latin typeface="Consolas"/>
-              </a:rPr>
-              <a:t>void</a:t>
-            </a:r>
-            <a:r>
-              <a:rPr lang="en-US" sz="1200" b="1" dirty="0">
-                <a:solidFill>
-                  <a:srgbClr val="000000"/>
-                </a:solidFill>
-                <a:latin typeface="Consolas"/>
-              </a:rPr>
-              <a:t> main(</a:t>
-            </a:r>
-            <a:r>
-              <a:rPr lang="en-US" sz="1200" b="1" dirty="0">
-                <a:solidFill>
-                  <a:srgbClr val="7F0055"/>
-                </a:solidFill>
-                <a:latin typeface="Consolas"/>
-              </a:rPr>
-              <a:t>void</a:t>
-            </a:r>
-            <a:r>
-              <a:rPr lang="en-US" sz="1200" b="1" dirty="0">
-                <a:solidFill>
-                  <a:srgbClr val="000000"/>
-                </a:solidFill>
-                <a:latin typeface="Consolas"/>
-              </a:rPr>
-              <a:t>)</a:t>
-            </a:r>
-          </a:p>
-          <a:p>
-            <a:pPr marL="0" indent="0">
-              <a:buNone/>
-            </a:pPr>
-            <a:r>
-              <a:rPr lang="en-US" sz="1200" dirty="0">
-                <a:solidFill>
-                  <a:srgbClr val="000000"/>
-                </a:solidFill>
-                <a:latin typeface="Consolas"/>
-              </a:rPr>
-              <a:t>{</a:t>
-            </a:r>
-          </a:p>
-          <a:p>
-            <a:pPr marL="0" indent="0">
-              <a:buNone/>
-            </a:pPr>
-            <a:r>
-              <a:rPr lang="en-US" sz="1200" dirty="0">
-                <a:solidFill>
-                  <a:srgbClr val="000000"/>
-                </a:solidFill>
-                <a:latin typeface="Consolas"/>
-              </a:rPr>
-              <a:t>    WDTCTL = WDTPW|WDTHOLD;</a:t>
-            </a:r>
-            <a:r>
-              <a:rPr lang="en-US" sz="1200" dirty="0">
-                <a:solidFill>
-                  <a:srgbClr val="3F7F5F"/>
-                </a:solidFill>
-                <a:latin typeface="Consolas"/>
-              </a:rPr>
-              <a:t>// stop the watchdog timer</a:t>
-            </a:r>
-          </a:p>
-          <a:p>
-            <a:pPr marL="0" indent="0">
-              <a:buNone/>
-            </a:pPr>
-            <a:endParaRPr lang="en-US" sz="1200" dirty="0">
-              <a:latin typeface="Consolas"/>
-            </a:endParaRPr>
-          </a:p>
-          <a:p>
-            <a:pPr marL="0" indent="0">
-              <a:buNone/>
-            </a:pPr>
-            <a:r>
-              <a:rPr lang="fr-FR" sz="1200" dirty="0">
-                <a:solidFill>
-                  <a:srgbClr val="000000"/>
-                </a:solidFill>
-                <a:latin typeface="Consolas"/>
-              </a:rPr>
-              <a:t>        P2DIR |= BIT1;                </a:t>
-            </a:r>
-            <a:r>
-              <a:rPr lang="fr-FR" sz="1200" dirty="0">
-                <a:solidFill>
-                  <a:srgbClr val="3F7F5F"/>
-                </a:solidFill>
-                <a:latin typeface="Consolas"/>
-              </a:rPr>
-              <a:t>// TA1CCR1 on P2.1</a:t>
-            </a:r>
-          </a:p>
-          <a:p>
-            <a:pPr marL="0" indent="0">
-              <a:buNone/>
-            </a:pPr>
-            <a:r>
-              <a:rPr lang="fr-FR" sz="1200" dirty="0">
-                <a:solidFill>
-                  <a:srgbClr val="000000"/>
-                </a:solidFill>
-                <a:latin typeface="Consolas"/>
-              </a:rPr>
-              <a:t>        P2SEL |= BIT1;                </a:t>
-            </a:r>
-            <a:r>
-              <a:rPr lang="fr-FR" sz="1200" dirty="0">
-                <a:solidFill>
-                  <a:srgbClr val="3F7F5F"/>
-                </a:solidFill>
-                <a:latin typeface="Consolas"/>
-              </a:rPr>
-              <a:t>// TA1CCR1 on P2.1</a:t>
-            </a:r>
-          </a:p>
-          <a:p>
-            <a:pPr marL="0" indent="0">
-              <a:buNone/>
-            </a:pPr>
-            <a:r>
-              <a:rPr lang="en-US" sz="1200" dirty="0">
-                <a:solidFill>
-                  <a:srgbClr val="000000"/>
-                </a:solidFill>
-                <a:latin typeface="Consolas"/>
-              </a:rPr>
-              <a:t>        P2OUT &amp;= ~BIT1;</a:t>
-            </a:r>
-          </a:p>
-          <a:p>
-            <a:pPr marL="0" indent="0">
-              <a:buNone/>
-            </a:pPr>
-            <a:endParaRPr lang="en-US" sz="1200" dirty="0">
-              <a:latin typeface="Consolas"/>
-            </a:endParaRPr>
-          </a:p>
-          <a:p>
-            <a:pPr marL="0" indent="0">
-              <a:buNone/>
-            </a:pPr>
-            <a:r>
-              <a:rPr lang="en-US" sz="1200" dirty="0">
-                <a:solidFill>
-                  <a:srgbClr val="000000"/>
-                </a:solidFill>
-                <a:latin typeface="Consolas"/>
-              </a:rPr>
-              <a:t>        TA1CTL |= TASSEL_2|MC_1|ID_0;   </a:t>
-            </a:r>
-            <a:r>
-              <a:rPr lang="en-US" sz="1200" dirty="0">
-                <a:solidFill>
-                  <a:srgbClr val="3F7F5F"/>
-                </a:solidFill>
-                <a:latin typeface="Consolas"/>
-              </a:rPr>
-              <a:t>// configure for SMCLK</a:t>
-            </a:r>
-          </a:p>
-          <a:p>
-            <a:pPr marL="0" indent="0">
-              <a:buNone/>
-            </a:pPr>
-            <a:r>
-              <a:rPr lang="en-US" sz="1200" dirty="0">
-                <a:solidFill>
-                  <a:srgbClr val="000000"/>
-                </a:solidFill>
-                <a:latin typeface="Consolas"/>
-              </a:rPr>
-              <a:t>        P1DIR |= BIT0;            </a:t>
-            </a:r>
-            <a:r>
-              <a:rPr lang="en-US" sz="1200" dirty="0">
-                <a:solidFill>
-                  <a:srgbClr val="3F7F5F"/>
-                </a:solidFill>
-                <a:latin typeface="Consolas"/>
-              </a:rPr>
-              <a:t>//use LED to indicate duty cycle has toggled</a:t>
-            </a:r>
-          </a:p>
-          <a:p>
-            <a:pPr marL="0" indent="0">
-              <a:buNone/>
-            </a:pPr>
-            <a:r>
-              <a:rPr lang="en-US" sz="1200" dirty="0">
-                <a:solidFill>
-                  <a:srgbClr val="000000"/>
-                </a:solidFill>
-                <a:latin typeface="Consolas"/>
-              </a:rPr>
-              <a:t>        P1REN |= BIT3;</a:t>
-            </a:r>
-          </a:p>
-          <a:p>
-            <a:pPr marL="0" indent="0">
-              <a:buNone/>
-            </a:pPr>
-            <a:r>
-              <a:rPr lang="en-US" sz="1200" dirty="0">
-                <a:solidFill>
-                  <a:srgbClr val="000000"/>
-                </a:solidFill>
-                <a:latin typeface="Consolas"/>
-              </a:rPr>
-              <a:t>        P1OUT |= BIT3;</a:t>
-            </a:r>
-          </a:p>
-          <a:p>
-            <a:pPr marL="0" indent="0">
-              <a:buNone/>
-            </a:pPr>
-            <a:endParaRPr lang="en-US" sz="1200" dirty="0">
-              <a:latin typeface="Consolas"/>
-            </a:endParaRPr>
-          </a:p>
-          <a:p>
-            <a:pPr marL="0" indent="0">
-              <a:buNone/>
-            </a:pPr>
-            <a:r>
-              <a:rPr lang="en-US" sz="1200" dirty="0">
-                <a:solidFill>
-                  <a:srgbClr val="000000"/>
-                </a:solidFill>
-                <a:latin typeface="Consolas"/>
-              </a:rPr>
-              <a:t>        TA1CCR0 = 1000;        </a:t>
-            </a:r>
-            <a:r>
-              <a:rPr lang="en-US" sz="1200" dirty="0" smtClean="0">
-                <a:solidFill>
-                  <a:srgbClr val="000000"/>
-                </a:solidFill>
-                <a:latin typeface="Consolas"/>
-              </a:rPr>
-              <a:t>        </a:t>
-            </a:r>
-            <a:r>
-              <a:rPr lang="en-US" sz="1200" dirty="0" smtClean="0">
-                <a:solidFill>
-                  <a:srgbClr val="3F7F5F"/>
-                </a:solidFill>
-                <a:latin typeface="Consolas"/>
-              </a:rPr>
-              <a:t>// </a:t>
-            </a:r>
-            <a:r>
-              <a:rPr lang="en-US" sz="1200" dirty="0">
-                <a:solidFill>
-                  <a:srgbClr val="3F7F5F"/>
-                </a:solidFill>
-                <a:latin typeface="Consolas"/>
-              </a:rPr>
-              <a:t>set signal period to 1000 clock cycles (~1 millisecond)</a:t>
-            </a:r>
-          </a:p>
-          <a:p>
-            <a:pPr marL="0" indent="0">
-              <a:buNone/>
-            </a:pPr>
-            <a:r>
-              <a:rPr lang="en-US" sz="1200" dirty="0">
-                <a:solidFill>
-                  <a:srgbClr val="000000"/>
-                </a:solidFill>
-                <a:latin typeface="Consolas"/>
-              </a:rPr>
-              <a:t>        TA1CCR1 = 250;               </a:t>
-            </a:r>
-            <a:r>
-              <a:rPr lang="en-US" sz="1200" dirty="0">
-                <a:solidFill>
-                  <a:srgbClr val="3F7F5F"/>
-                </a:solidFill>
-                <a:latin typeface="Consolas"/>
-              </a:rPr>
-              <a:t>// set duty cycle to 250/1000 (25%)</a:t>
-            </a:r>
-          </a:p>
-          <a:p>
-            <a:pPr marL="0" indent="0">
-              <a:buNone/>
-            </a:pPr>
-            <a:r>
-              <a:rPr lang="fr-FR" sz="1200" dirty="0">
-                <a:solidFill>
-                  <a:srgbClr val="000000"/>
-                </a:solidFill>
-                <a:latin typeface="Consolas"/>
-              </a:rPr>
-              <a:t>        TA1CCTL0 |= CCIE;               </a:t>
-            </a:r>
-            <a:r>
-              <a:rPr lang="fr-FR" sz="1200" dirty="0">
-                <a:solidFill>
-                  <a:srgbClr val="3F7F5F"/>
-                </a:solidFill>
-                <a:latin typeface="Consolas"/>
-              </a:rPr>
-              <a:t>// </a:t>
-            </a:r>
-            <a:r>
-              <a:rPr lang="fr-FR" sz="1200" dirty="0" err="1">
-                <a:solidFill>
-                  <a:srgbClr val="3F7F5F"/>
-                </a:solidFill>
-                <a:latin typeface="Consolas"/>
-              </a:rPr>
-              <a:t>enable</a:t>
-            </a:r>
-            <a:r>
-              <a:rPr lang="fr-FR" sz="1200" dirty="0">
-                <a:solidFill>
-                  <a:srgbClr val="3F7F5F"/>
-                </a:solidFill>
-                <a:latin typeface="Consolas"/>
-              </a:rPr>
-              <a:t> CC </a:t>
-            </a:r>
-            <a:r>
-              <a:rPr lang="fr-FR" sz="1200" dirty="0" err="1">
-                <a:solidFill>
-                  <a:srgbClr val="3F7F5F"/>
-                </a:solidFill>
-                <a:latin typeface="Consolas"/>
-              </a:rPr>
-              <a:t>interrupts</a:t>
-            </a:r>
-            <a:endParaRPr lang="fr-FR" sz="1200" dirty="0">
-              <a:solidFill>
-                <a:srgbClr val="3F7F5F"/>
-              </a:solidFill>
-              <a:latin typeface="Consolas"/>
-            </a:endParaRPr>
-          </a:p>
-          <a:p>
-            <a:pPr marL="0" indent="0">
-              <a:buNone/>
-            </a:pPr>
-            <a:r>
-              <a:rPr lang="en-US" sz="1200" dirty="0">
-                <a:solidFill>
-                  <a:srgbClr val="000000"/>
-                </a:solidFill>
-                <a:latin typeface="Consolas"/>
-              </a:rPr>
-              <a:t>        TA1CCTL1 |= OUTMOD_7|CCIE</a:t>
-            </a:r>
-            <a:r>
-              <a:rPr lang="en-US" sz="1200" dirty="0" smtClean="0">
-                <a:solidFill>
-                  <a:srgbClr val="000000"/>
-                </a:solidFill>
-                <a:latin typeface="Consolas"/>
-              </a:rPr>
-              <a:t>;      </a:t>
-            </a:r>
-            <a:r>
-              <a:rPr lang="en-US" sz="1200" dirty="0" smtClean="0">
-                <a:solidFill>
-                  <a:srgbClr val="3F7F5F"/>
-                </a:solidFill>
-                <a:latin typeface="Consolas"/>
-              </a:rPr>
-              <a:t>// </a:t>
-            </a:r>
-            <a:r>
-              <a:rPr lang="en-US" sz="1200" dirty="0">
-                <a:solidFill>
-                  <a:srgbClr val="3F7F5F"/>
-                </a:solidFill>
-                <a:latin typeface="Consolas"/>
-              </a:rPr>
-              <a:t>set TACCTL1 to Set / Reset mode//enable CC interrupts</a:t>
-            </a:r>
-          </a:p>
-          <a:p>
-            <a:pPr marL="0" indent="0">
-              <a:buNone/>
-            </a:pPr>
-            <a:r>
-              <a:rPr lang="en-US" sz="1200" dirty="0">
-                <a:solidFill>
-                  <a:srgbClr val="000000"/>
-                </a:solidFill>
-                <a:latin typeface="Consolas"/>
-              </a:rPr>
-              <a:t>        TA1CCTL1 &amp;= ~CCIFG;             </a:t>
-            </a:r>
-            <a:r>
-              <a:rPr lang="en-US" sz="1200" dirty="0">
-                <a:solidFill>
-                  <a:srgbClr val="3F7F5F"/>
-                </a:solidFill>
-                <a:latin typeface="Consolas"/>
-              </a:rPr>
-              <a:t>//clear capture compare interrupt flag</a:t>
-            </a:r>
-          </a:p>
-          <a:p>
-            <a:pPr marL="0" indent="0">
-              <a:buNone/>
-            </a:pPr>
-            <a:r>
-              <a:rPr lang="en-US" sz="1200" dirty="0">
-                <a:solidFill>
-                  <a:srgbClr val="000000"/>
-                </a:solidFill>
-                <a:latin typeface="Consolas"/>
-              </a:rPr>
-              <a:t>        _</a:t>
-            </a:r>
-            <a:r>
-              <a:rPr lang="en-US" sz="1200" dirty="0" err="1">
-                <a:solidFill>
-                  <a:srgbClr val="000000"/>
-                </a:solidFill>
-                <a:latin typeface="Consolas"/>
-              </a:rPr>
-              <a:t>enable_interrupt</a:t>
-            </a:r>
-            <a:r>
-              <a:rPr lang="en-US" sz="1200" dirty="0">
-                <a:solidFill>
-                  <a:srgbClr val="000000"/>
-                </a:solidFill>
-                <a:latin typeface="Consolas"/>
-              </a:rPr>
-              <a:t>();</a:t>
-            </a:r>
-          </a:p>
-          <a:p>
-            <a:pPr marL="0" indent="0">
-              <a:buNone/>
-            </a:pPr>
-            <a:endParaRPr lang="en-US" sz="1200" dirty="0">
-              <a:latin typeface="Consolas"/>
-            </a:endParaRPr>
-          </a:p>
-          <a:p>
-            <a:pPr marL="0" indent="0">
-              <a:buNone/>
-            </a:pPr>
-            <a:r>
-              <a:rPr lang="en-US" sz="1200" dirty="0">
-                <a:solidFill>
-                  <a:srgbClr val="000000"/>
-                </a:solidFill>
-                <a:latin typeface="Consolas"/>
-              </a:rPr>
-              <a:t>        </a:t>
-            </a:r>
-            <a:r>
-              <a:rPr lang="en-US" sz="1200" b="1" dirty="0">
-                <a:solidFill>
-                  <a:srgbClr val="7F0055"/>
-                </a:solidFill>
-                <a:latin typeface="Consolas"/>
-              </a:rPr>
-              <a:t>while</a:t>
-            </a:r>
-            <a:r>
-              <a:rPr lang="en-US" sz="1200" b="1" dirty="0">
-                <a:solidFill>
-                  <a:srgbClr val="000000"/>
-                </a:solidFill>
-                <a:latin typeface="Consolas"/>
-              </a:rPr>
-              <a:t> (1) {</a:t>
-            </a:r>
-          </a:p>
-          <a:p>
-            <a:pPr marL="0" indent="0">
-              <a:buNone/>
-            </a:pPr>
-            <a:endParaRPr lang="en-US" sz="1200" dirty="0">
-              <a:latin typeface="Consolas"/>
-            </a:endParaRPr>
-          </a:p>
-          <a:p>
-            <a:pPr marL="0" indent="0">
-              <a:buNone/>
-            </a:pPr>
-            <a:r>
-              <a:rPr lang="en-US" sz="1200" dirty="0">
-                <a:solidFill>
-                  <a:srgbClr val="000000"/>
-                </a:solidFill>
-                <a:latin typeface="Consolas"/>
-              </a:rPr>
-              <a:t>            </a:t>
-            </a:r>
-            <a:r>
-              <a:rPr lang="en-US" sz="1200" b="1" dirty="0">
-                <a:solidFill>
-                  <a:srgbClr val="7F0055"/>
-                </a:solidFill>
-                <a:latin typeface="Consolas"/>
-              </a:rPr>
-              <a:t>while</a:t>
-            </a:r>
-            <a:r>
-              <a:rPr lang="en-US" sz="1200" b="1" dirty="0">
-                <a:solidFill>
-                  <a:srgbClr val="000000"/>
-                </a:solidFill>
-                <a:latin typeface="Consolas"/>
-              </a:rPr>
-              <a:t> (P1IN &amp; BIT3);     </a:t>
-            </a:r>
-            <a:r>
-              <a:rPr lang="en-US" sz="1200" b="1" dirty="0">
-                <a:solidFill>
-                  <a:srgbClr val="3F7F5F"/>
-                </a:solidFill>
-                <a:latin typeface="Consolas"/>
-              </a:rPr>
-              <a:t>//every time the button is pushed, toggle the duty cycle</a:t>
-            </a:r>
-          </a:p>
-          <a:p>
-            <a:pPr marL="0" indent="0">
-              <a:buNone/>
-            </a:pPr>
-            <a:r>
-              <a:rPr lang="en-US" sz="1200" dirty="0">
-                <a:solidFill>
-                  <a:srgbClr val="000000"/>
-                </a:solidFill>
-                <a:latin typeface="Consolas"/>
-              </a:rPr>
-              <a:t>            </a:t>
-            </a:r>
-            <a:r>
-              <a:rPr lang="en-US" sz="1200" b="1" dirty="0">
-                <a:solidFill>
-                  <a:srgbClr val="642880"/>
-                </a:solidFill>
-                <a:latin typeface="Consolas"/>
-              </a:rPr>
-              <a:t>__</a:t>
-            </a:r>
-            <a:r>
-              <a:rPr lang="en-US" sz="1200" b="1" dirty="0" err="1">
-                <a:solidFill>
-                  <a:srgbClr val="642880"/>
-                </a:solidFill>
-                <a:latin typeface="Consolas"/>
-              </a:rPr>
-              <a:t>delay_cycles</a:t>
-            </a:r>
-            <a:r>
-              <a:rPr lang="en-US" sz="1200" b="1" dirty="0">
-                <a:solidFill>
-                  <a:srgbClr val="000000"/>
-                </a:solidFill>
-                <a:latin typeface="Consolas"/>
-              </a:rPr>
-              <a:t>(1000000);</a:t>
-            </a:r>
-          </a:p>
-          <a:p>
-            <a:pPr marL="0" indent="0">
-              <a:buNone/>
-            </a:pPr>
-            <a:r>
-              <a:rPr lang="en-US" sz="1200" dirty="0">
-                <a:solidFill>
-                  <a:srgbClr val="000000"/>
-                </a:solidFill>
-                <a:latin typeface="Consolas"/>
-              </a:rPr>
-              <a:t>            TA1CCR1 = 1000;         </a:t>
-            </a:r>
-            <a:r>
-              <a:rPr lang="en-US" sz="1200" dirty="0">
-                <a:solidFill>
-                  <a:srgbClr val="3F7F5F"/>
-                </a:solidFill>
-                <a:latin typeface="Consolas"/>
-              </a:rPr>
-              <a:t>// set duty cycle to 1000/1000 (100%)</a:t>
-            </a:r>
-          </a:p>
-          <a:p>
-            <a:pPr marL="0" indent="0">
-              <a:buNone/>
-            </a:pPr>
-            <a:endParaRPr lang="en-US" sz="1200" dirty="0">
-              <a:latin typeface="Consolas"/>
-            </a:endParaRPr>
-          </a:p>
-          <a:p>
-            <a:pPr marL="0" indent="0">
-              <a:buNone/>
-            </a:pPr>
-            <a:r>
-              <a:rPr lang="en-US" sz="1200" dirty="0">
-                <a:solidFill>
-                  <a:srgbClr val="000000"/>
-                </a:solidFill>
-                <a:latin typeface="Consolas"/>
-              </a:rPr>
-              <a:t>            </a:t>
-            </a:r>
-            <a:r>
-              <a:rPr lang="en-US" sz="1200" b="1" dirty="0">
-                <a:solidFill>
-                  <a:srgbClr val="7F0055"/>
-                </a:solidFill>
-                <a:latin typeface="Consolas"/>
-              </a:rPr>
-              <a:t>while</a:t>
-            </a:r>
-            <a:r>
-              <a:rPr lang="en-US" sz="1200" b="1" dirty="0">
-                <a:solidFill>
-                  <a:srgbClr val="000000"/>
-                </a:solidFill>
-                <a:latin typeface="Consolas"/>
-              </a:rPr>
-              <a:t> (P1IN &amp; BIT3);</a:t>
-            </a:r>
-          </a:p>
-          <a:p>
-            <a:pPr marL="0" indent="0">
-              <a:buNone/>
-            </a:pPr>
-            <a:r>
-              <a:rPr lang="en-US" sz="1200" dirty="0">
-                <a:solidFill>
-                  <a:srgbClr val="000000"/>
-                </a:solidFill>
-                <a:latin typeface="Consolas"/>
-              </a:rPr>
-              <a:t>            </a:t>
-            </a:r>
-            <a:r>
-              <a:rPr lang="en-US" sz="1200" b="1" dirty="0">
-                <a:solidFill>
-                  <a:srgbClr val="642880"/>
-                </a:solidFill>
-                <a:latin typeface="Consolas"/>
-              </a:rPr>
-              <a:t>__</a:t>
-            </a:r>
-            <a:r>
-              <a:rPr lang="en-US" sz="1200" b="1" dirty="0" err="1">
-                <a:solidFill>
-                  <a:srgbClr val="642880"/>
-                </a:solidFill>
-                <a:latin typeface="Consolas"/>
-              </a:rPr>
-              <a:t>delay_cycles</a:t>
-            </a:r>
-            <a:r>
-              <a:rPr lang="en-US" sz="1200" b="1" dirty="0">
-                <a:solidFill>
-                  <a:srgbClr val="000000"/>
-                </a:solidFill>
-                <a:latin typeface="Consolas"/>
-              </a:rPr>
-              <a:t>(1000000);</a:t>
-            </a:r>
-          </a:p>
-          <a:p>
-            <a:pPr marL="0" indent="0">
-              <a:buNone/>
-            </a:pPr>
-            <a:r>
-              <a:rPr lang="en-US" sz="1200" dirty="0">
-                <a:solidFill>
-                  <a:srgbClr val="000000"/>
-                </a:solidFill>
-                <a:latin typeface="Consolas"/>
-              </a:rPr>
-              <a:t>            TA1CCR1 = 750;            </a:t>
-            </a:r>
-            <a:r>
-              <a:rPr lang="en-US" sz="1200" dirty="0">
-                <a:solidFill>
-                  <a:srgbClr val="3F7F5F"/>
-                </a:solidFill>
-                <a:latin typeface="Consolas"/>
-              </a:rPr>
-              <a:t>// set duty cycle to 750/1000 (75%)</a:t>
-            </a:r>
-          </a:p>
-          <a:p>
-            <a:pPr marL="0" indent="0">
-              <a:buNone/>
-            </a:pPr>
-            <a:endParaRPr lang="en-US" sz="1200" dirty="0">
-              <a:latin typeface="Consolas"/>
-            </a:endParaRPr>
-          </a:p>
-          <a:p>
-            <a:pPr marL="0" indent="0">
-              <a:buNone/>
-            </a:pPr>
-            <a:r>
-              <a:rPr lang="en-US" sz="1200" dirty="0">
-                <a:solidFill>
-                  <a:srgbClr val="000000"/>
-                </a:solidFill>
-                <a:latin typeface="Consolas"/>
-              </a:rPr>
-              <a:t>            </a:t>
-            </a:r>
-            <a:r>
-              <a:rPr lang="en-US" sz="1200" b="1" dirty="0">
-                <a:solidFill>
-                  <a:srgbClr val="7F0055"/>
-                </a:solidFill>
-                <a:latin typeface="Consolas"/>
-              </a:rPr>
-              <a:t>while</a:t>
-            </a:r>
-            <a:r>
-              <a:rPr lang="en-US" sz="1200" b="1" dirty="0">
-                <a:solidFill>
-                  <a:srgbClr val="000000"/>
-                </a:solidFill>
-                <a:latin typeface="Consolas"/>
-              </a:rPr>
-              <a:t> (P1IN &amp; BIT3);</a:t>
-            </a:r>
-          </a:p>
-          <a:p>
-            <a:pPr marL="0" indent="0">
-              <a:buNone/>
-            </a:pPr>
-            <a:r>
-              <a:rPr lang="en-US" sz="1200" dirty="0">
-                <a:solidFill>
-                  <a:srgbClr val="000000"/>
-                </a:solidFill>
-                <a:latin typeface="Consolas"/>
-              </a:rPr>
-              <a:t>            </a:t>
-            </a:r>
-            <a:r>
-              <a:rPr lang="en-US" sz="1200" b="1" dirty="0">
-                <a:solidFill>
-                  <a:srgbClr val="642880"/>
-                </a:solidFill>
-                <a:latin typeface="Consolas"/>
-              </a:rPr>
-              <a:t>__</a:t>
-            </a:r>
-            <a:r>
-              <a:rPr lang="en-US" sz="1200" b="1" dirty="0" err="1">
-                <a:solidFill>
-                  <a:srgbClr val="642880"/>
-                </a:solidFill>
-                <a:latin typeface="Consolas"/>
-              </a:rPr>
-              <a:t>delay_cycles</a:t>
-            </a:r>
-            <a:r>
-              <a:rPr lang="en-US" sz="1200" b="1" dirty="0">
-                <a:solidFill>
-                  <a:srgbClr val="000000"/>
-                </a:solidFill>
-                <a:latin typeface="Consolas"/>
-              </a:rPr>
-              <a:t>(1000000);</a:t>
-            </a:r>
-          </a:p>
-          <a:p>
-            <a:pPr marL="0" indent="0">
-              <a:buNone/>
-            </a:pPr>
-            <a:r>
-              <a:rPr lang="en-US" sz="1200" dirty="0">
-                <a:solidFill>
-                  <a:srgbClr val="000000"/>
-                </a:solidFill>
-                <a:latin typeface="Consolas"/>
-              </a:rPr>
-              <a:t>            TA1CCR1 = 500;           </a:t>
-            </a:r>
-            <a:r>
-              <a:rPr lang="en-US" sz="1200" dirty="0">
-                <a:solidFill>
-                  <a:srgbClr val="3F7F5F"/>
-                </a:solidFill>
-                <a:latin typeface="Consolas"/>
-              </a:rPr>
-              <a:t>// set duty cycle to 500/1000 (50%)</a:t>
-            </a:r>
-          </a:p>
-          <a:p>
-            <a:pPr marL="0" indent="0">
-              <a:buNone/>
-            </a:pPr>
-            <a:endParaRPr lang="en-US" sz="1200" dirty="0">
-              <a:latin typeface="Consolas"/>
-            </a:endParaRPr>
-          </a:p>
-          <a:p>
-            <a:pPr marL="0" indent="0">
-              <a:buNone/>
-            </a:pPr>
-            <a:r>
-              <a:rPr lang="en-US" sz="1200" dirty="0">
-                <a:solidFill>
-                  <a:srgbClr val="000000"/>
-                </a:solidFill>
-                <a:latin typeface="Consolas"/>
-              </a:rPr>
-              <a:t>            </a:t>
-            </a:r>
-            <a:r>
-              <a:rPr lang="en-US" sz="1200" b="1" dirty="0">
-                <a:solidFill>
-                  <a:srgbClr val="7F0055"/>
-                </a:solidFill>
-                <a:latin typeface="Consolas"/>
-              </a:rPr>
-              <a:t>while</a:t>
-            </a:r>
-            <a:r>
-              <a:rPr lang="en-US" sz="1200" b="1" dirty="0">
-                <a:solidFill>
-                  <a:srgbClr val="000000"/>
-                </a:solidFill>
-                <a:latin typeface="Consolas"/>
-              </a:rPr>
-              <a:t> (P1IN &amp; BIT3);</a:t>
-            </a:r>
-          </a:p>
-          <a:p>
-            <a:pPr marL="0" indent="0">
-              <a:buNone/>
-            </a:pPr>
-            <a:r>
-              <a:rPr lang="en-US" sz="1200" dirty="0">
-                <a:solidFill>
-                  <a:srgbClr val="000000"/>
-                </a:solidFill>
-                <a:latin typeface="Consolas"/>
-              </a:rPr>
-              <a:t>            </a:t>
-            </a:r>
-            <a:r>
-              <a:rPr lang="en-US" sz="1200" b="1" dirty="0">
-                <a:solidFill>
-                  <a:srgbClr val="642880"/>
-                </a:solidFill>
-                <a:latin typeface="Consolas"/>
-              </a:rPr>
-              <a:t>__</a:t>
-            </a:r>
-            <a:r>
-              <a:rPr lang="en-US" sz="1200" b="1" dirty="0" err="1">
-                <a:solidFill>
-                  <a:srgbClr val="642880"/>
-                </a:solidFill>
-                <a:latin typeface="Consolas"/>
-              </a:rPr>
-              <a:t>delay_cycles</a:t>
-            </a:r>
-            <a:r>
-              <a:rPr lang="en-US" sz="1200" b="1" dirty="0">
-                <a:solidFill>
-                  <a:srgbClr val="000000"/>
-                </a:solidFill>
-                <a:latin typeface="Consolas"/>
-              </a:rPr>
-              <a:t>(1000000);</a:t>
-            </a:r>
-          </a:p>
-          <a:p>
-            <a:pPr marL="0" indent="0">
-              <a:buNone/>
-            </a:pPr>
-            <a:r>
-              <a:rPr lang="en-US" sz="1200" dirty="0">
-                <a:solidFill>
-                  <a:srgbClr val="000000"/>
-                </a:solidFill>
-                <a:latin typeface="Consolas"/>
-              </a:rPr>
-              <a:t>            TA1CCR1 = 250;           </a:t>
-            </a:r>
-            <a:r>
-              <a:rPr lang="en-US" sz="1200" dirty="0">
-                <a:solidFill>
-                  <a:srgbClr val="3F7F5F"/>
-                </a:solidFill>
-                <a:latin typeface="Consolas"/>
-              </a:rPr>
-              <a:t>// set duty cycle to 250/1000 (25%)</a:t>
-            </a:r>
-          </a:p>
-          <a:p>
-            <a:pPr marL="0" indent="0">
-              <a:buNone/>
-            </a:pPr>
-            <a:endParaRPr lang="en-US" sz="1200" dirty="0">
-              <a:latin typeface="Consolas"/>
-            </a:endParaRPr>
-          </a:p>
-          <a:p>
-            <a:pPr marL="0" indent="0">
-              <a:buNone/>
-            </a:pPr>
-            <a:r>
-              <a:rPr lang="en-US" sz="1200" dirty="0">
-                <a:solidFill>
-                  <a:srgbClr val="000000"/>
-                </a:solidFill>
-                <a:latin typeface="Consolas"/>
-              </a:rPr>
-              <a:t>            </a:t>
-            </a:r>
-            <a:r>
-              <a:rPr lang="en-US" sz="1200" b="1" dirty="0">
-                <a:solidFill>
-                  <a:srgbClr val="7F0055"/>
-                </a:solidFill>
-                <a:latin typeface="Consolas"/>
-              </a:rPr>
-              <a:t>while</a:t>
-            </a:r>
-            <a:r>
-              <a:rPr lang="en-US" sz="1200" b="1" dirty="0">
-                <a:solidFill>
-                  <a:srgbClr val="000000"/>
-                </a:solidFill>
-                <a:latin typeface="Consolas"/>
-              </a:rPr>
-              <a:t> (P1IN &amp; BIT3);</a:t>
-            </a:r>
-          </a:p>
-          <a:p>
-            <a:pPr marL="0" indent="0">
-              <a:buNone/>
-            </a:pPr>
-            <a:r>
-              <a:rPr lang="en-US" sz="1200" dirty="0">
-                <a:solidFill>
-                  <a:srgbClr val="000000"/>
-                </a:solidFill>
-                <a:latin typeface="Consolas"/>
-              </a:rPr>
-              <a:t>            </a:t>
-            </a:r>
-            <a:r>
-              <a:rPr lang="en-US" sz="1200" b="1" dirty="0">
-                <a:solidFill>
-                  <a:srgbClr val="642880"/>
-                </a:solidFill>
-                <a:latin typeface="Consolas"/>
-              </a:rPr>
-              <a:t>__</a:t>
-            </a:r>
-            <a:r>
-              <a:rPr lang="en-US" sz="1200" b="1" dirty="0" err="1">
-                <a:solidFill>
-                  <a:srgbClr val="642880"/>
-                </a:solidFill>
-                <a:latin typeface="Consolas"/>
-              </a:rPr>
-              <a:t>delay_cycles</a:t>
-            </a:r>
-            <a:r>
-              <a:rPr lang="en-US" sz="1200" b="1" dirty="0">
-                <a:solidFill>
-                  <a:srgbClr val="000000"/>
-                </a:solidFill>
-                <a:latin typeface="Consolas"/>
-              </a:rPr>
-              <a:t>(1000000);</a:t>
-            </a:r>
-          </a:p>
-          <a:p>
-            <a:pPr marL="0" indent="0">
-              <a:buNone/>
-            </a:pPr>
-            <a:r>
-              <a:rPr lang="en-US" sz="1200" dirty="0">
-                <a:solidFill>
-                  <a:srgbClr val="000000"/>
-                </a:solidFill>
-                <a:latin typeface="Consolas"/>
-              </a:rPr>
-              <a:t>            TA1CCR1 = 100;            </a:t>
-            </a:r>
-            <a:r>
-              <a:rPr lang="en-US" sz="1200" dirty="0">
-                <a:solidFill>
-                  <a:srgbClr val="3F7F5F"/>
-                </a:solidFill>
-                <a:latin typeface="Consolas"/>
-              </a:rPr>
-              <a:t>// set duty cycle to 100/1000 (10%)</a:t>
-            </a:r>
-          </a:p>
-          <a:p>
-            <a:pPr marL="0" indent="0">
-              <a:buNone/>
-            </a:pPr>
-            <a:endParaRPr lang="en-US" sz="1200" dirty="0">
-              <a:latin typeface="Consolas"/>
-            </a:endParaRPr>
-          </a:p>
-          <a:p>
-            <a:pPr marL="0" indent="0">
-              <a:buNone/>
-            </a:pPr>
-            <a:r>
-              <a:rPr lang="en-US" sz="1200" dirty="0">
-                <a:solidFill>
-                  <a:srgbClr val="000000"/>
-                </a:solidFill>
-                <a:latin typeface="Consolas"/>
-              </a:rPr>
-              <a:t>            </a:t>
-            </a:r>
-            <a:r>
-              <a:rPr lang="en-US" sz="1200" b="1" dirty="0">
-                <a:solidFill>
-                  <a:srgbClr val="7F0055"/>
-                </a:solidFill>
-                <a:latin typeface="Consolas"/>
-              </a:rPr>
-              <a:t>while</a:t>
-            </a:r>
-            <a:r>
-              <a:rPr lang="en-US" sz="1200" b="1" dirty="0">
-                <a:solidFill>
-                  <a:srgbClr val="000000"/>
-                </a:solidFill>
-                <a:latin typeface="Consolas"/>
-              </a:rPr>
-              <a:t> (P1IN &amp; BIT3);</a:t>
-            </a:r>
-          </a:p>
-          <a:p>
-            <a:pPr marL="0" indent="0">
-              <a:buNone/>
-            </a:pPr>
-            <a:r>
-              <a:rPr lang="en-US" sz="1200" dirty="0">
-                <a:solidFill>
-                  <a:srgbClr val="000000"/>
-                </a:solidFill>
-                <a:latin typeface="Consolas"/>
-              </a:rPr>
-              <a:t>            </a:t>
-            </a:r>
-            <a:r>
-              <a:rPr lang="en-US" sz="1200" b="1" dirty="0">
-                <a:solidFill>
-                  <a:srgbClr val="642880"/>
-                </a:solidFill>
-                <a:latin typeface="Consolas"/>
-              </a:rPr>
-              <a:t>__</a:t>
-            </a:r>
-            <a:r>
-              <a:rPr lang="en-US" sz="1200" b="1" dirty="0" err="1">
-                <a:solidFill>
-                  <a:srgbClr val="642880"/>
-                </a:solidFill>
-                <a:latin typeface="Consolas"/>
-              </a:rPr>
-              <a:t>delay_cycles</a:t>
-            </a:r>
-            <a:r>
-              <a:rPr lang="en-US" sz="1200" b="1" dirty="0">
-                <a:solidFill>
-                  <a:srgbClr val="000000"/>
-                </a:solidFill>
-                <a:latin typeface="Consolas"/>
-              </a:rPr>
-              <a:t>(1000000);</a:t>
-            </a:r>
-          </a:p>
-          <a:p>
-            <a:pPr marL="0" indent="0">
-              <a:buNone/>
-            </a:pPr>
-            <a:r>
-              <a:rPr lang="en-US" sz="1200" dirty="0">
-                <a:solidFill>
-                  <a:srgbClr val="000000"/>
-                </a:solidFill>
-                <a:latin typeface="Consolas"/>
-              </a:rPr>
-              <a:t>            TA1CCR1 = 20;            </a:t>
-            </a:r>
-            <a:r>
-              <a:rPr lang="en-US" sz="1200" dirty="0">
-                <a:solidFill>
-                  <a:srgbClr val="3F7F5F"/>
-                </a:solidFill>
-                <a:latin typeface="Consolas"/>
-              </a:rPr>
-              <a:t>// set duty cycle to 20/1000 (2%)</a:t>
-            </a:r>
-          </a:p>
-          <a:p>
-            <a:pPr marL="0" indent="0">
-              <a:buNone/>
-            </a:pPr>
-            <a:endParaRPr lang="en-US" sz="1200" dirty="0">
-              <a:latin typeface="Consolas"/>
-            </a:endParaRPr>
-          </a:p>
-          <a:p>
-            <a:pPr marL="0" indent="0">
-              <a:buNone/>
-            </a:pPr>
-            <a:r>
-              <a:rPr lang="en-US" sz="1200" dirty="0">
-                <a:solidFill>
-                  <a:srgbClr val="000000"/>
-                </a:solidFill>
-                <a:latin typeface="Consolas"/>
-              </a:rPr>
-              <a:t>        }</a:t>
-            </a:r>
-          </a:p>
-          <a:p>
-            <a:pPr marL="0" indent="0">
-              <a:buNone/>
-            </a:pPr>
-            <a:r>
-              <a:rPr lang="en-US" sz="1200" dirty="0">
-                <a:solidFill>
-                  <a:srgbClr val="000000"/>
-                </a:solidFill>
-                <a:latin typeface="Consolas"/>
-              </a:rPr>
-              <a:t>}</a:t>
-            </a:r>
-          </a:p>
-          <a:p>
-            <a:pPr marL="0" indent="0">
-              <a:buNone/>
-            </a:pPr>
-            <a:endParaRPr lang="en-US" sz="1200" dirty="0">
-              <a:latin typeface="Consolas"/>
-            </a:endParaRPr>
-          </a:p>
-          <a:p>
-            <a:pPr marL="0" indent="0">
-              <a:buNone/>
-            </a:pPr>
-            <a:endParaRPr lang="en-US" sz="1200" dirty="0">
-              <a:latin typeface="Consolas"/>
-            </a:endParaRPr>
-          </a:p>
-          <a:p>
-            <a:pPr marL="0" indent="0">
-              <a:buNone/>
-            </a:pPr>
-            <a:r>
-              <a:rPr lang="en-US" sz="1200" b="1" dirty="0">
-                <a:solidFill>
-                  <a:srgbClr val="7F0055"/>
-                </a:solidFill>
-                <a:latin typeface="Consolas"/>
-              </a:rPr>
-              <a:t>#pragma</a:t>
-            </a:r>
-            <a:r>
-              <a:rPr lang="en-US" sz="1200" b="1" dirty="0">
-                <a:solidFill>
-                  <a:srgbClr val="000000"/>
-                </a:solidFill>
-                <a:latin typeface="Consolas"/>
-              </a:rPr>
-              <a:t> vector = TIMER1_A0_VECTOR            </a:t>
-            </a:r>
-            <a:r>
-              <a:rPr lang="en-US" sz="1200" b="1" dirty="0">
-                <a:solidFill>
-                  <a:srgbClr val="3F7F5F"/>
-                </a:solidFill>
-                <a:latin typeface="Consolas"/>
-              </a:rPr>
-              <a:t>// This is from the MSP430G2553.h file</a:t>
-            </a:r>
-          </a:p>
-          <a:p>
-            <a:pPr marL="0" indent="0">
-              <a:buNone/>
-            </a:pPr>
-            <a:r>
-              <a:rPr lang="en-US" sz="1200" b="1" dirty="0">
-                <a:solidFill>
-                  <a:srgbClr val="7F0055"/>
-                </a:solidFill>
-                <a:latin typeface="Consolas"/>
-              </a:rPr>
-              <a:t>__interrupt</a:t>
-            </a:r>
-            <a:r>
-              <a:rPr lang="en-US" sz="1200" b="1" dirty="0">
-                <a:solidFill>
-                  <a:srgbClr val="000000"/>
-                </a:solidFill>
-                <a:latin typeface="Consolas"/>
-              </a:rPr>
-              <a:t> </a:t>
-            </a:r>
-            <a:r>
-              <a:rPr lang="en-US" sz="1200" b="1" dirty="0">
-                <a:solidFill>
-                  <a:srgbClr val="7F0055"/>
-                </a:solidFill>
-                <a:latin typeface="Consolas"/>
-              </a:rPr>
-              <a:t>void</a:t>
-            </a:r>
-            <a:r>
-              <a:rPr lang="en-US" sz="1200" b="1" dirty="0">
-                <a:solidFill>
-                  <a:srgbClr val="000000"/>
-                </a:solidFill>
-                <a:latin typeface="Consolas"/>
-              </a:rPr>
-              <a:t> </a:t>
-            </a:r>
-            <a:r>
-              <a:rPr lang="en-US" sz="1200" b="1" dirty="0" err="1">
-                <a:solidFill>
-                  <a:srgbClr val="000000"/>
-                </a:solidFill>
-                <a:latin typeface="Consolas"/>
-              </a:rPr>
-              <a:t>captureCompareInt</a:t>
-            </a:r>
-            <a:r>
-              <a:rPr lang="en-US" sz="1200" b="1" dirty="0">
-                <a:solidFill>
-                  <a:srgbClr val="000000"/>
-                </a:solidFill>
-                <a:latin typeface="Consolas"/>
-              </a:rPr>
-              <a:t> (</a:t>
-            </a:r>
-            <a:r>
-              <a:rPr lang="en-US" sz="1200" b="1" dirty="0">
-                <a:solidFill>
-                  <a:srgbClr val="7F0055"/>
-                </a:solidFill>
-                <a:latin typeface="Consolas"/>
-              </a:rPr>
-              <a:t>void</a:t>
-            </a:r>
-            <a:r>
-              <a:rPr lang="en-US" sz="1200" b="1" dirty="0">
-                <a:solidFill>
-                  <a:srgbClr val="000000"/>
-                </a:solidFill>
-                <a:latin typeface="Consolas"/>
-              </a:rPr>
-              <a:t>) {</a:t>
-            </a:r>
-          </a:p>
-          <a:p>
-            <a:pPr marL="0" indent="0">
-              <a:buNone/>
-            </a:pPr>
-            <a:r>
-              <a:rPr lang="en-US" sz="1200" dirty="0">
-                <a:solidFill>
-                  <a:srgbClr val="000000"/>
-                </a:solidFill>
-                <a:latin typeface="Consolas"/>
-              </a:rPr>
-              <a:t>    P1OUT |= BIT0;                        </a:t>
-            </a:r>
-            <a:r>
-              <a:rPr lang="en-US" sz="1200" dirty="0">
-                <a:solidFill>
-                  <a:srgbClr val="3F7F5F"/>
-                </a:solidFill>
-                <a:latin typeface="Consolas"/>
-              </a:rPr>
-              <a:t>//Turn on LED</a:t>
-            </a:r>
-          </a:p>
-          <a:p>
-            <a:pPr marL="0" indent="0">
-              <a:buNone/>
-            </a:pPr>
-            <a:r>
-              <a:rPr lang="en-US" sz="1200" dirty="0">
-                <a:solidFill>
-                  <a:srgbClr val="000000"/>
-                </a:solidFill>
-                <a:latin typeface="Consolas"/>
-              </a:rPr>
-              <a:t>    </a:t>
-            </a:r>
-            <a:r>
-              <a:rPr lang="en-US" sz="1200" dirty="0">
-                <a:solidFill>
-                  <a:srgbClr val="3F7F5F"/>
-                </a:solidFill>
-                <a:latin typeface="Consolas"/>
-              </a:rPr>
-              <a:t>// Disable Timer A Interrupt</a:t>
-            </a:r>
-          </a:p>
-          <a:p>
-            <a:pPr marL="0" indent="0">
-              <a:buNone/>
-            </a:pPr>
-            <a:r>
-              <a:rPr lang="en-US" sz="1200" dirty="0">
-                <a:solidFill>
-                  <a:srgbClr val="000000"/>
-                </a:solidFill>
-                <a:latin typeface="Consolas"/>
-              </a:rPr>
-              <a:t>    TA1CCTL1 &amp;= ~CCIFG;                </a:t>
-            </a:r>
-            <a:r>
-              <a:rPr lang="en-US" sz="1200" dirty="0">
-                <a:solidFill>
-                  <a:srgbClr val="3F7F5F"/>
-                </a:solidFill>
-                <a:latin typeface="Consolas"/>
-              </a:rPr>
-              <a:t>//clear capture compare interrupt flag</a:t>
-            </a:r>
-          </a:p>
-          <a:p>
-            <a:pPr marL="0" indent="0">
-              <a:buNone/>
-            </a:pPr>
-            <a:r>
-              <a:rPr lang="en-US" sz="1200" dirty="0">
-                <a:solidFill>
-                  <a:srgbClr val="3F7F5F"/>
-                </a:solidFill>
-                <a:latin typeface="Consolas"/>
-              </a:rPr>
-              <a:t>//    TACTL &amp;= ~TAIFG;</a:t>
-            </a:r>
-          </a:p>
-          <a:p>
-            <a:pPr marL="0" indent="0">
-              <a:buNone/>
-            </a:pPr>
-            <a:r>
-              <a:rPr lang="en-US" sz="1200" dirty="0">
-                <a:solidFill>
-                  <a:srgbClr val="000000"/>
-                </a:solidFill>
-                <a:latin typeface="Consolas"/>
-              </a:rPr>
-              <a:t>}</a:t>
-            </a:r>
-          </a:p>
-          <a:p>
-            <a:pPr marL="0" indent="0">
-              <a:buNone/>
-            </a:pPr>
-            <a:endParaRPr lang="en-US" sz="1200" dirty="0">
-              <a:latin typeface="Consolas"/>
-            </a:endParaRPr>
-          </a:p>
-          <a:p>
-            <a:pPr marL="0" indent="0">
-              <a:buNone/>
-            </a:pPr>
-            <a:r>
-              <a:rPr lang="en-US" sz="1200" b="1" dirty="0">
-                <a:solidFill>
-                  <a:srgbClr val="7F0055"/>
-                </a:solidFill>
-                <a:latin typeface="Consolas"/>
-              </a:rPr>
-              <a:t>#pragma</a:t>
-            </a:r>
-            <a:r>
-              <a:rPr lang="en-US" sz="1200" b="1" dirty="0">
-                <a:solidFill>
-                  <a:srgbClr val="000000"/>
-                </a:solidFill>
-                <a:latin typeface="Consolas"/>
-              </a:rPr>
-              <a:t> vector = TIMER1_A1_VECTOR            </a:t>
-            </a:r>
-            <a:r>
-              <a:rPr lang="en-US" sz="1200" b="1" dirty="0">
-                <a:solidFill>
-                  <a:srgbClr val="3F7F5F"/>
-                </a:solidFill>
-                <a:latin typeface="Consolas"/>
-              </a:rPr>
-              <a:t>// This is from the MSP430G2553.h file</a:t>
-            </a:r>
-          </a:p>
-          <a:p>
-            <a:pPr marL="0" indent="0">
-              <a:buNone/>
-            </a:pPr>
-            <a:r>
-              <a:rPr lang="en-US" sz="1200" b="1" dirty="0">
-                <a:solidFill>
-                  <a:srgbClr val="7F0055"/>
-                </a:solidFill>
-                <a:latin typeface="Consolas"/>
-              </a:rPr>
-              <a:t>__interrupt</a:t>
-            </a:r>
-            <a:r>
-              <a:rPr lang="en-US" sz="1200" b="1" dirty="0">
-                <a:solidFill>
-                  <a:srgbClr val="000000"/>
-                </a:solidFill>
-                <a:latin typeface="Consolas"/>
-              </a:rPr>
-              <a:t> </a:t>
-            </a:r>
-            <a:r>
-              <a:rPr lang="en-US" sz="1200" b="1" dirty="0">
-                <a:solidFill>
-                  <a:srgbClr val="7F0055"/>
-                </a:solidFill>
-                <a:latin typeface="Consolas"/>
-              </a:rPr>
-              <a:t>void</a:t>
-            </a:r>
-            <a:r>
-              <a:rPr lang="en-US" sz="1200" b="1" dirty="0">
-                <a:solidFill>
-                  <a:srgbClr val="000000"/>
-                </a:solidFill>
-                <a:latin typeface="Consolas"/>
-              </a:rPr>
-              <a:t> captureCompareInt2 (</a:t>
-            </a:r>
-            <a:r>
-              <a:rPr lang="en-US" sz="1200" b="1" dirty="0">
-                <a:solidFill>
-                  <a:srgbClr val="7F0055"/>
-                </a:solidFill>
-                <a:latin typeface="Consolas"/>
-              </a:rPr>
-              <a:t>void</a:t>
-            </a:r>
-            <a:r>
-              <a:rPr lang="en-US" sz="1200" b="1" dirty="0">
-                <a:solidFill>
-                  <a:srgbClr val="000000"/>
-                </a:solidFill>
-                <a:latin typeface="Consolas"/>
-              </a:rPr>
-              <a:t>) {</a:t>
-            </a:r>
-          </a:p>
-          <a:p>
-            <a:pPr marL="0" indent="0">
-              <a:buNone/>
-            </a:pPr>
-            <a:r>
-              <a:rPr lang="en-US" sz="1200" dirty="0">
-                <a:solidFill>
-                  <a:srgbClr val="000000"/>
-                </a:solidFill>
-                <a:latin typeface="Consolas"/>
-              </a:rPr>
-              <a:t>    P1OUT &amp;= ~BIT0;                        </a:t>
-            </a:r>
-            <a:r>
-              <a:rPr lang="en-US" sz="1200" dirty="0">
-                <a:solidFill>
-                  <a:srgbClr val="3F7F5F"/>
-                </a:solidFill>
-                <a:latin typeface="Consolas"/>
-              </a:rPr>
-              <a:t>//Turn off LED</a:t>
-            </a:r>
-          </a:p>
-          <a:p>
-            <a:pPr marL="0" indent="0">
-              <a:buNone/>
-            </a:pPr>
-            <a:r>
-              <a:rPr lang="en-US" sz="1200" dirty="0">
-                <a:solidFill>
-                  <a:srgbClr val="000000"/>
-                </a:solidFill>
-                <a:latin typeface="Consolas"/>
-              </a:rPr>
-              <a:t>    </a:t>
-            </a:r>
-            <a:r>
-              <a:rPr lang="en-US" sz="1200" dirty="0">
-                <a:solidFill>
-                  <a:srgbClr val="3F7F5F"/>
-                </a:solidFill>
-                <a:latin typeface="Consolas"/>
-              </a:rPr>
-              <a:t>// Disable Timer A Interrupt</a:t>
-            </a:r>
-          </a:p>
-          <a:p>
-            <a:pPr marL="0" indent="0">
-              <a:buNone/>
-            </a:pPr>
-            <a:r>
-              <a:rPr lang="en-US" sz="1200" dirty="0">
-                <a:solidFill>
-                  <a:srgbClr val="000000"/>
-                </a:solidFill>
-                <a:latin typeface="Consolas"/>
-              </a:rPr>
-              <a:t>    TA1CCTL1 &amp;= ~CCIFG;                </a:t>
-            </a:r>
-            <a:r>
-              <a:rPr lang="en-US" sz="1200" dirty="0">
-                <a:solidFill>
-                  <a:srgbClr val="3F7F5F"/>
-                </a:solidFill>
-                <a:latin typeface="Consolas"/>
-              </a:rPr>
-              <a:t>//clear capture compare interrupt flag</a:t>
-            </a:r>
-          </a:p>
-          <a:p>
-            <a:pPr marL="0" indent="0">
-              <a:buNone/>
-            </a:pPr>
-            <a:r>
-              <a:rPr lang="en-US" sz="1200" dirty="0">
-                <a:solidFill>
-                  <a:srgbClr val="3F7F5F"/>
-                </a:solidFill>
-                <a:latin typeface="Consolas"/>
-              </a:rPr>
-              <a:t>//    TACTL &amp;= ~TAIFG;</a:t>
-            </a:r>
-          </a:p>
-          <a:p>
-            <a:pPr marL="0" indent="0">
-              <a:buNone/>
-            </a:pPr>
-            <a:r>
-              <a:rPr lang="en-US" sz="1200" dirty="0">
-                <a:solidFill>
-                  <a:srgbClr val="000000"/>
-                </a:solidFill>
-                <a:latin typeface="Consolas"/>
-              </a:rPr>
-              <a:t>}</a:t>
-            </a:r>
-          </a:p>
-          <a:p>
-            <a:pPr marL="57150" indent="0">
-              <a:buNone/>
-            </a:pPr>
-            <a:endParaRPr lang="en-US" sz="1200" dirty="0" smtClean="0">
-              <a:solidFill>
-                <a:schemeClr val="accent2"/>
-              </a:solidFill>
-            </a:endParaRPr>
-          </a:p>
-        </p:txBody>
-      </p:sp>
-    </p:spTree>
-    <p:extLst>
-      <p:ext uri="{BB962C8B-B14F-4D97-AF65-F5344CB8AC3E}">
-        <p14:creationId xmlns:p14="http://schemas.microsoft.com/office/powerpoint/2010/main" val="1024480601"/>
       </p:ext>
     </p:extLst>
   </p:cSld>
@@ -13761,49 +11421,173 @@
           <a:bodyPr/>
           <a:lstStyle/>
           <a:p>
-            <a:endParaRPr lang="en-US"/>
+            <a:r>
+              <a:rPr lang="en-US" dirty="0" smtClean="0"/>
+              <a:t>PWM Setup Tasks</a:t>
+            </a:r>
+            <a:endParaRPr lang="en-US" dirty="0"/>
           </a:p>
         </p:txBody>
       </p:sp>
-      <p:pic>
-        <p:nvPicPr>
-          <p:cNvPr id="4" name="Content Placeholder 3"/>
-          <p:cNvPicPr>
-            <a:picLocks noGrp="1" noChangeAspect="1"/>
-          </p:cNvPicPr>
+      <p:sp>
+        <p:nvSpPr>
+          <p:cNvPr id="3" name="Content Placeholder 2"/>
+          <p:cNvSpPr>
+            <a:spLocks noGrp="1"/>
+          </p:cNvSpPr>
           <p:nvPr>
             <p:ph idx="1"/>
           </p:nvPr>
-        </p:nvPicPr>
-        <p:blipFill>
-          <a:blip r:embed="rId2">
-            <a:extLst>
-              <a:ext uri="{28A0092B-C50C-407E-A947-70E740481C1C}">
-                <a14:useLocalDpi xmlns:a14="http://schemas.microsoft.com/office/drawing/2010/main" val="0"/>
-              </a:ext>
-            </a:extLst>
-          </a:blip>
-          <a:stretch>
-            <a:fillRect/>
-          </a:stretch>
-        </p:blipFill>
+        </p:nvSpPr>
         <p:spPr>
           <a:xfrm>
-            <a:off x="0" y="-1"/>
-            <a:ext cx="9187870" cy="6715125"/>
+            <a:off x="695325" y="904875"/>
+            <a:ext cx="7772400" cy="4724400"/>
           </a:xfrm>
         </p:spPr>
-      </p:pic>
+        <p:txBody>
+          <a:bodyPr/>
+          <a:lstStyle/>
+          <a:p>
+            <a:r>
+              <a:rPr lang="en-US" dirty="0" smtClean="0"/>
+              <a:t>Set I/O direction for output</a:t>
+            </a:r>
+          </a:p>
+          <a:p>
+            <a:pPr lvl="1"/>
+            <a:r>
+              <a:rPr lang="en-US" dirty="0" smtClean="0"/>
+              <a:t>MUX PWM</a:t>
+            </a:r>
+          </a:p>
+          <a:p>
+            <a:endParaRPr lang="en-US" dirty="0" smtClean="0"/>
+          </a:p>
+          <a:p>
+            <a:r>
+              <a:rPr lang="en-US" dirty="0"/>
+              <a:t>Set period</a:t>
+            </a:r>
+          </a:p>
+          <a:p>
+            <a:r>
+              <a:rPr lang="en-US" dirty="0"/>
+              <a:t>Set on time</a:t>
+            </a:r>
+          </a:p>
+          <a:p>
+            <a:r>
+              <a:rPr lang="en-US" dirty="0" smtClean="0"/>
+              <a:t>Enable PWM </a:t>
+            </a:r>
+            <a:r>
+              <a:rPr lang="en-US" u="sng" dirty="0" smtClean="0"/>
+              <a:t>mode</a:t>
+            </a:r>
+            <a:r>
+              <a:rPr lang="en-US" dirty="0" smtClean="0"/>
+              <a:t> on timer</a:t>
+            </a:r>
+          </a:p>
+          <a:p>
+            <a:endParaRPr lang="en-US" dirty="0" smtClean="0"/>
+          </a:p>
+          <a:p>
+            <a:r>
+              <a:rPr lang="en-US" dirty="0" err="1" smtClean="0"/>
+              <a:t>Config</a:t>
+            </a:r>
+            <a:r>
+              <a:rPr lang="en-US" dirty="0" smtClean="0"/>
+              <a:t> / Start timer</a:t>
+            </a:r>
+            <a:endParaRPr lang="en-US" dirty="0"/>
+          </a:p>
+        </p:txBody>
+      </p:sp>
       <p:sp>
         <p:nvSpPr>
-          <p:cNvPr id="3" name="TextBox 2"/>
+          <p:cNvPr id="4" name="Right Brace 3"/>
+          <p:cNvSpPr/>
+          <p:nvPr/>
+        </p:nvSpPr>
+        <p:spPr bwMode="auto">
+          <a:xfrm>
+            <a:off x="3314700" y="2657475"/>
+            <a:ext cx="409575" cy="1057275"/>
+          </a:xfrm>
+          <a:prstGeom prst="rightBrace">
+            <a:avLst/>
+          </a:prstGeom>
+          <a:ln>
+            <a:headEnd type="none" w="med" len="med"/>
+            <a:tailEnd type="none" w="med" len="med"/>
+          </a:ln>
+        </p:spPr>
+        <p:style>
+          <a:lnRef idx="3">
+            <a:schemeClr val="accent2"/>
+          </a:lnRef>
+          <a:fillRef idx="0">
+            <a:schemeClr val="accent2"/>
+          </a:fillRef>
+          <a:effectRef idx="2">
+            <a:schemeClr val="accent2"/>
+          </a:effectRef>
+          <a:fontRef idx="minor">
+            <a:schemeClr val="tx1"/>
+          </a:fontRef>
+        </p:style>
+        <p:txBody>
+          <a:bodyPr vert="horz" wrap="square" lIns="91440" tIns="45720" rIns="91440" bIns="45720" numCol="1" rtlCol="0" anchor="t" anchorCtr="0" compatLnSpc="1">
+            <a:prstTxWarp prst="textNoShape">
+              <a:avLst/>
+            </a:prstTxWarp>
+            <a:spAutoFit/>
+          </a:bodyPr>
+          <a:lstStyle/>
+          <a:p>
+            <a:pPr marL="0" marR="0" indent="0" algn="l" defTabSz="914400" rtl="0" eaLnBrk="1" fontAlgn="base" latinLnBrk="0" hangingPunct="1">
+              <a:lnSpc>
+                <a:spcPct val="100000"/>
+              </a:lnSpc>
+              <a:spcBef>
+                <a:spcPct val="50000"/>
+              </a:spcBef>
+              <a:spcAft>
+                <a:spcPct val="0"/>
+              </a:spcAft>
+              <a:buClrTx/>
+              <a:buSzTx/>
+              <a:buFontTx/>
+              <a:buNone/>
+              <a:tabLst/>
+            </a:pPr>
+            <a:endParaRPr kumimoji="0" lang="en-US" sz="2400" b="0" i="0" u="none" strike="noStrike" cap="none" normalizeH="0" baseline="0" smtClean="0">
+              <a:ln>
+                <a:noFill/>
+              </a:ln>
+              <a:solidFill>
+                <a:schemeClr val="tx1"/>
+              </a:solidFill>
+              <a:effectLst/>
+              <a:latin typeface="Times New Roman" pitchFamily="18" charset="0"/>
+              <a:sym typeface="Wingdings" pitchFamily="2" charset="2"/>
+            </a:endParaRPr>
+          </a:p>
+        </p:txBody>
+      </p:sp>
+      <p:sp>
+        <p:nvSpPr>
+          <p:cNvPr id="6" name="TextBox 5"/>
           <p:cNvSpPr txBox="1"/>
           <p:nvPr/>
         </p:nvSpPr>
         <p:spPr>
           <a:xfrm>
-            <a:off x="0" y="0"/>
-            <a:ext cx="3603009" cy="400110"/>
+            <a:off x="3876674" y="2893724"/>
+            <a:ext cx="2009776" cy="523220"/>
           </a:xfrm>
           <a:prstGeom prst="rect">
             <a:avLst/>
@@ -13817,22 +11601,31 @@
           <a:lstStyle/>
           <a:p>
             <a:r>
-              <a:rPr lang="en-US" sz="2000" dirty="0" smtClean="0"/>
-              <a:t>pp 109 of Blue Book</a:t>
-            </a:r>
+              <a:rPr lang="en-US" sz="2800" b="1" dirty="0" err="1" smtClean="0">
+                <a:solidFill>
+                  <a:schemeClr val="accent2"/>
+                </a:solidFill>
+              </a:rPr>
+              <a:t>TAxCCRx</a:t>
+            </a:r>
+            <a:endParaRPr lang="en-US" sz="2800" b="1" dirty="0">
+              <a:solidFill>
+                <a:schemeClr val="accent2"/>
+              </a:solidFill>
+            </a:endParaRPr>
           </a:p>
         </p:txBody>
       </p:sp>
       <p:sp>
         <p:nvSpPr>
-          <p:cNvPr id="5" name="TextBox 4"/>
+          <p:cNvPr id="7" name="TextBox 6"/>
           <p:cNvSpPr txBox="1"/>
           <p:nvPr/>
         </p:nvSpPr>
         <p:spPr>
           <a:xfrm>
-            <a:off x="6566848" y="0"/>
-            <a:ext cx="2972937" cy="400110"/>
+            <a:off x="6005512" y="3808124"/>
+            <a:ext cx="2009776" cy="523220"/>
           </a:xfrm>
           <a:prstGeom prst="rect">
             <a:avLst/>
@@ -13846,17 +11639,147 @@
           <a:lstStyle/>
           <a:p>
             <a:r>
-              <a:rPr lang="en-US" sz="2000" dirty="0" smtClean="0"/>
-              <a:t>pp 11 of Device Specific</a:t>
-            </a:r>
-            <a:endParaRPr lang="en-US" sz="2000" dirty="0"/>
+              <a:rPr lang="en-US" sz="2800" b="1" dirty="0" err="1" smtClean="0">
+                <a:solidFill>
+                  <a:schemeClr val="accent2"/>
+                </a:solidFill>
+              </a:rPr>
+              <a:t>TAxCCTLx</a:t>
+            </a:r>
+            <a:endParaRPr lang="en-US" sz="2800" b="1" dirty="0">
+              <a:solidFill>
+                <a:schemeClr val="accent2"/>
+              </a:solidFill>
+            </a:endParaRPr>
+          </a:p>
+        </p:txBody>
+      </p:sp>
+      <p:sp>
+        <p:nvSpPr>
+          <p:cNvPr id="8" name="TextBox 7"/>
+          <p:cNvSpPr txBox="1"/>
+          <p:nvPr/>
+        </p:nvSpPr>
+        <p:spPr>
+          <a:xfrm>
+            <a:off x="3724274" y="1522124"/>
+            <a:ext cx="3071813" cy="523220"/>
+          </a:xfrm>
+          <a:prstGeom prst="rect">
+            <a:avLst/>
+          </a:prstGeom>
+          <a:noFill/>
+        </p:spPr>
+        <p:txBody>
+          <a:bodyPr wrap="square" rtlCol="0">
+            <a:spAutoFit/>
+          </a:bodyPr>
+          <a:lstStyle/>
+          <a:p>
+            <a:r>
+              <a:rPr lang="en-US" sz="2800" b="1" dirty="0" err="1" smtClean="0">
+                <a:solidFill>
+                  <a:schemeClr val="accent2"/>
+                </a:solidFill>
+              </a:rPr>
+              <a:t>PxSEL</a:t>
+            </a:r>
+            <a:r>
+              <a:rPr lang="en-US" sz="2800" b="1" dirty="0" smtClean="0">
+                <a:solidFill>
+                  <a:schemeClr val="accent2"/>
+                </a:solidFill>
+              </a:rPr>
+              <a:t>, PxSEL2</a:t>
+            </a:r>
+            <a:endParaRPr lang="en-US" sz="2800" b="1" dirty="0">
+              <a:solidFill>
+                <a:schemeClr val="accent2"/>
+              </a:solidFill>
+            </a:endParaRPr>
+          </a:p>
+        </p:txBody>
+      </p:sp>
+      <p:sp>
+        <p:nvSpPr>
+          <p:cNvPr id="9" name="TextBox 8"/>
+          <p:cNvSpPr txBox="1"/>
+          <p:nvPr/>
+        </p:nvSpPr>
+        <p:spPr>
+          <a:xfrm>
+            <a:off x="5791199" y="931574"/>
+            <a:ext cx="2009776" cy="523220"/>
+          </a:xfrm>
+          <a:prstGeom prst="rect">
+            <a:avLst/>
+          </a:prstGeom>
+          <a:noFill/>
+        </p:spPr>
+        <p:txBody>
+          <a:bodyPr wrap="square" rtlCol="0">
+            <a:spAutoFit/>
+          </a:bodyPr>
+          <a:lstStyle/>
+          <a:p>
+            <a:r>
+              <a:rPr lang="en-US" sz="2800" b="1" dirty="0" err="1" smtClean="0">
+                <a:solidFill>
+                  <a:schemeClr val="accent2"/>
+                </a:solidFill>
+              </a:rPr>
+              <a:t>PxDIR</a:t>
+            </a:r>
+            <a:endParaRPr lang="en-US" sz="2800" b="1" dirty="0">
+              <a:solidFill>
+                <a:schemeClr val="accent2"/>
+              </a:solidFill>
+            </a:endParaRPr>
+          </a:p>
+        </p:txBody>
+      </p:sp>
+      <p:sp>
+        <p:nvSpPr>
+          <p:cNvPr id="10" name="TextBox 9"/>
+          <p:cNvSpPr txBox="1"/>
+          <p:nvPr/>
+        </p:nvSpPr>
+        <p:spPr>
+          <a:xfrm>
+            <a:off x="4614862" y="4979699"/>
+            <a:ext cx="2009776" cy="523220"/>
+          </a:xfrm>
+          <a:prstGeom prst="rect">
+            <a:avLst/>
+          </a:prstGeom>
+          <a:noFill/>
+        </p:spPr>
+        <p:txBody>
+          <a:bodyPr wrap="square" rtlCol="0">
+            <a:spAutoFit/>
+          </a:bodyPr>
+          <a:lstStyle/>
+          <a:p>
+            <a:r>
+              <a:rPr lang="en-US" sz="2800" b="1" dirty="0" err="1" smtClean="0">
+                <a:solidFill>
+                  <a:schemeClr val="accent2"/>
+                </a:solidFill>
+              </a:rPr>
+              <a:t>TAxCTL</a:t>
+            </a:r>
+            <a:endParaRPr lang="en-US" sz="2800" b="1" dirty="0">
+              <a:solidFill>
+                <a:schemeClr val="accent2"/>
+              </a:solidFill>
+            </a:endParaRPr>
           </a:p>
         </p:txBody>
       </p:sp>
     </p:spTree>
     <p:extLst>
       <p:ext uri="{BB962C8B-B14F-4D97-AF65-F5344CB8AC3E}">
-        <p14:creationId xmlns:p14="http://schemas.microsoft.com/office/powerpoint/2010/main" val="1519780707"/>
+        <p14:creationId xmlns:p14="http://schemas.microsoft.com/office/powerpoint/2010/main" val="4019579348"/>
       </p:ext>
     </p:extLst>
   </p:cSld>
@@ -13866,9 +11789,292 @@
   <p:timing>
     <p:tnLst>
       <p:par>
-        <p:cTn id="1" dur="indefinite" restart="never" nodeType="tmRoot"/>
+        <p:cTn id="1" dur="indefinite" restart="never" nodeType="tmRoot">
+          <p:childTnLst>
+            <p:seq concurrent="1" nextAc="seek">
+              <p:cTn id="2" dur="indefinite" nodeType="mainSeq">
+                <p:childTnLst>
+                  <p:par>
+                    <p:cTn id="3" fill="hold">
+                      <p:stCondLst>
+                        <p:cond delay="indefinite"/>
+                      </p:stCondLst>
+                      <p:childTnLst>
+                        <p:par>
+                          <p:cTn id="4" fill="hold">
+                            <p:stCondLst>
+                              <p:cond delay="0"/>
+                            </p:stCondLst>
+                            <p:childTnLst>
+                              <p:par>
+                                <p:cTn id="5" presetID="1" presetClass="entr" presetSubtype="0" fill="hold" grpId="0" nodeType="clickEffect">
+                                  <p:stCondLst>
+                                    <p:cond delay="0"/>
+                                  </p:stCondLst>
+                                  <p:childTnLst>
+                                    <p:set>
+                                      <p:cBhvr>
+                                        <p:cTn id="6" dur="1" fill="hold">
+                                          <p:stCondLst>
+                                            <p:cond delay="0"/>
+                                          </p:stCondLst>
+                                        </p:cTn>
+                                        <p:tgtEl>
+                                          <p:spTgt spid="9"/>
+                                        </p:tgtEl>
+                                        <p:attrNameLst>
+                                          <p:attrName>style.visibility</p:attrName>
+                                        </p:attrNameLst>
+                                      </p:cBhvr>
+                                      <p:to>
+                                        <p:strVal val="visible"/>
+                                      </p:to>
+                                    </p:set>
+                                  </p:childTnLst>
+                                </p:cTn>
+                              </p:par>
+                            </p:childTnLst>
+                          </p:cTn>
+                        </p:par>
+                      </p:childTnLst>
+                    </p:cTn>
+                  </p:par>
+                  <p:par>
+                    <p:cTn id="7" fill="hold">
+                      <p:stCondLst>
+                        <p:cond delay="indefinite"/>
+                      </p:stCondLst>
+                      <p:childTnLst>
+                        <p:par>
+                          <p:cTn id="8" fill="hold">
+                            <p:stCondLst>
+                              <p:cond delay="0"/>
+                            </p:stCondLst>
+                            <p:childTnLst>
+                              <p:par>
+                                <p:cTn id="9" presetID="1" presetClass="entr" presetSubtype="0" fill="hold" grpId="0" nodeType="clickEffect">
+                                  <p:stCondLst>
+                                    <p:cond delay="0"/>
+                                  </p:stCondLst>
+                                  <p:childTnLst>
+                                    <p:set>
+                                      <p:cBhvr>
+                                        <p:cTn id="10" dur="1" fill="hold">
+                                          <p:stCondLst>
+                                            <p:cond delay="0"/>
+                                          </p:stCondLst>
+                                        </p:cTn>
+                                        <p:tgtEl>
+                                          <p:spTgt spid="8"/>
+                                        </p:tgtEl>
+                                        <p:attrNameLst>
+                                          <p:attrName>style.visibility</p:attrName>
+                                        </p:attrNameLst>
+                                      </p:cBhvr>
+                                      <p:to>
+                                        <p:strVal val="visible"/>
+                                      </p:to>
+                                    </p:set>
+                                  </p:childTnLst>
+                                </p:cTn>
+                              </p:par>
+                            </p:childTnLst>
+                          </p:cTn>
+                        </p:par>
+                      </p:childTnLst>
+                    </p:cTn>
+                  </p:par>
+                  <p:par>
+                    <p:cTn id="11" fill="hold">
+                      <p:stCondLst>
+                        <p:cond delay="indefinite"/>
+                      </p:stCondLst>
+                      <p:childTnLst>
+                        <p:par>
+                          <p:cTn id="12" fill="hold">
+                            <p:stCondLst>
+                              <p:cond delay="0"/>
+                            </p:stCondLst>
+                            <p:childTnLst>
+                              <p:par>
+                                <p:cTn id="13" presetID="1" presetClass="entr" presetSubtype="0" fill="hold" grpId="0" nodeType="clickEffect">
+                                  <p:stCondLst>
+                                    <p:cond delay="0"/>
+                                  </p:stCondLst>
+                                  <p:childTnLst>
+                                    <p:set>
+                                      <p:cBhvr>
+                                        <p:cTn id="14" dur="1" fill="hold">
+                                          <p:stCondLst>
+                                            <p:cond delay="0"/>
+                                          </p:stCondLst>
+                                        </p:cTn>
+                                        <p:tgtEl>
+                                          <p:spTgt spid="4"/>
+                                        </p:tgtEl>
+                                        <p:attrNameLst>
+                                          <p:attrName>style.visibility</p:attrName>
+                                        </p:attrNameLst>
+                                      </p:cBhvr>
+                                      <p:to>
+                                        <p:strVal val="visible"/>
+                                      </p:to>
+                                    </p:set>
+                                  </p:childTnLst>
+                                </p:cTn>
+                              </p:par>
+                              <p:par>
+                                <p:cTn id="15" presetID="1" presetClass="entr" presetSubtype="0" fill="hold" grpId="0" nodeType="withEffect">
+                                  <p:stCondLst>
+                                    <p:cond delay="0"/>
+                                  </p:stCondLst>
+                                  <p:childTnLst>
+                                    <p:set>
+                                      <p:cBhvr>
+                                        <p:cTn id="16" dur="1" fill="hold">
+                                          <p:stCondLst>
+                                            <p:cond delay="0"/>
+                                          </p:stCondLst>
+                                        </p:cTn>
+                                        <p:tgtEl>
+                                          <p:spTgt spid="6"/>
+                                        </p:tgtEl>
+                                        <p:attrNameLst>
+                                          <p:attrName>style.visibility</p:attrName>
+                                        </p:attrNameLst>
+                                      </p:cBhvr>
+                                      <p:to>
+                                        <p:strVal val="visible"/>
+                                      </p:to>
+                                    </p:set>
+                                  </p:childTnLst>
+                                </p:cTn>
+                              </p:par>
+                            </p:childTnLst>
+                          </p:cTn>
+                        </p:par>
+                      </p:childTnLst>
+                    </p:cTn>
+                  </p:par>
+                  <p:par>
+                    <p:cTn id="17" fill="hold">
+                      <p:stCondLst>
+                        <p:cond delay="indefinite"/>
+                      </p:stCondLst>
+                      <p:childTnLst>
+                        <p:par>
+                          <p:cTn id="18" fill="hold">
+                            <p:stCondLst>
+                              <p:cond delay="0"/>
+                            </p:stCondLst>
+                            <p:childTnLst>
+                              <p:par>
+                                <p:cTn id="19" presetID="1" presetClass="entr" presetSubtype="0" fill="hold" grpId="0" nodeType="clickEffect">
+                                  <p:stCondLst>
+                                    <p:cond delay="0"/>
+                                  </p:stCondLst>
+                                  <p:childTnLst>
+                                    <p:set>
+                                      <p:cBhvr>
+                                        <p:cTn id="20" dur="1" fill="hold">
+                                          <p:stCondLst>
+                                            <p:cond delay="0"/>
+                                          </p:stCondLst>
+                                        </p:cTn>
+                                        <p:tgtEl>
+                                          <p:spTgt spid="7"/>
+                                        </p:tgtEl>
+                                        <p:attrNameLst>
+                                          <p:attrName>style.visibility</p:attrName>
+                                        </p:attrNameLst>
+                                      </p:cBhvr>
+                                      <p:to>
+                                        <p:strVal val="visible"/>
+                                      </p:to>
+                                    </p:set>
+                                  </p:childTnLst>
+                                </p:cTn>
+                              </p:par>
+                            </p:childTnLst>
+                          </p:cTn>
+                        </p:par>
+                      </p:childTnLst>
+                    </p:cTn>
+                  </p:par>
+                  <p:par>
+                    <p:cTn id="21" fill="hold">
+                      <p:stCondLst>
+                        <p:cond delay="indefinite"/>
+                      </p:stCondLst>
+                      <p:childTnLst>
+                        <p:par>
+                          <p:cTn id="22" fill="hold">
+                            <p:stCondLst>
+                              <p:cond delay="0"/>
+                            </p:stCondLst>
+                            <p:childTnLst>
+                              <p:par>
+                                <p:cTn id="23" presetID="1" presetClass="entr" presetSubtype="0" fill="hold" grpId="0" nodeType="clickEffect">
+                                  <p:stCondLst>
+                                    <p:cond delay="0"/>
+                                  </p:stCondLst>
+                                  <p:childTnLst>
+                                    <p:set>
+                                      <p:cBhvr>
+                                        <p:cTn id="24" dur="1" fill="hold">
+                                          <p:stCondLst>
+                                            <p:cond delay="0"/>
+                                          </p:stCondLst>
+                                        </p:cTn>
+                                        <p:tgtEl>
+                                          <p:spTgt spid="10"/>
+                                        </p:tgtEl>
+                                        <p:attrNameLst>
+                                          <p:attrName>style.visibility</p:attrName>
+                                        </p:attrNameLst>
+                                      </p:cBhvr>
+                                      <p:to>
+                                        <p:strVal val="visible"/>
+                                      </p:to>
+                                    </p:set>
+                                  </p:childTnLst>
+                                </p:cTn>
+                              </p:par>
+                            </p:childTnLst>
+                          </p:cTn>
+                        </p:par>
+                      </p:childTnLst>
+                    </p:cTn>
+                  </p:par>
+                </p:childTnLst>
+              </p:cTn>
+              <p:prevCondLst>
+                <p:cond evt="onPrev" delay="0">
+                  <p:tgtEl>
+                    <p:sldTgt/>
+                  </p:tgtEl>
+                </p:cond>
+              </p:prevCondLst>
+              <p:nextCondLst>
+                <p:cond evt="onNext" delay="0">
+                  <p:tgtEl>
+                    <p:sldTgt/>
+                  </p:tgtEl>
+                </p:cond>
+              </p:nextCondLst>
+            </p:seq>
+          </p:childTnLst>
+        </p:cTn>
       </p:par>
     </p:tnLst>
+    <p:bldLst>
+      <p:bldP spid="4" grpId="0" animBg="1"/>
+      <p:bldP spid="6" grpId="0"/>
+      <p:bldP spid="7" grpId="0"/>
+      <p:bldP spid="8" grpId="0"/>
+      <p:bldP spid="9" grpId="0"/>
+      <p:bldP spid="10" grpId="0"/>
+    </p:bldLst>
   </p:timing>
 </p:sld>
 </file>
@@ -13900,14 +12106,19 @@
             <p:ph type="title"/>
           </p:nvPr>
         </p:nvSpPr>
-        <p:spPr/>
+        <p:spPr>
+          <a:xfrm>
+            <a:off x="685800" y="152400"/>
+            <a:ext cx="7772400" cy="457200"/>
+          </a:xfrm>
+        </p:spPr>
         <p:txBody>
           <a:bodyPr/>
           <a:lstStyle/>
           <a:p>
             <a:r>
               <a:rPr lang="en-US" b="1" dirty="0" smtClean="0"/>
-              <a:t>Lab Tips</a:t>
+              <a:t>Example</a:t>
             </a:r>
             <a:endParaRPr lang="en-US" b="1" dirty="0"/>
           </a:p>
@@ -13925,129 +12136,1048 @@
         </p:nvSpPr>
         <p:spPr>
           <a:xfrm>
-            <a:off x="348339" y="847679"/>
-            <a:ext cx="8083562" cy="5747330"/>
+            <a:off x="253089" y="190454"/>
+            <a:ext cx="8557536" cy="5747330"/>
           </a:xfrm>
         </p:spPr>
         <p:txBody>
           <a:bodyPr/>
           <a:lstStyle/>
           <a:p>
-            <a:pPr marL="0" indent="0">
+            <a:pPr marL="57150" indent="0">
               <a:buNone/>
             </a:pPr>
             <a:r>
-              <a:rPr lang="en-US" sz="2000" b="1" dirty="0" smtClean="0"/>
-              <a:t>Drives like a tank?    How do you turn?</a:t>
-            </a:r>
-          </a:p>
-          <a:p>
-            <a:pPr marL="0" indent="0">
+              <a:rPr lang="en-US" sz="1400" b="1" dirty="0">
+                <a:solidFill>
+                  <a:schemeClr val="accent2"/>
+                </a:solidFill>
+                <a:latin typeface="Courier New" pitchFamily="49" charset="0"/>
+                <a:cs typeface="Courier New" pitchFamily="49" charset="0"/>
+              </a:rPr>
+              <a:t>#include &lt;msp430.h</a:t>
+            </a:r>
+            <a:r>
+              <a:rPr lang="en-US" sz="1400" b="1" dirty="0" smtClean="0">
+                <a:solidFill>
+                  <a:schemeClr val="accent2"/>
+                </a:solidFill>
+                <a:latin typeface="Courier New" pitchFamily="49" charset="0"/>
+                <a:cs typeface="Courier New" pitchFamily="49" charset="0"/>
+              </a:rPr>
+              <a:t>&gt;</a:t>
+            </a:r>
+            <a:endParaRPr lang="en-US" sz="1400" b="1" dirty="0">
+              <a:solidFill>
+                <a:schemeClr val="accent2"/>
+              </a:solidFill>
+              <a:latin typeface="Courier New" pitchFamily="49" charset="0"/>
+              <a:cs typeface="Courier New" pitchFamily="49" charset="0"/>
+            </a:endParaRPr>
+          </a:p>
+          <a:p>
+            <a:pPr marL="57150" indent="0">
               <a:buNone/>
             </a:pPr>
-            <a:endParaRPr lang="en-US" sz="2000" b="1" dirty="0" smtClean="0"/>
-          </a:p>
-          <a:p>
-            <a:pPr marL="0" indent="0">
+            <a:r>
+              <a:rPr lang="en-US" sz="1400" b="1" dirty="0">
+                <a:solidFill>
+                  <a:schemeClr val="accent2"/>
+                </a:solidFill>
+                <a:latin typeface="Courier New" pitchFamily="49" charset="0"/>
+                <a:cs typeface="Courier New" pitchFamily="49" charset="0"/>
+              </a:rPr>
+              <a:t>int main(void)</a:t>
+            </a:r>
+          </a:p>
+          <a:p>
+            <a:pPr marL="57150" indent="0">
               <a:buNone/>
             </a:pPr>
             <a:r>
-              <a:rPr lang="en-US" sz="2000" b="1" dirty="0"/>
-              <a:t>Motor Driver Chip</a:t>
-            </a:r>
-          </a:p>
-          <a:p>
-            <a:r>
-              <a:rPr lang="en-US" sz="2000" dirty="0">
+              <a:rPr lang="en-US" sz="1400" b="1" dirty="0">
                 <a:solidFill>
                   <a:schemeClr val="accent2"/>
                 </a:solidFill>
-              </a:rPr>
-              <a:t>You cannot hook your MSP430 directly up to the motors - it can't supply enough current! We need to use a motor driver chip instead. It can only supply 1A per circuit! Do not exceed that! </a:t>
-            </a:r>
-            <a:r>
-              <a:rPr lang="en-US" sz="2000" dirty="0">
-                <a:hlinkClick r:id="rId2"/>
-              </a:rPr>
-              <a:t>Check out the datasheet for wiring details</a:t>
-            </a:r>
-            <a:r>
-              <a:rPr lang="en-US" sz="2000" dirty="0" smtClean="0">
-                <a:hlinkClick r:id="rId2"/>
-              </a:rPr>
-              <a:t>.</a:t>
-            </a:r>
-            <a:r>
-              <a:rPr lang="en-US" sz="2000" dirty="0"/>
-              <a:t> </a:t>
-            </a:r>
-            <a:endParaRPr lang="en-US" sz="2000" dirty="0" smtClean="0"/>
-          </a:p>
-          <a:p>
-            <a:pPr lvl="1"/>
-            <a:r>
-              <a:rPr lang="en-US" sz="1600" dirty="0">
-                <a:hlinkClick r:id="rId3"/>
-              </a:rPr>
-              <a:t>http://</a:t>
-            </a:r>
-            <a:r>
-              <a:rPr lang="en-US" sz="1600" dirty="0" smtClean="0">
-                <a:hlinkClick r:id="rId3"/>
-              </a:rPr>
-              <a:t>ece.ninja/382/datasheets/SN754410.pdf</a:t>
-            </a:r>
-            <a:endParaRPr lang="en-US" sz="2000" dirty="0" smtClean="0"/>
-          </a:p>
-          <a:p>
-            <a:pPr marL="0" indent="0">
+                <a:latin typeface="Courier New" pitchFamily="49" charset="0"/>
+                <a:cs typeface="Courier New" pitchFamily="49" charset="0"/>
+              </a:rPr>
+              <a:t>{</a:t>
+            </a:r>
+          </a:p>
+          <a:p>
+            <a:pPr marL="57150" indent="0">
               <a:buNone/>
             </a:pPr>
             <a:r>
-              <a:rPr lang="en-US" sz="2000" b="1" dirty="0" smtClean="0"/>
-              <a:t>Motor </a:t>
-            </a:r>
-            <a:r>
-              <a:rPr lang="en-US" sz="2000" b="1" dirty="0"/>
-              <a:t>Stall Current</a:t>
-            </a:r>
-          </a:p>
-          <a:p>
-            <a:r>
-              <a:rPr lang="en-US" sz="2000" dirty="0">
+              <a:rPr lang="en-US" sz="1400" b="1" dirty="0">
                 <a:solidFill>
                   <a:schemeClr val="accent2"/>
                 </a:solidFill>
-              </a:rPr>
-              <a:t>This is the max current draw your motor might have - usually happens when it runs up against the wall or something. This better not exceed the 1A your motor driver chip can supply or you'll burn it!</a:t>
-            </a:r>
-          </a:p>
-          <a:p>
-            <a:r>
-              <a:rPr lang="en-US" sz="2000" i="1" dirty="0"/>
-              <a:t>[Show technique to measure stall current]</a:t>
-            </a:r>
-            <a:endParaRPr lang="en-US" sz="2000" dirty="0"/>
-          </a:p>
-          <a:p>
-            <a:r>
-              <a:rPr lang="en-US" sz="2000" dirty="0">
+                <a:latin typeface="Courier New" pitchFamily="49" charset="0"/>
+                <a:cs typeface="Courier New" pitchFamily="49" charset="0"/>
+              </a:rPr>
+              <a:t>    WDTCTL = WDTPW|WDTHOLD; </a:t>
+            </a:r>
+            <a:r>
+              <a:rPr lang="en-US" sz="1400" b="1" dirty="0" smtClean="0">
                 <a:solidFill>
                   <a:schemeClr val="accent2"/>
                 </a:solidFill>
-              </a:rPr>
-              <a:t>On my robot, the stall current does not go below one amp until my motor is being driven at 8V or less - roughly 60% duty cycle. Exceed this at your own risk!</a:t>
-            </a:r>
-          </a:p>
-          <a:p>
-            <a:pPr marL="0" indent="0">
+                <a:latin typeface="Courier New" pitchFamily="49" charset="0"/>
+                <a:cs typeface="Courier New" pitchFamily="49" charset="0"/>
+              </a:rPr>
+              <a:t>      </a:t>
+            </a:r>
+            <a:r>
+              <a:rPr lang="en-US" sz="1400" b="1" dirty="0" smtClean="0">
+                <a:solidFill>
+                  <a:srgbClr val="00B050"/>
+                </a:solidFill>
+                <a:latin typeface="Courier New" pitchFamily="49" charset="0"/>
+                <a:cs typeface="Courier New" pitchFamily="49" charset="0"/>
+              </a:rPr>
+              <a:t>// </a:t>
+            </a:r>
+            <a:r>
+              <a:rPr lang="en-US" sz="1400" b="1" dirty="0">
+                <a:solidFill>
+                  <a:srgbClr val="00B050"/>
+                </a:solidFill>
+                <a:latin typeface="Courier New" pitchFamily="49" charset="0"/>
+                <a:cs typeface="Courier New" pitchFamily="49" charset="0"/>
+              </a:rPr>
+              <a:t>stop the watchdog </a:t>
+            </a:r>
+            <a:r>
+              <a:rPr lang="en-US" sz="1400" b="1" dirty="0" smtClean="0">
+                <a:solidFill>
+                  <a:srgbClr val="00B050"/>
+                </a:solidFill>
+                <a:latin typeface="Courier New" pitchFamily="49" charset="0"/>
+                <a:cs typeface="Courier New" pitchFamily="49" charset="0"/>
+              </a:rPr>
+              <a:t>timer</a:t>
+            </a:r>
+            <a:endParaRPr lang="en-US" sz="1400" b="1" dirty="0">
+              <a:solidFill>
+                <a:srgbClr val="00B050"/>
+              </a:solidFill>
+              <a:latin typeface="Courier New" pitchFamily="49" charset="0"/>
+              <a:cs typeface="Courier New" pitchFamily="49" charset="0"/>
+            </a:endParaRPr>
+          </a:p>
+          <a:p>
+            <a:pPr marL="57150" indent="0">
               <a:buNone/>
             </a:pPr>
             <a:r>
-              <a:rPr lang="en-US" sz="2000" dirty="0"/>
-              <a:t>	</a:t>
-            </a:r>
-            <a:endParaRPr lang="en-US" sz="2000" dirty="0">
+              <a:rPr lang="en-US" sz="1400" b="1" dirty="0">
+                <a:solidFill>
+                  <a:schemeClr val="accent2"/>
+                </a:solidFill>
+                <a:latin typeface="Courier New" pitchFamily="49" charset="0"/>
+                <a:cs typeface="Courier New" pitchFamily="49" charset="0"/>
+              </a:rPr>
+              <a:t>    P1DIR |= BIT2;                </a:t>
+            </a:r>
+            <a:r>
+              <a:rPr lang="en-US" sz="1400" b="1" dirty="0">
+                <a:solidFill>
+                  <a:srgbClr val="00B050"/>
+                </a:solidFill>
+                <a:latin typeface="Courier New" pitchFamily="49" charset="0"/>
+                <a:cs typeface="Courier New" pitchFamily="49" charset="0"/>
+              </a:rPr>
+              <a:t>// TA0CCR1 on P1.2</a:t>
+            </a:r>
+          </a:p>
+          <a:p>
+            <a:pPr marL="57150" indent="0">
+              <a:buNone/>
+            </a:pPr>
+            <a:r>
+              <a:rPr lang="en-US" sz="1400" b="1" dirty="0">
+                <a:solidFill>
+                  <a:schemeClr val="accent2"/>
+                </a:solidFill>
+                <a:latin typeface="Courier New" pitchFamily="49" charset="0"/>
+                <a:cs typeface="Courier New" pitchFamily="49" charset="0"/>
+              </a:rPr>
+              <a:t>    P1SEL |= BIT2;                </a:t>
+            </a:r>
+            <a:r>
+              <a:rPr lang="en-US" sz="1400" b="1" dirty="0">
+                <a:solidFill>
+                  <a:srgbClr val="00B050"/>
+                </a:solidFill>
+                <a:latin typeface="Courier New" pitchFamily="49" charset="0"/>
+                <a:cs typeface="Courier New" pitchFamily="49" charset="0"/>
+              </a:rPr>
+              <a:t>// TA0CCR1 on </a:t>
+            </a:r>
+            <a:r>
+              <a:rPr lang="en-US" sz="1400" b="1" dirty="0" smtClean="0">
+                <a:solidFill>
+                  <a:srgbClr val="00B050"/>
+                </a:solidFill>
+                <a:latin typeface="Courier New" pitchFamily="49" charset="0"/>
+                <a:cs typeface="Courier New" pitchFamily="49" charset="0"/>
+              </a:rPr>
+              <a:t>P1.2</a:t>
+            </a:r>
+            <a:endParaRPr lang="en-US" sz="1400" b="1" dirty="0">
+              <a:solidFill>
+                <a:srgbClr val="00B050"/>
+              </a:solidFill>
+              <a:latin typeface="Courier New" pitchFamily="49" charset="0"/>
+              <a:cs typeface="Courier New" pitchFamily="49" charset="0"/>
+            </a:endParaRPr>
+          </a:p>
+          <a:p>
+            <a:pPr marL="57150" indent="0">
+              <a:buNone/>
+            </a:pPr>
+            <a:r>
+              <a:rPr lang="en-US" sz="1400" b="1" dirty="0">
+                <a:solidFill>
+                  <a:schemeClr val="accent2"/>
+                </a:solidFill>
+                <a:latin typeface="Courier New" pitchFamily="49" charset="0"/>
+                <a:cs typeface="Courier New" pitchFamily="49" charset="0"/>
+              </a:rPr>
+              <a:t>    </a:t>
+            </a:r>
+            <a:r>
+              <a:rPr lang="en-US" sz="1400" b="1" dirty="0" smtClean="0">
+                <a:solidFill>
+                  <a:schemeClr val="accent2"/>
+                </a:solidFill>
+                <a:latin typeface="Courier New" pitchFamily="49" charset="0"/>
+                <a:cs typeface="Courier New" pitchFamily="49" charset="0"/>
+              </a:rPr>
+              <a:t>TA0CTL </a:t>
+            </a:r>
+            <a:r>
+              <a:rPr lang="en-US" sz="1400" b="1" dirty="0">
+                <a:solidFill>
+                  <a:schemeClr val="accent2"/>
+                </a:solidFill>
+                <a:latin typeface="Courier New" pitchFamily="49" charset="0"/>
+                <a:cs typeface="Courier New" pitchFamily="49" charset="0"/>
+              </a:rPr>
+              <a:t>&amp;= ~MC1|MC0;            </a:t>
+            </a:r>
+            <a:r>
+              <a:rPr lang="en-US" sz="1400" b="1" dirty="0">
+                <a:solidFill>
+                  <a:srgbClr val="00B050"/>
+                </a:solidFill>
+                <a:latin typeface="Courier New" pitchFamily="49" charset="0"/>
+                <a:cs typeface="Courier New" pitchFamily="49" charset="0"/>
+              </a:rPr>
+              <a:t>// stop timer </a:t>
+            </a:r>
+            <a:r>
+              <a:rPr lang="en-US" sz="1400" b="1" dirty="0" smtClean="0">
+                <a:solidFill>
+                  <a:srgbClr val="00B050"/>
+                </a:solidFill>
+                <a:latin typeface="Courier New" pitchFamily="49" charset="0"/>
+                <a:cs typeface="Courier New" pitchFamily="49" charset="0"/>
+              </a:rPr>
+              <a:t>A0</a:t>
+            </a:r>
+            <a:endParaRPr lang="en-US" sz="1400" b="1" dirty="0">
+              <a:solidFill>
+                <a:srgbClr val="00B050"/>
+              </a:solidFill>
+              <a:latin typeface="Courier New" pitchFamily="49" charset="0"/>
+              <a:cs typeface="Courier New" pitchFamily="49" charset="0"/>
+            </a:endParaRPr>
+          </a:p>
+          <a:p>
+            <a:pPr marL="57150" indent="0">
+              <a:buNone/>
+            </a:pPr>
+            <a:r>
+              <a:rPr lang="en-US" sz="1400" b="1" dirty="0">
+                <a:solidFill>
+                  <a:schemeClr val="accent2"/>
+                </a:solidFill>
+                <a:latin typeface="Courier New" pitchFamily="49" charset="0"/>
+                <a:cs typeface="Courier New" pitchFamily="49" charset="0"/>
+              </a:rPr>
+              <a:t>    </a:t>
+            </a:r>
+            <a:r>
+              <a:rPr lang="en-US" sz="1400" b="1" dirty="0" smtClean="0">
+                <a:solidFill>
+                  <a:schemeClr val="accent2"/>
+                </a:solidFill>
+                <a:latin typeface="Courier New" pitchFamily="49" charset="0"/>
+                <a:cs typeface="Courier New" pitchFamily="49" charset="0"/>
+              </a:rPr>
+              <a:t>TA0CTL </a:t>
+            </a:r>
+            <a:r>
+              <a:rPr lang="en-US" sz="1400" b="1" dirty="0">
+                <a:solidFill>
+                  <a:schemeClr val="accent2"/>
+                </a:solidFill>
+                <a:latin typeface="Courier New" pitchFamily="49" charset="0"/>
+                <a:cs typeface="Courier New" pitchFamily="49" charset="0"/>
+              </a:rPr>
+              <a:t>|= TACLR;                </a:t>
+            </a:r>
+            <a:r>
+              <a:rPr lang="en-US" sz="1400" b="1" dirty="0">
+                <a:solidFill>
+                  <a:srgbClr val="00B050"/>
+                </a:solidFill>
+                <a:latin typeface="Courier New" pitchFamily="49" charset="0"/>
+                <a:cs typeface="Courier New" pitchFamily="49" charset="0"/>
+              </a:rPr>
+              <a:t>// clear timer </a:t>
+            </a:r>
+            <a:r>
+              <a:rPr lang="en-US" sz="1400" b="1" dirty="0" smtClean="0">
+                <a:solidFill>
+                  <a:srgbClr val="00B050"/>
+                </a:solidFill>
+                <a:latin typeface="Courier New" pitchFamily="49" charset="0"/>
+                <a:cs typeface="Courier New" pitchFamily="49" charset="0"/>
+              </a:rPr>
+              <a:t>A0</a:t>
+            </a:r>
+            <a:endParaRPr lang="en-US" sz="1400" b="1" dirty="0">
+              <a:solidFill>
+                <a:srgbClr val="00B050"/>
+              </a:solidFill>
+              <a:latin typeface="Courier New" pitchFamily="49" charset="0"/>
+              <a:cs typeface="Courier New" pitchFamily="49" charset="0"/>
+            </a:endParaRPr>
+          </a:p>
+          <a:p>
+            <a:pPr marL="57150" indent="0">
+              <a:buNone/>
+            </a:pPr>
+            <a:r>
+              <a:rPr lang="en-US" sz="1400" b="1" dirty="0">
+                <a:solidFill>
+                  <a:schemeClr val="accent2"/>
+                </a:solidFill>
+                <a:latin typeface="Courier New" pitchFamily="49" charset="0"/>
+                <a:cs typeface="Courier New" pitchFamily="49" charset="0"/>
+              </a:rPr>
+              <a:t>    </a:t>
+            </a:r>
+            <a:r>
+              <a:rPr lang="en-US" sz="1400" b="1" dirty="0" smtClean="0">
+                <a:solidFill>
+                  <a:schemeClr val="accent2"/>
+                </a:solidFill>
+                <a:latin typeface="Courier New" pitchFamily="49" charset="0"/>
+                <a:cs typeface="Courier New" pitchFamily="49" charset="0"/>
+              </a:rPr>
+              <a:t>TA0CTL </a:t>
+            </a:r>
+            <a:r>
+              <a:rPr lang="en-US" sz="1400" b="1" dirty="0">
+                <a:solidFill>
+                  <a:schemeClr val="accent2"/>
+                </a:solidFill>
+                <a:latin typeface="Courier New" pitchFamily="49" charset="0"/>
+                <a:cs typeface="Courier New" pitchFamily="49" charset="0"/>
+              </a:rPr>
+              <a:t>|= TASSEL1;           </a:t>
+            </a:r>
+            <a:r>
+              <a:rPr lang="en-US" sz="1400" b="1" dirty="0">
+                <a:solidFill>
+                  <a:srgbClr val="00B050"/>
+                </a:solidFill>
+                <a:latin typeface="Courier New" pitchFamily="49" charset="0"/>
+                <a:cs typeface="Courier New" pitchFamily="49" charset="0"/>
+              </a:rPr>
+              <a:t>// configure for </a:t>
+            </a:r>
+            <a:r>
+              <a:rPr lang="en-US" sz="1400" b="1" dirty="0" smtClean="0">
+                <a:solidFill>
+                  <a:srgbClr val="00B050"/>
+                </a:solidFill>
+                <a:latin typeface="Courier New" pitchFamily="49" charset="0"/>
+                <a:cs typeface="Courier New" pitchFamily="49" charset="0"/>
+              </a:rPr>
+              <a:t>SMCLK</a:t>
+            </a:r>
+            <a:endParaRPr lang="en-US" sz="1400" b="1" dirty="0">
+              <a:solidFill>
+                <a:srgbClr val="00B050"/>
+              </a:solidFill>
+              <a:latin typeface="Courier New" pitchFamily="49" charset="0"/>
+              <a:cs typeface="Courier New" pitchFamily="49" charset="0"/>
+            </a:endParaRPr>
+          </a:p>
+          <a:p>
+            <a:pPr marL="57150" indent="0">
+              <a:buNone/>
+            </a:pPr>
+            <a:r>
+              <a:rPr lang="en-US" sz="1400" b="1" dirty="0">
+                <a:solidFill>
+                  <a:schemeClr val="accent2"/>
+                </a:solidFill>
+                <a:latin typeface="Courier New" pitchFamily="49" charset="0"/>
+                <a:cs typeface="Courier New" pitchFamily="49" charset="0"/>
+              </a:rPr>
+              <a:t>    </a:t>
+            </a:r>
+            <a:r>
+              <a:rPr lang="en-US" sz="1400" b="1" dirty="0" smtClean="0">
+                <a:solidFill>
+                  <a:schemeClr val="accent2"/>
+                </a:solidFill>
+                <a:latin typeface="Courier New" pitchFamily="49" charset="0"/>
+                <a:cs typeface="Courier New" pitchFamily="49" charset="0"/>
+              </a:rPr>
+              <a:t>TA0CCR0 </a:t>
+            </a:r>
+            <a:r>
+              <a:rPr lang="en-US" sz="1400" b="1" dirty="0">
+                <a:solidFill>
+                  <a:schemeClr val="accent2"/>
+                </a:solidFill>
+                <a:latin typeface="Courier New" pitchFamily="49" charset="0"/>
+                <a:cs typeface="Courier New" pitchFamily="49" charset="0"/>
+              </a:rPr>
+              <a:t>= 100;   </a:t>
+            </a:r>
+            <a:r>
+              <a:rPr lang="en-US" sz="1400" b="1" dirty="0" smtClean="0">
+                <a:solidFill>
+                  <a:srgbClr val="00B050"/>
+                </a:solidFill>
+                <a:latin typeface="Courier New" pitchFamily="49" charset="0"/>
+                <a:cs typeface="Courier New" pitchFamily="49" charset="0"/>
+              </a:rPr>
+              <a:t>// </a:t>
+            </a:r>
+            <a:r>
+              <a:rPr lang="en-US" sz="1400" b="1" dirty="0">
+                <a:solidFill>
+                  <a:srgbClr val="00B050"/>
+                </a:solidFill>
+                <a:latin typeface="Courier New" pitchFamily="49" charset="0"/>
+                <a:cs typeface="Courier New" pitchFamily="49" charset="0"/>
+              </a:rPr>
+              <a:t>set signal period to 100 clock cycles (~100 </a:t>
+            </a:r>
+            <a:r>
+              <a:rPr lang="en-US" sz="1000" b="1" dirty="0">
+                <a:solidFill>
+                  <a:srgbClr val="00B050"/>
+                </a:solidFill>
+                <a:latin typeface="Courier New" pitchFamily="49" charset="0"/>
+                <a:cs typeface="Courier New" pitchFamily="49" charset="0"/>
+              </a:rPr>
+              <a:t>microseconds</a:t>
+            </a:r>
+            <a:r>
+              <a:rPr lang="en-US" sz="1400" b="1" dirty="0">
+                <a:solidFill>
+                  <a:srgbClr val="00B050"/>
+                </a:solidFill>
+                <a:latin typeface="Courier New" pitchFamily="49" charset="0"/>
+                <a:cs typeface="Courier New" pitchFamily="49" charset="0"/>
+              </a:rPr>
+              <a:t>)</a:t>
+            </a:r>
+          </a:p>
+          <a:p>
+            <a:pPr marL="57150" indent="0">
+              <a:buNone/>
+            </a:pPr>
+            <a:r>
+              <a:rPr lang="en-US" sz="1400" b="1" dirty="0">
+                <a:solidFill>
+                  <a:schemeClr val="accent2"/>
+                </a:solidFill>
+                <a:latin typeface="Courier New" pitchFamily="49" charset="0"/>
+                <a:cs typeface="Courier New" pitchFamily="49" charset="0"/>
+              </a:rPr>
+              <a:t>    </a:t>
+            </a:r>
+            <a:r>
+              <a:rPr lang="en-US" sz="1400" b="1" dirty="0" smtClean="0">
+                <a:solidFill>
+                  <a:schemeClr val="accent2"/>
+                </a:solidFill>
+                <a:latin typeface="Courier New" pitchFamily="49" charset="0"/>
+                <a:cs typeface="Courier New" pitchFamily="49" charset="0"/>
+              </a:rPr>
+              <a:t>TA0CCR1 </a:t>
+            </a:r>
+            <a:r>
+              <a:rPr lang="en-US" sz="1400" b="1" dirty="0">
+                <a:solidFill>
+                  <a:schemeClr val="accent2"/>
+                </a:solidFill>
+                <a:latin typeface="Courier New" pitchFamily="49" charset="0"/>
+                <a:cs typeface="Courier New" pitchFamily="49" charset="0"/>
+              </a:rPr>
+              <a:t>= 25;                </a:t>
+            </a:r>
+            <a:r>
+              <a:rPr lang="en-US" sz="1400" b="1" dirty="0">
+                <a:solidFill>
+                  <a:srgbClr val="00B050"/>
+                </a:solidFill>
+                <a:latin typeface="Courier New" pitchFamily="49" charset="0"/>
+                <a:cs typeface="Courier New" pitchFamily="49" charset="0"/>
+              </a:rPr>
+              <a:t>// set duty cycle to 25/100 (25</a:t>
+            </a:r>
+            <a:r>
+              <a:rPr lang="en-US" sz="1400" b="1" dirty="0" smtClean="0">
+                <a:solidFill>
+                  <a:srgbClr val="00B050"/>
+                </a:solidFill>
+                <a:latin typeface="Courier New" pitchFamily="49" charset="0"/>
+                <a:cs typeface="Courier New" pitchFamily="49" charset="0"/>
+              </a:rPr>
+              <a:t>%)</a:t>
+            </a:r>
+            <a:endParaRPr lang="en-US" sz="1400" b="1" dirty="0">
+              <a:solidFill>
+                <a:srgbClr val="00B050"/>
+              </a:solidFill>
+              <a:latin typeface="Courier New" pitchFamily="49" charset="0"/>
+              <a:cs typeface="Courier New" pitchFamily="49" charset="0"/>
+            </a:endParaRPr>
+          </a:p>
+          <a:p>
+            <a:pPr marL="57150" indent="0">
+              <a:buNone/>
+            </a:pPr>
+            <a:r>
+              <a:rPr lang="en-US" sz="1400" b="1" dirty="0">
+                <a:solidFill>
+                  <a:schemeClr val="accent2"/>
+                </a:solidFill>
+                <a:latin typeface="Courier New" pitchFamily="49" charset="0"/>
+                <a:cs typeface="Courier New" pitchFamily="49" charset="0"/>
+              </a:rPr>
+              <a:t>    </a:t>
+            </a:r>
+            <a:r>
+              <a:rPr lang="en-US" sz="1400" b="1" dirty="0" smtClean="0">
+                <a:solidFill>
+                  <a:schemeClr val="accent2"/>
+                </a:solidFill>
+                <a:latin typeface="Courier New" pitchFamily="49" charset="0"/>
+                <a:cs typeface="Courier New" pitchFamily="49" charset="0"/>
+              </a:rPr>
+              <a:t>TA0CCTL1 </a:t>
+            </a:r>
+            <a:r>
+              <a:rPr lang="en-US" sz="1400" b="1" dirty="0">
+                <a:solidFill>
+                  <a:schemeClr val="accent2"/>
+                </a:solidFill>
+                <a:latin typeface="Courier New" pitchFamily="49" charset="0"/>
+                <a:cs typeface="Courier New" pitchFamily="49" charset="0"/>
+              </a:rPr>
+              <a:t>|= OUTMOD_7;        </a:t>
+            </a:r>
+            <a:r>
+              <a:rPr lang="en-US" sz="1400" b="1" dirty="0">
+                <a:solidFill>
+                  <a:srgbClr val="00B050"/>
+                </a:solidFill>
+                <a:latin typeface="Courier New" pitchFamily="49" charset="0"/>
+                <a:cs typeface="Courier New" pitchFamily="49" charset="0"/>
+              </a:rPr>
+              <a:t>// set TACCTL1 to Reset / Set </a:t>
+            </a:r>
+            <a:r>
+              <a:rPr lang="en-US" sz="1400" b="1" dirty="0" smtClean="0">
+                <a:solidFill>
+                  <a:srgbClr val="00B050"/>
+                </a:solidFill>
+                <a:latin typeface="Courier New" pitchFamily="49" charset="0"/>
+                <a:cs typeface="Courier New" pitchFamily="49" charset="0"/>
+              </a:rPr>
+              <a:t>mode</a:t>
+            </a:r>
+            <a:endParaRPr lang="en-US" sz="1400" b="1" dirty="0">
+              <a:solidFill>
+                <a:srgbClr val="00B050"/>
+              </a:solidFill>
+              <a:latin typeface="Courier New" pitchFamily="49" charset="0"/>
+              <a:cs typeface="Courier New" pitchFamily="49" charset="0"/>
+            </a:endParaRPr>
+          </a:p>
+          <a:p>
+            <a:pPr marL="57150" indent="0">
+              <a:buNone/>
+            </a:pPr>
+            <a:r>
+              <a:rPr lang="en-US" sz="1400" b="1" dirty="0">
+                <a:solidFill>
+                  <a:schemeClr val="accent2"/>
+                </a:solidFill>
+                <a:latin typeface="Courier New" pitchFamily="49" charset="0"/>
+                <a:cs typeface="Courier New" pitchFamily="49" charset="0"/>
+              </a:rPr>
+              <a:t>    </a:t>
+            </a:r>
+            <a:r>
+              <a:rPr lang="en-US" sz="1400" b="1" dirty="0" smtClean="0">
+                <a:solidFill>
+                  <a:schemeClr val="accent2"/>
+                </a:solidFill>
+                <a:latin typeface="Courier New" pitchFamily="49" charset="0"/>
+                <a:cs typeface="Courier New" pitchFamily="49" charset="0"/>
+              </a:rPr>
+              <a:t>TA0CTL </a:t>
+            </a:r>
+            <a:r>
+              <a:rPr lang="en-US" sz="1400" b="1" dirty="0">
+                <a:solidFill>
+                  <a:schemeClr val="accent2"/>
+                </a:solidFill>
+                <a:latin typeface="Courier New" pitchFamily="49" charset="0"/>
+                <a:cs typeface="Courier New" pitchFamily="49" charset="0"/>
+              </a:rPr>
+              <a:t>|= MC0;                </a:t>
+            </a:r>
+            <a:r>
+              <a:rPr lang="en-US" sz="1400" b="1" dirty="0">
+                <a:solidFill>
+                  <a:srgbClr val="00B050"/>
+                </a:solidFill>
+                <a:latin typeface="Courier New" pitchFamily="49" charset="0"/>
+                <a:cs typeface="Courier New" pitchFamily="49" charset="0"/>
+              </a:rPr>
+              <a:t>// count </a:t>
+            </a:r>
+            <a:r>
+              <a:rPr lang="en-US" sz="1400" b="1" dirty="0" smtClean="0">
+                <a:solidFill>
+                  <a:srgbClr val="00B050"/>
+                </a:solidFill>
+                <a:latin typeface="Courier New" pitchFamily="49" charset="0"/>
+                <a:cs typeface="Courier New" pitchFamily="49" charset="0"/>
+              </a:rPr>
+              <a:t>up</a:t>
+            </a:r>
+            <a:endParaRPr lang="en-US" sz="1400" b="1" dirty="0">
+              <a:solidFill>
+                <a:srgbClr val="00B050"/>
+              </a:solidFill>
+              <a:latin typeface="Courier New" pitchFamily="49" charset="0"/>
+              <a:cs typeface="Courier New" pitchFamily="49" charset="0"/>
+            </a:endParaRPr>
+          </a:p>
+          <a:p>
+            <a:pPr marL="57150" indent="0">
+              <a:buNone/>
+            </a:pPr>
+            <a:r>
+              <a:rPr lang="en-US" sz="1400" b="1" dirty="0">
+                <a:solidFill>
+                  <a:schemeClr val="accent2"/>
+                </a:solidFill>
+                <a:latin typeface="Courier New" pitchFamily="49" charset="0"/>
+                <a:cs typeface="Courier New" pitchFamily="49" charset="0"/>
+              </a:rPr>
+              <a:t>    while (1) {</a:t>
+            </a:r>
+          </a:p>
+          <a:p>
+            <a:pPr marL="57150" indent="0">
+              <a:buNone/>
+            </a:pPr>
+            <a:r>
+              <a:rPr lang="en-US" sz="1400" b="1" dirty="0">
+                <a:solidFill>
+                  <a:schemeClr val="accent2"/>
+                </a:solidFill>
+                <a:latin typeface="Courier New" pitchFamily="49" charset="0"/>
+                <a:cs typeface="Courier New" pitchFamily="49" charset="0"/>
+              </a:rPr>
+              <a:t>        __</a:t>
+            </a:r>
+            <a:r>
+              <a:rPr lang="en-US" sz="1400" b="1" dirty="0" err="1">
+                <a:solidFill>
+                  <a:schemeClr val="accent2"/>
+                </a:solidFill>
+                <a:latin typeface="Courier New" pitchFamily="49" charset="0"/>
+                <a:cs typeface="Courier New" pitchFamily="49" charset="0"/>
+              </a:rPr>
+              <a:t>delay_cycles</a:t>
+            </a:r>
+            <a:r>
+              <a:rPr lang="en-US" sz="1400" b="1" dirty="0">
+                <a:solidFill>
+                  <a:schemeClr val="accent2"/>
+                </a:solidFill>
+                <a:latin typeface="Courier New" pitchFamily="49" charset="0"/>
+                <a:cs typeface="Courier New" pitchFamily="49" charset="0"/>
+              </a:rPr>
+              <a:t>(1000000);</a:t>
+            </a:r>
+          </a:p>
+          <a:p>
+            <a:pPr marL="57150" indent="0">
+              <a:buNone/>
+            </a:pPr>
+            <a:r>
+              <a:rPr lang="en-US" sz="1400" b="1" dirty="0">
+                <a:solidFill>
+                  <a:schemeClr val="accent2"/>
+                </a:solidFill>
+                <a:latin typeface="Courier New" pitchFamily="49" charset="0"/>
+                <a:cs typeface="Courier New" pitchFamily="49" charset="0"/>
+              </a:rPr>
+              <a:t>        </a:t>
+            </a:r>
+            <a:r>
+              <a:rPr lang="en-US" sz="1400" b="1" dirty="0" smtClean="0">
+                <a:solidFill>
+                  <a:schemeClr val="accent2"/>
+                </a:solidFill>
+                <a:latin typeface="Courier New" pitchFamily="49" charset="0"/>
+                <a:cs typeface="Courier New" pitchFamily="49" charset="0"/>
+              </a:rPr>
+              <a:t>TA0CCR1 </a:t>
+            </a:r>
+            <a:r>
+              <a:rPr lang="en-US" sz="1400" b="1" dirty="0">
+                <a:solidFill>
+                  <a:schemeClr val="accent2"/>
+                </a:solidFill>
+                <a:latin typeface="Courier New" pitchFamily="49" charset="0"/>
+                <a:cs typeface="Courier New" pitchFamily="49" charset="0"/>
+              </a:rPr>
+              <a:t>= 50;            </a:t>
+            </a:r>
+            <a:r>
+              <a:rPr lang="en-US" sz="1400" b="1" dirty="0">
+                <a:solidFill>
+                  <a:srgbClr val="00B050"/>
+                </a:solidFill>
+                <a:latin typeface="Courier New" pitchFamily="49" charset="0"/>
+                <a:cs typeface="Courier New" pitchFamily="49" charset="0"/>
+              </a:rPr>
+              <a:t>// set duty cycle to 50/100 (50%)</a:t>
+            </a:r>
+          </a:p>
+          <a:p>
+            <a:pPr marL="57150" indent="0">
+              <a:buNone/>
+            </a:pPr>
+            <a:r>
+              <a:rPr lang="en-US" sz="1400" b="1" dirty="0">
+                <a:solidFill>
+                  <a:schemeClr val="accent2"/>
+                </a:solidFill>
+                <a:latin typeface="Courier New" pitchFamily="49" charset="0"/>
+                <a:cs typeface="Courier New" pitchFamily="49" charset="0"/>
+              </a:rPr>
+              <a:t>        __</a:t>
+            </a:r>
+            <a:r>
+              <a:rPr lang="en-US" sz="1400" b="1" dirty="0" err="1">
+                <a:solidFill>
+                  <a:schemeClr val="accent2"/>
+                </a:solidFill>
+                <a:latin typeface="Courier New" pitchFamily="49" charset="0"/>
+                <a:cs typeface="Courier New" pitchFamily="49" charset="0"/>
+              </a:rPr>
+              <a:t>delay_cycles</a:t>
+            </a:r>
+            <a:r>
+              <a:rPr lang="en-US" sz="1400" b="1" dirty="0">
+                <a:solidFill>
+                  <a:schemeClr val="accent2"/>
+                </a:solidFill>
+                <a:latin typeface="Courier New" pitchFamily="49" charset="0"/>
+                <a:cs typeface="Courier New" pitchFamily="49" charset="0"/>
+              </a:rPr>
+              <a:t>(1000000);</a:t>
+            </a:r>
+          </a:p>
+          <a:p>
+            <a:pPr marL="57150" indent="0">
+              <a:buNone/>
+            </a:pPr>
+            <a:r>
+              <a:rPr lang="en-US" sz="1400" b="1" dirty="0">
+                <a:solidFill>
+                  <a:schemeClr val="accent2"/>
+                </a:solidFill>
+                <a:latin typeface="Courier New" pitchFamily="49" charset="0"/>
+                <a:cs typeface="Courier New" pitchFamily="49" charset="0"/>
+              </a:rPr>
+              <a:t>        </a:t>
+            </a:r>
+            <a:r>
+              <a:rPr lang="en-US" sz="1400" b="1" dirty="0" smtClean="0">
+                <a:solidFill>
+                  <a:schemeClr val="accent2"/>
+                </a:solidFill>
+                <a:latin typeface="Courier New" pitchFamily="49" charset="0"/>
+                <a:cs typeface="Courier New" pitchFamily="49" charset="0"/>
+              </a:rPr>
+              <a:t>TA0CCR1 </a:t>
+            </a:r>
+            <a:r>
+              <a:rPr lang="en-US" sz="1400" b="1" dirty="0">
+                <a:solidFill>
+                  <a:schemeClr val="accent2"/>
+                </a:solidFill>
+                <a:latin typeface="Courier New" pitchFamily="49" charset="0"/>
+                <a:cs typeface="Courier New" pitchFamily="49" charset="0"/>
+              </a:rPr>
+              <a:t>= 75;            </a:t>
+            </a:r>
+            <a:r>
+              <a:rPr lang="en-US" sz="1400" b="1" dirty="0">
+                <a:solidFill>
+                  <a:srgbClr val="00B050"/>
+                </a:solidFill>
+                <a:latin typeface="Courier New" pitchFamily="49" charset="0"/>
+                <a:cs typeface="Courier New" pitchFamily="49" charset="0"/>
+              </a:rPr>
+              <a:t>// set duty cycle to 75/100 (75%)</a:t>
+            </a:r>
+          </a:p>
+          <a:p>
+            <a:pPr marL="57150" indent="0">
+              <a:buNone/>
+            </a:pPr>
+            <a:r>
+              <a:rPr lang="en-US" sz="1400" b="1" dirty="0">
+                <a:solidFill>
+                  <a:schemeClr val="accent2"/>
+                </a:solidFill>
+                <a:latin typeface="Courier New" pitchFamily="49" charset="0"/>
+                <a:cs typeface="Courier New" pitchFamily="49" charset="0"/>
+              </a:rPr>
+              <a:t>        __</a:t>
+            </a:r>
+            <a:r>
+              <a:rPr lang="en-US" sz="1400" b="1" dirty="0" err="1">
+                <a:solidFill>
+                  <a:schemeClr val="accent2"/>
+                </a:solidFill>
+                <a:latin typeface="Courier New" pitchFamily="49" charset="0"/>
+                <a:cs typeface="Courier New" pitchFamily="49" charset="0"/>
+              </a:rPr>
+              <a:t>delay_cycles</a:t>
+            </a:r>
+            <a:r>
+              <a:rPr lang="en-US" sz="1400" b="1" dirty="0">
+                <a:solidFill>
+                  <a:schemeClr val="accent2"/>
+                </a:solidFill>
+                <a:latin typeface="Courier New" pitchFamily="49" charset="0"/>
+                <a:cs typeface="Courier New" pitchFamily="49" charset="0"/>
+              </a:rPr>
+              <a:t>(1000000);</a:t>
+            </a:r>
+          </a:p>
+          <a:p>
+            <a:pPr marL="57150" indent="0">
+              <a:buNone/>
+            </a:pPr>
+            <a:r>
+              <a:rPr lang="en-US" sz="1400" b="1" dirty="0">
+                <a:solidFill>
+                  <a:schemeClr val="accent2"/>
+                </a:solidFill>
+                <a:latin typeface="Courier New" pitchFamily="49" charset="0"/>
+                <a:cs typeface="Courier New" pitchFamily="49" charset="0"/>
+              </a:rPr>
+              <a:t>        </a:t>
+            </a:r>
+            <a:r>
+              <a:rPr lang="en-US" sz="1400" b="1" dirty="0" smtClean="0">
+                <a:solidFill>
+                  <a:schemeClr val="accent2"/>
+                </a:solidFill>
+                <a:latin typeface="Courier New" pitchFamily="49" charset="0"/>
+                <a:cs typeface="Courier New" pitchFamily="49" charset="0"/>
+              </a:rPr>
+              <a:t>TA0CCR1 </a:t>
+            </a:r>
+            <a:r>
+              <a:rPr lang="en-US" sz="1400" b="1" dirty="0">
+                <a:solidFill>
+                  <a:schemeClr val="accent2"/>
+                </a:solidFill>
+                <a:latin typeface="Courier New" pitchFamily="49" charset="0"/>
+                <a:cs typeface="Courier New" pitchFamily="49" charset="0"/>
+              </a:rPr>
+              <a:t>= 100;            </a:t>
+            </a:r>
+            <a:r>
+              <a:rPr lang="en-US" sz="1400" b="1" dirty="0">
+                <a:solidFill>
+                  <a:srgbClr val="00B050"/>
+                </a:solidFill>
+                <a:latin typeface="Courier New" pitchFamily="49" charset="0"/>
+                <a:cs typeface="Courier New" pitchFamily="49" charset="0"/>
+              </a:rPr>
+              <a:t>// set duty cycle to 100/100 (100%)</a:t>
+            </a:r>
+          </a:p>
+          <a:p>
+            <a:pPr marL="57150" indent="0">
+              <a:buNone/>
+            </a:pPr>
+            <a:r>
+              <a:rPr lang="en-US" sz="1400" b="1" dirty="0">
+                <a:solidFill>
+                  <a:schemeClr val="accent2"/>
+                </a:solidFill>
+                <a:latin typeface="Courier New" pitchFamily="49" charset="0"/>
+                <a:cs typeface="Courier New" pitchFamily="49" charset="0"/>
+              </a:rPr>
+              <a:t>        __</a:t>
+            </a:r>
+            <a:r>
+              <a:rPr lang="en-US" sz="1400" b="1" dirty="0" err="1">
+                <a:solidFill>
+                  <a:schemeClr val="accent2"/>
+                </a:solidFill>
+                <a:latin typeface="Courier New" pitchFamily="49" charset="0"/>
+                <a:cs typeface="Courier New" pitchFamily="49" charset="0"/>
+              </a:rPr>
+              <a:t>delay_cycles</a:t>
+            </a:r>
+            <a:r>
+              <a:rPr lang="en-US" sz="1400" b="1" dirty="0">
+                <a:solidFill>
+                  <a:schemeClr val="accent2"/>
+                </a:solidFill>
+                <a:latin typeface="Courier New" pitchFamily="49" charset="0"/>
+                <a:cs typeface="Courier New" pitchFamily="49" charset="0"/>
+              </a:rPr>
+              <a:t>(1000000);</a:t>
+            </a:r>
+          </a:p>
+          <a:p>
+            <a:pPr marL="57150" indent="0">
+              <a:buNone/>
+            </a:pPr>
+            <a:r>
+              <a:rPr lang="en-US" sz="1400" b="1" dirty="0">
+                <a:solidFill>
+                  <a:schemeClr val="accent2"/>
+                </a:solidFill>
+                <a:latin typeface="Courier New" pitchFamily="49" charset="0"/>
+                <a:cs typeface="Courier New" pitchFamily="49" charset="0"/>
+              </a:rPr>
+              <a:t>        </a:t>
+            </a:r>
+            <a:r>
+              <a:rPr lang="en-US" sz="1400" b="1" dirty="0" smtClean="0">
+                <a:solidFill>
+                  <a:schemeClr val="accent2"/>
+                </a:solidFill>
+                <a:latin typeface="Courier New" pitchFamily="49" charset="0"/>
+                <a:cs typeface="Courier New" pitchFamily="49" charset="0"/>
+              </a:rPr>
+              <a:t>TA0CCR1 </a:t>
+            </a:r>
+            <a:r>
+              <a:rPr lang="en-US" sz="1400" b="1" dirty="0">
+                <a:solidFill>
+                  <a:schemeClr val="accent2"/>
+                </a:solidFill>
+                <a:latin typeface="Courier New" pitchFamily="49" charset="0"/>
+                <a:cs typeface="Courier New" pitchFamily="49" charset="0"/>
+              </a:rPr>
+              <a:t>= 25;            </a:t>
+            </a:r>
+            <a:r>
+              <a:rPr lang="en-US" sz="1400" b="1" dirty="0">
+                <a:solidFill>
+                  <a:srgbClr val="00B050"/>
+                </a:solidFill>
+                <a:latin typeface="Courier New" pitchFamily="49" charset="0"/>
+                <a:cs typeface="Courier New" pitchFamily="49" charset="0"/>
+              </a:rPr>
+              <a:t>// set duty cycle to 25/100 (25%)</a:t>
+            </a:r>
+          </a:p>
+          <a:p>
+            <a:pPr marL="57150" indent="0">
+              <a:buNone/>
+            </a:pPr>
+            <a:r>
+              <a:rPr lang="en-US" sz="1400" b="1" dirty="0">
+                <a:solidFill>
+                  <a:schemeClr val="accent2"/>
+                </a:solidFill>
+                <a:latin typeface="Courier New" pitchFamily="49" charset="0"/>
+                <a:cs typeface="Courier New" pitchFamily="49" charset="0"/>
+              </a:rPr>
+              <a:t>    </a:t>
+            </a:r>
+            <a:r>
+              <a:rPr lang="en-US" sz="1400" b="1" dirty="0" smtClean="0">
+                <a:solidFill>
+                  <a:schemeClr val="accent2"/>
+                </a:solidFill>
+                <a:latin typeface="Courier New" pitchFamily="49" charset="0"/>
+                <a:cs typeface="Courier New" pitchFamily="49" charset="0"/>
+              </a:rPr>
+              <a:t>}</a:t>
+            </a:r>
+            <a:endParaRPr lang="en-US" sz="1400" b="1" dirty="0">
+              <a:solidFill>
+                <a:schemeClr val="accent2"/>
+              </a:solidFill>
+              <a:latin typeface="Courier New" pitchFamily="49" charset="0"/>
+              <a:cs typeface="Courier New" pitchFamily="49" charset="0"/>
+            </a:endParaRPr>
+          </a:p>
+          <a:p>
+            <a:pPr marL="57150" indent="0">
+              <a:buNone/>
+            </a:pPr>
+            <a:r>
+              <a:rPr lang="en-US" sz="1400" b="1" dirty="0">
+                <a:solidFill>
+                  <a:schemeClr val="accent2"/>
+                </a:solidFill>
+                <a:latin typeface="Courier New" pitchFamily="49" charset="0"/>
+                <a:cs typeface="Courier New" pitchFamily="49" charset="0"/>
+              </a:rPr>
+              <a:t>    return 0;</a:t>
+            </a:r>
+          </a:p>
+          <a:p>
+            <a:pPr marL="57150" indent="0">
+              <a:buNone/>
+            </a:pPr>
+            <a:r>
+              <a:rPr lang="en-US" sz="1400" b="1" dirty="0">
+                <a:solidFill>
+                  <a:schemeClr val="accent2"/>
+                </a:solidFill>
+                <a:latin typeface="Courier New" pitchFamily="49" charset="0"/>
+                <a:cs typeface="Courier New" pitchFamily="49" charset="0"/>
+              </a:rPr>
+              <a:t>}</a:t>
+            </a:r>
+            <a:endParaRPr lang="en-US" sz="1600" dirty="0" smtClean="0">
               <a:solidFill>
                 <a:schemeClr val="accent2"/>
               </a:solidFill>
@@ -14058,7 +13188,7 @@
     </p:spTree>
     <p:extLst>
       <p:ext uri="{BB962C8B-B14F-4D97-AF65-F5344CB8AC3E}">
-        <p14:creationId xmlns:p14="http://schemas.microsoft.com/office/powerpoint/2010/main" val="4265713799"/>
+        <p14:creationId xmlns:p14="http://schemas.microsoft.com/office/powerpoint/2010/main" val="668065249"/>
       </p:ext>
     </p:extLst>
   </p:cSld>
@@ -14199,7 +13329,7 @@
           <a:p>
             <a:r>
               <a:rPr lang="en-US" b="1" dirty="0" smtClean="0"/>
-              <a:t>Lab Tips</a:t>
+              <a:t>Example with Interrupt</a:t>
             </a:r>
             <a:endParaRPr lang="en-US" b="1" dirty="0"/>
           </a:p>
@@ -14217,8 +13347,8 @@
         </p:nvSpPr>
         <p:spPr>
           <a:xfrm>
-            <a:off x="348339" y="847679"/>
-            <a:ext cx="8083562" cy="5747330"/>
+            <a:off x="253089" y="190454"/>
+            <a:ext cx="8557536" cy="5747330"/>
           </a:xfrm>
         </p:spPr>
         <p:txBody>
@@ -14229,155 +13359,499 @@
               <a:buNone/>
             </a:pPr>
             <a:r>
-              <a:rPr lang="en-US" sz="2000" b="1" dirty="0" smtClean="0"/>
-              <a:t>Robot Guidance and Troubleshooting</a:t>
-            </a:r>
-            <a:endParaRPr lang="en-US" sz="2000" b="1" dirty="0"/>
-          </a:p>
-          <a:p>
-            <a:r>
-              <a:rPr lang="en-US" sz="2000" b="1" dirty="0">
-                <a:hlinkClick r:id="rId2"/>
-              </a:rPr>
-              <a:t>http://</a:t>
-            </a:r>
-            <a:r>
-              <a:rPr lang="en-US" sz="2000" b="1" dirty="0" smtClean="0">
-                <a:hlinkClick r:id="rId2"/>
-              </a:rPr>
-              <a:t>ece.ninja/382/datasheets/robot_guide.html</a:t>
-            </a:r>
-            <a:endParaRPr lang="en-US" sz="2000" dirty="0" smtClean="0"/>
+              <a:rPr lang="en-US" sz="1200" b="1" dirty="0">
+                <a:solidFill>
+                  <a:srgbClr val="7F0055"/>
+                </a:solidFill>
+                <a:latin typeface="Consolas"/>
+              </a:rPr>
+              <a:t>#include</a:t>
+            </a:r>
+            <a:r>
+              <a:rPr lang="en-US" sz="1200" b="1" dirty="0">
+                <a:solidFill>
+                  <a:srgbClr val="000000"/>
+                </a:solidFill>
+                <a:latin typeface="Consolas"/>
+              </a:rPr>
+              <a:t> </a:t>
+            </a:r>
+            <a:r>
+              <a:rPr lang="en-US" sz="1200" b="1" dirty="0">
+                <a:solidFill>
+                  <a:srgbClr val="2A00FF"/>
+                </a:solidFill>
+                <a:latin typeface="Consolas"/>
+              </a:rPr>
+              <a:t>&lt;msp430.h&gt;</a:t>
+            </a:r>
           </a:p>
           <a:p>
             <a:pPr marL="0" indent="0">
               <a:buNone/>
             </a:pPr>
-            <a:r>
-              <a:rPr lang="en-US" sz="2000" b="1" dirty="0" smtClean="0"/>
-              <a:t>MSP430 In-Circuit</a:t>
-            </a:r>
-          </a:p>
-          <a:p>
-            <a:r>
-              <a:rPr lang="en-US" sz="2000" b="1" dirty="0" smtClean="0"/>
-              <a:t>Supplying </a:t>
-            </a:r>
-            <a:r>
-              <a:rPr lang="en-US" sz="2000" b="1" dirty="0"/>
-              <a:t>Power</a:t>
-            </a:r>
-            <a:endParaRPr lang="en-US" sz="2000" dirty="0"/>
-          </a:p>
-          <a:p>
-            <a:pPr lvl="1"/>
-            <a:r>
-              <a:rPr lang="en-US" sz="1600" dirty="0">
-                <a:solidFill>
-                  <a:schemeClr val="accent2"/>
-                </a:solidFill>
-              </a:rPr>
-              <a:t>We have 3.3V regulators! Use them! If you try to give 5V to your MSP430, you will fry it! </a:t>
-            </a:r>
-            <a:r>
-              <a:rPr lang="en-US" sz="1600" dirty="0">
-                <a:hlinkClick r:id="rId3"/>
-              </a:rPr>
-              <a:t>Check out the datasheet for wiring details</a:t>
-            </a:r>
-            <a:r>
-              <a:rPr lang="en-US" sz="1600" dirty="0" smtClean="0">
-                <a:hlinkClick r:id="rId3"/>
-              </a:rPr>
-              <a:t>.</a:t>
-            </a:r>
-            <a:endParaRPr lang="en-US" sz="1600" dirty="0" smtClean="0"/>
-          </a:p>
-          <a:p>
-            <a:pPr lvl="1"/>
-            <a:r>
-              <a:rPr lang="en-US" sz="1600" dirty="0" smtClean="0">
-                <a:hlinkClick r:id="rId4"/>
-              </a:rPr>
-              <a:t>http://ece.ninja/382/datasheets/LD1117V33.pdf</a:t>
-            </a:r>
-            <a:endParaRPr lang="en-US" sz="1600" dirty="0" smtClean="0"/>
-          </a:p>
-          <a:p>
-            <a:r>
-              <a:rPr lang="en-US" sz="2000" b="1" dirty="0" smtClean="0"/>
-              <a:t>Wiring it up</a:t>
-            </a:r>
-            <a:endParaRPr lang="en-US" sz="2000" dirty="0"/>
-          </a:p>
-          <a:p>
-            <a:pPr lvl="1"/>
-            <a:r>
-              <a:rPr lang="en-US" sz="1600" dirty="0" smtClean="0">
-                <a:hlinkClick r:id="rId5"/>
-              </a:rPr>
-              <a:t>http://ece.ninja/382/datasheets/robot.html</a:t>
-            </a:r>
-            <a:endParaRPr lang="en-US" sz="1600" dirty="0" smtClean="0"/>
-          </a:p>
-          <a:p>
-            <a:r>
-              <a:rPr lang="en-US" sz="2000" b="1" dirty="0" smtClean="0"/>
-              <a:t>Programming</a:t>
-            </a:r>
-            <a:endParaRPr lang="en-US" sz="2000" dirty="0"/>
-          </a:p>
-          <a:p>
-            <a:pPr lvl="1"/>
-            <a:r>
-              <a:rPr lang="en-US" sz="1600" dirty="0">
-                <a:solidFill>
-                  <a:schemeClr val="accent2"/>
-                </a:solidFill>
-              </a:rPr>
-              <a:t>See the tutorial on the website! You can just jump the VCC / TEST / RESET signal over to the chip on the breadboard</a:t>
-            </a:r>
-            <a:r>
-              <a:rPr lang="en-US" sz="1600" dirty="0" smtClean="0">
-                <a:solidFill>
-                  <a:schemeClr val="accent2"/>
-                </a:solidFill>
-              </a:rPr>
-              <a:t>.</a:t>
-            </a:r>
-          </a:p>
-          <a:p>
-            <a:pPr lvl="1"/>
-            <a:r>
-              <a:rPr lang="en-US" sz="1600" dirty="0" smtClean="0">
-                <a:solidFill>
-                  <a:schemeClr val="accent2"/>
-                </a:solidFill>
-                <a:hlinkClick r:id="rId6"/>
-              </a:rPr>
-              <a:t>http://ece.ninja/382/datasheets/in_circuit_programming.html</a:t>
-            </a:r>
-            <a:endParaRPr lang="en-US" sz="1600" dirty="0" smtClean="0">
+            <a:endParaRPr lang="en-US" sz="1200" dirty="0">
+              <a:latin typeface="Consolas"/>
+            </a:endParaRPr>
+          </a:p>
+          <a:p>
+            <a:pPr marL="0" indent="0">
+              <a:buNone/>
+            </a:pPr>
+            <a:r>
+              <a:rPr lang="en-US" sz="1200" b="1" dirty="0">
+                <a:solidFill>
+                  <a:srgbClr val="7F0055"/>
+                </a:solidFill>
+                <a:latin typeface="Consolas"/>
+              </a:rPr>
+              <a:t>void</a:t>
+            </a:r>
+            <a:r>
+              <a:rPr lang="en-US" sz="1200" b="1" dirty="0">
+                <a:solidFill>
+                  <a:srgbClr val="000000"/>
+                </a:solidFill>
+                <a:latin typeface="Consolas"/>
+              </a:rPr>
+              <a:t> main(</a:t>
+            </a:r>
+            <a:r>
+              <a:rPr lang="en-US" sz="1200" b="1" dirty="0">
+                <a:solidFill>
+                  <a:srgbClr val="7F0055"/>
+                </a:solidFill>
+                <a:latin typeface="Consolas"/>
+              </a:rPr>
+              <a:t>void</a:t>
+            </a:r>
+            <a:r>
+              <a:rPr lang="en-US" sz="1200" b="1" dirty="0">
+                <a:solidFill>
+                  <a:srgbClr val="000000"/>
+                </a:solidFill>
+                <a:latin typeface="Consolas"/>
+              </a:rPr>
+              <a:t>)</a:t>
+            </a:r>
+          </a:p>
+          <a:p>
+            <a:pPr marL="0" indent="0">
+              <a:buNone/>
+            </a:pPr>
+            <a:r>
+              <a:rPr lang="en-US" sz="1200" dirty="0">
+                <a:solidFill>
+                  <a:srgbClr val="000000"/>
+                </a:solidFill>
+                <a:latin typeface="Consolas"/>
+              </a:rPr>
+              <a:t>{</a:t>
+            </a:r>
+          </a:p>
+          <a:p>
+            <a:pPr marL="0" indent="0">
+              <a:buNone/>
+            </a:pPr>
+            <a:r>
+              <a:rPr lang="en-US" sz="1200" dirty="0">
+                <a:solidFill>
+                  <a:srgbClr val="000000"/>
+                </a:solidFill>
+                <a:latin typeface="Consolas"/>
+              </a:rPr>
+              <a:t>    WDTCTL = WDTPW|WDTHOLD;</a:t>
+            </a:r>
+            <a:r>
+              <a:rPr lang="en-US" sz="1200" dirty="0">
+                <a:solidFill>
+                  <a:srgbClr val="3F7F5F"/>
+                </a:solidFill>
+                <a:latin typeface="Consolas"/>
+              </a:rPr>
+              <a:t>// stop the watchdog timer</a:t>
+            </a:r>
+          </a:p>
+          <a:p>
+            <a:pPr marL="0" indent="0">
+              <a:buNone/>
+            </a:pPr>
+            <a:endParaRPr lang="en-US" sz="1200" dirty="0">
+              <a:latin typeface="Consolas"/>
+            </a:endParaRPr>
+          </a:p>
+          <a:p>
+            <a:pPr marL="0" indent="0">
+              <a:buNone/>
+            </a:pPr>
+            <a:r>
+              <a:rPr lang="fr-FR" sz="1200" dirty="0">
+                <a:solidFill>
+                  <a:srgbClr val="000000"/>
+                </a:solidFill>
+                <a:latin typeface="Consolas"/>
+              </a:rPr>
+              <a:t>        P2DIR |= BIT1;                </a:t>
+            </a:r>
+            <a:r>
+              <a:rPr lang="fr-FR" sz="1200" dirty="0">
+                <a:solidFill>
+                  <a:srgbClr val="3F7F5F"/>
+                </a:solidFill>
+                <a:latin typeface="Consolas"/>
+              </a:rPr>
+              <a:t>// TA1CCR1 on P2.1</a:t>
+            </a:r>
+          </a:p>
+          <a:p>
+            <a:pPr marL="0" indent="0">
+              <a:buNone/>
+            </a:pPr>
+            <a:r>
+              <a:rPr lang="fr-FR" sz="1200" dirty="0">
+                <a:solidFill>
+                  <a:srgbClr val="000000"/>
+                </a:solidFill>
+                <a:latin typeface="Consolas"/>
+              </a:rPr>
+              <a:t>        P2SEL |= BIT1;                </a:t>
+            </a:r>
+            <a:r>
+              <a:rPr lang="fr-FR" sz="1200" dirty="0">
+                <a:solidFill>
+                  <a:srgbClr val="3F7F5F"/>
+                </a:solidFill>
+                <a:latin typeface="Consolas"/>
+              </a:rPr>
+              <a:t>// TA1CCR1 on P2.1</a:t>
+            </a:r>
+          </a:p>
+          <a:p>
+            <a:pPr marL="0" indent="0">
+              <a:buNone/>
+            </a:pPr>
+            <a:r>
+              <a:rPr lang="en-US" sz="1200" dirty="0">
+                <a:solidFill>
+                  <a:srgbClr val="000000"/>
+                </a:solidFill>
+                <a:latin typeface="Consolas"/>
+              </a:rPr>
+              <a:t>        P2OUT &amp;= ~BIT1;</a:t>
+            </a:r>
+          </a:p>
+          <a:p>
+            <a:pPr marL="0" indent="0">
+              <a:buNone/>
+            </a:pPr>
+            <a:endParaRPr lang="en-US" sz="1200" dirty="0">
+              <a:latin typeface="Consolas"/>
+            </a:endParaRPr>
+          </a:p>
+          <a:p>
+            <a:pPr marL="0" indent="0">
+              <a:buNone/>
+            </a:pPr>
+            <a:r>
+              <a:rPr lang="en-US" sz="1200" dirty="0">
+                <a:solidFill>
+                  <a:srgbClr val="000000"/>
+                </a:solidFill>
+                <a:latin typeface="Consolas"/>
+              </a:rPr>
+              <a:t>        TA1CTL |= TASSEL_2|MC_1|ID_0;   </a:t>
+            </a:r>
+            <a:r>
+              <a:rPr lang="en-US" sz="1200" dirty="0">
+                <a:solidFill>
+                  <a:srgbClr val="3F7F5F"/>
+                </a:solidFill>
+                <a:latin typeface="Consolas"/>
+              </a:rPr>
+              <a:t>// configure for SMCLK</a:t>
+            </a:r>
+          </a:p>
+          <a:p>
+            <a:pPr marL="0" indent="0">
+              <a:buNone/>
+            </a:pPr>
+            <a:r>
+              <a:rPr lang="en-US" sz="1200" dirty="0">
+                <a:solidFill>
+                  <a:srgbClr val="000000"/>
+                </a:solidFill>
+                <a:latin typeface="Consolas"/>
+              </a:rPr>
+              <a:t>        P1DIR |= BIT0;            </a:t>
+            </a:r>
+            <a:r>
+              <a:rPr lang="en-US" sz="1200" dirty="0">
+                <a:solidFill>
+                  <a:srgbClr val="3F7F5F"/>
+                </a:solidFill>
+                <a:latin typeface="Consolas"/>
+              </a:rPr>
+              <a:t>//use LED to indicate duty cycle has toggled</a:t>
+            </a:r>
+          </a:p>
+          <a:p>
+            <a:pPr marL="0" indent="0">
+              <a:buNone/>
+            </a:pPr>
+            <a:r>
+              <a:rPr lang="en-US" sz="1200" dirty="0">
+                <a:solidFill>
+                  <a:srgbClr val="000000"/>
+                </a:solidFill>
+                <a:latin typeface="Consolas"/>
+              </a:rPr>
+              <a:t>        P1REN |= BIT3;</a:t>
+            </a:r>
+          </a:p>
+          <a:p>
+            <a:pPr marL="0" indent="0">
+              <a:buNone/>
+            </a:pPr>
+            <a:r>
+              <a:rPr lang="en-US" sz="1200" dirty="0">
+                <a:solidFill>
+                  <a:srgbClr val="000000"/>
+                </a:solidFill>
+                <a:latin typeface="Consolas"/>
+              </a:rPr>
+              <a:t>        P1OUT |= BIT3;</a:t>
+            </a:r>
+          </a:p>
+          <a:p>
+            <a:pPr marL="0" indent="0">
+              <a:buNone/>
+            </a:pPr>
+            <a:endParaRPr lang="en-US" sz="1200" dirty="0">
+              <a:latin typeface="Consolas"/>
+            </a:endParaRPr>
+          </a:p>
+          <a:p>
+            <a:pPr marL="0" indent="0">
+              <a:buNone/>
+            </a:pPr>
+            <a:r>
+              <a:rPr lang="en-US" sz="1200" dirty="0">
+                <a:solidFill>
+                  <a:srgbClr val="000000"/>
+                </a:solidFill>
+                <a:latin typeface="Consolas"/>
+              </a:rPr>
+              <a:t>        TA1CCR0 = 1000;        </a:t>
+            </a:r>
+            <a:r>
+              <a:rPr lang="en-US" sz="1200" dirty="0" smtClean="0">
+                <a:solidFill>
+                  <a:srgbClr val="000000"/>
+                </a:solidFill>
+                <a:latin typeface="Consolas"/>
+              </a:rPr>
+              <a:t>        </a:t>
+            </a:r>
+            <a:r>
+              <a:rPr lang="en-US" sz="1200" dirty="0" smtClean="0">
+                <a:solidFill>
+                  <a:srgbClr val="3F7F5F"/>
+                </a:solidFill>
+                <a:latin typeface="Consolas"/>
+              </a:rPr>
+              <a:t>// </a:t>
+            </a:r>
+            <a:r>
+              <a:rPr lang="en-US" sz="1200" dirty="0">
+                <a:solidFill>
+                  <a:srgbClr val="3F7F5F"/>
+                </a:solidFill>
+                <a:latin typeface="Consolas"/>
+              </a:rPr>
+              <a:t>set signal period to 1000 clock cycles (~1 millisecond)</a:t>
+            </a:r>
+          </a:p>
+          <a:p>
+            <a:pPr marL="0" indent="0">
+              <a:buNone/>
+            </a:pPr>
+            <a:r>
+              <a:rPr lang="en-US" sz="1200" dirty="0">
+                <a:solidFill>
+                  <a:srgbClr val="000000"/>
+                </a:solidFill>
+                <a:latin typeface="Consolas"/>
+              </a:rPr>
+              <a:t>        TA1CCR1 = 250;               </a:t>
+            </a:r>
+            <a:r>
+              <a:rPr lang="en-US" sz="1200" dirty="0">
+                <a:solidFill>
+                  <a:srgbClr val="3F7F5F"/>
+                </a:solidFill>
+                <a:latin typeface="Consolas"/>
+              </a:rPr>
+              <a:t>// set duty cycle to 250/1000 (25%)</a:t>
+            </a:r>
+          </a:p>
+          <a:p>
+            <a:pPr marL="0" indent="0">
+              <a:buNone/>
+            </a:pPr>
+            <a:r>
+              <a:rPr lang="fr-FR" sz="1200" dirty="0">
+                <a:solidFill>
+                  <a:srgbClr val="000000"/>
+                </a:solidFill>
+                <a:latin typeface="Consolas"/>
+              </a:rPr>
+              <a:t>        TA1CCTL0 |= CCIE;               </a:t>
+            </a:r>
+            <a:r>
+              <a:rPr lang="fr-FR" sz="1200" dirty="0">
+                <a:solidFill>
+                  <a:srgbClr val="3F7F5F"/>
+                </a:solidFill>
+                <a:latin typeface="Consolas"/>
+              </a:rPr>
+              <a:t>// </a:t>
+            </a:r>
+            <a:r>
+              <a:rPr lang="fr-FR" sz="1200" dirty="0" err="1">
+                <a:solidFill>
+                  <a:srgbClr val="3F7F5F"/>
+                </a:solidFill>
+                <a:latin typeface="Consolas"/>
+              </a:rPr>
+              <a:t>enable</a:t>
+            </a:r>
+            <a:r>
+              <a:rPr lang="fr-FR" sz="1200" dirty="0">
+                <a:solidFill>
+                  <a:srgbClr val="3F7F5F"/>
+                </a:solidFill>
+                <a:latin typeface="Consolas"/>
+              </a:rPr>
+              <a:t> CC </a:t>
+            </a:r>
+            <a:r>
+              <a:rPr lang="fr-FR" sz="1200" dirty="0" err="1">
+                <a:solidFill>
+                  <a:srgbClr val="3F7F5F"/>
+                </a:solidFill>
+                <a:latin typeface="Consolas"/>
+              </a:rPr>
+              <a:t>interrupts</a:t>
+            </a:r>
+            <a:endParaRPr lang="fr-FR" sz="1200" dirty="0">
               <a:solidFill>
-                <a:schemeClr val="accent2"/>
+                <a:srgbClr val="3F7F5F"/>
               </a:solidFill>
+              <a:latin typeface="Consolas"/>
             </a:endParaRPr>
           </a:p>
           <a:p>
-            <a:pPr lvl="1"/>
-            <a:r>
-              <a:rPr lang="en-US" sz="1600" dirty="0" smtClean="0">
-                <a:solidFill>
-                  <a:schemeClr val="accent2"/>
-                </a:solidFill>
-                <a:hlinkClick r:id="rId7"/>
-              </a:rPr>
-              <a:t>http://ece.ninja/382/datasheets/standalone.html</a:t>
-            </a:r>
-            <a:endParaRPr lang="en-US" sz="1600" dirty="0">
-              <a:solidFill>
-                <a:schemeClr val="accent2"/>
-              </a:solidFill>
+            <a:pPr marL="0" indent="0">
+              <a:buNone/>
+            </a:pPr>
+            <a:r>
+              <a:rPr lang="en-US" sz="1200" dirty="0">
+                <a:solidFill>
+                  <a:srgbClr val="000000"/>
+                </a:solidFill>
+                <a:latin typeface="Consolas"/>
+              </a:rPr>
+              <a:t>        TA1CCTL1 |= OUTMOD_7|CCIE</a:t>
+            </a:r>
+            <a:r>
+              <a:rPr lang="en-US" sz="1200" dirty="0" smtClean="0">
+                <a:solidFill>
+                  <a:srgbClr val="000000"/>
+                </a:solidFill>
+                <a:latin typeface="Consolas"/>
+              </a:rPr>
+              <a:t>;      </a:t>
+            </a:r>
+            <a:r>
+              <a:rPr lang="en-US" sz="1200" dirty="0" smtClean="0">
+                <a:solidFill>
+                  <a:srgbClr val="3F7F5F"/>
+                </a:solidFill>
+                <a:latin typeface="Consolas"/>
+              </a:rPr>
+              <a:t>// </a:t>
+            </a:r>
+            <a:r>
+              <a:rPr lang="en-US" sz="1200" dirty="0">
+                <a:solidFill>
+                  <a:srgbClr val="3F7F5F"/>
+                </a:solidFill>
+                <a:latin typeface="Consolas"/>
+              </a:rPr>
+              <a:t>set TACCTL1 to Set / Reset mode//enable CC interrupts</a:t>
+            </a:r>
+          </a:p>
+          <a:p>
+            <a:pPr marL="0" indent="0">
+              <a:buNone/>
+            </a:pPr>
+            <a:r>
+              <a:rPr lang="en-US" sz="1200" dirty="0">
+                <a:solidFill>
+                  <a:srgbClr val="000000"/>
+                </a:solidFill>
+                <a:latin typeface="Consolas"/>
+              </a:rPr>
+              <a:t>        TA1CCTL1 &amp;= ~CCIFG;             </a:t>
+            </a:r>
+            <a:r>
+              <a:rPr lang="en-US" sz="1200" dirty="0">
+                <a:solidFill>
+                  <a:srgbClr val="3F7F5F"/>
+                </a:solidFill>
+                <a:latin typeface="Consolas"/>
+              </a:rPr>
+              <a:t>//clear capture compare interrupt flag</a:t>
+            </a:r>
+          </a:p>
+          <a:p>
+            <a:pPr marL="0" indent="0">
+              <a:buNone/>
+            </a:pPr>
+            <a:r>
+              <a:rPr lang="en-US" sz="1200" dirty="0">
+                <a:solidFill>
+                  <a:srgbClr val="000000"/>
+                </a:solidFill>
+                <a:latin typeface="Consolas"/>
+              </a:rPr>
+              <a:t>        _</a:t>
+            </a:r>
+            <a:r>
+              <a:rPr lang="en-US" sz="1200" dirty="0" err="1">
+                <a:solidFill>
+                  <a:srgbClr val="000000"/>
+                </a:solidFill>
+                <a:latin typeface="Consolas"/>
+              </a:rPr>
+              <a:t>enable_interrupt</a:t>
+            </a:r>
+            <a:r>
+              <a:rPr lang="en-US" sz="1200" dirty="0">
+                <a:solidFill>
+                  <a:srgbClr val="000000"/>
+                </a:solidFill>
+                <a:latin typeface="Consolas"/>
+              </a:rPr>
+              <a:t>();</a:t>
+            </a:r>
+          </a:p>
+          <a:p>
+            <a:pPr marL="0" indent="0">
+              <a:buNone/>
+            </a:pPr>
+            <a:endParaRPr lang="en-US" sz="1200" dirty="0">
+              <a:latin typeface="Consolas"/>
             </a:endParaRPr>
           </a:p>
           <a:p>
@@ -14385,30 +13859,1125 @@
               <a:buNone/>
             </a:pPr>
             <a:r>
-              <a:rPr lang="en-US" sz="2000" b="1" dirty="0" smtClean="0"/>
-              <a:t>Chip </a:t>
-            </a:r>
-            <a:r>
-              <a:rPr lang="en-US" sz="2000" b="1" dirty="0"/>
-              <a:t>Reset Due to Current Fluctuation</a:t>
-            </a:r>
-          </a:p>
-          <a:p>
-            <a:pPr lvl="1"/>
-            <a:r>
-              <a:rPr lang="en-US" sz="1600" dirty="0">
-                <a:solidFill>
-                  <a:schemeClr val="accent2"/>
-                </a:solidFill>
-              </a:rPr>
-              <a:t>If the motors draw a large amount of current (due to stall), there is a good chance it will interfere with the current provided to your MSP430. To combat this, you can put a large capacitor across the 5V rail (between power and ground). This will supplement the lost current and prevent your chip from being reset.</a:t>
+              <a:rPr lang="en-US" sz="1200" dirty="0">
+                <a:solidFill>
+                  <a:srgbClr val="000000"/>
+                </a:solidFill>
+                <a:latin typeface="Consolas"/>
+              </a:rPr>
+              <a:t>        </a:t>
+            </a:r>
+            <a:r>
+              <a:rPr lang="en-US" sz="1200" b="1" dirty="0">
+                <a:solidFill>
+                  <a:srgbClr val="7F0055"/>
+                </a:solidFill>
+                <a:latin typeface="Consolas"/>
+              </a:rPr>
+              <a:t>while</a:t>
+            </a:r>
+            <a:r>
+              <a:rPr lang="en-US" sz="1200" b="1" dirty="0">
+                <a:solidFill>
+                  <a:srgbClr val="000000"/>
+                </a:solidFill>
+                <a:latin typeface="Consolas"/>
+              </a:rPr>
+              <a:t> (1) {</a:t>
             </a:r>
           </a:p>
           <a:p>
             <a:pPr marL="0" indent="0">
               <a:buNone/>
             </a:pPr>
-            <a:endParaRPr lang="en-US" sz="2000" dirty="0">
+            <a:endParaRPr lang="en-US" sz="1200" dirty="0">
+              <a:latin typeface="Consolas"/>
+            </a:endParaRPr>
+          </a:p>
+          <a:p>
+            <a:pPr marL="0" indent="0">
+              <a:buNone/>
+            </a:pPr>
+            <a:r>
+              <a:rPr lang="en-US" sz="1200" dirty="0">
+                <a:solidFill>
+                  <a:srgbClr val="000000"/>
+                </a:solidFill>
+                <a:latin typeface="Consolas"/>
+              </a:rPr>
+              <a:t>            </a:t>
+            </a:r>
+            <a:r>
+              <a:rPr lang="en-US" sz="1200" b="1" dirty="0">
+                <a:solidFill>
+                  <a:srgbClr val="7F0055"/>
+                </a:solidFill>
+                <a:latin typeface="Consolas"/>
+              </a:rPr>
+              <a:t>while</a:t>
+            </a:r>
+            <a:r>
+              <a:rPr lang="en-US" sz="1200" b="1" dirty="0">
+                <a:solidFill>
+                  <a:srgbClr val="000000"/>
+                </a:solidFill>
+                <a:latin typeface="Consolas"/>
+              </a:rPr>
+              <a:t> (P1IN &amp; BIT3);     </a:t>
+            </a:r>
+            <a:r>
+              <a:rPr lang="en-US" sz="1200" b="1" dirty="0">
+                <a:solidFill>
+                  <a:srgbClr val="3F7F5F"/>
+                </a:solidFill>
+                <a:latin typeface="Consolas"/>
+              </a:rPr>
+              <a:t>//every time the button is pushed, toggle the duty cycle</a:t>
+            </a:r>
+          </a:p>
+          <a:p>
+            <a:pPr marL="0" indent="0">
+              <a:buNone/>
+            </a:pPr>
+            <a:r>
+              <a:rPr lang="en-US" sz="1200" dirty="0">
+                <a:solidFill>
+                  <a:srgbClr val="000000"/>
+                </a:solidFill>
+                <a:latin typeface="Consolas"/>
+              </a:rPr>
+              <a:t>            </a:t>
+            </a:r>
+            <a:r>
+              <a:rPr lang="en-US" sz="1200" b="1" dirty="0">
+                <a:solidFill>
+                  <a:srgbClr val="642880"/>
+                </a:solidFill>
+                <a:latin typeface="Consolas"/>
+              </a:rPr>
+              <a:t>__</a:t>
+            </a:r>
+            <a:r>
+              <a:rPr lang="en-US" sz="1200" b="1" dirty="0" err="1">
+                <a:solidFill>
+                  <a:srgbClr val="642880"/>
+                </a:solidFill>
+                <a:latin typeface="Consolas"/>
+              </a:rPr>
+              <a:t>delay_cycles</a:t>
+            </a:r>
+            <a:r>
+              <a:rPr lang="en-US" sz="1200" b="1" dirty="0">
+                <a:solidFill>
+                  <a:srgbClr val="000000"/>
+                </a:solidFill>
+                <a:latin typeface="Consolas"/>
+              </a:rPr>
+              <a:t>(1000000);</a:t>
+            </a:r>
+          </a:p>
+          <a:p>
+            <a:pPr marL="0" indent="0">
+              <a:buNone/>
+            </a:pPr>
+            <a:r>
+              <a:rPr lang="en-US" sz="1200" dirty="0">
+                <a:solidFill>
+                  <a:srgbClr val="000000"/>
+                </a:solidFill>
+                <a:latin typeface="Consolas"/>
+              </a:rPr>
+              <a:t>            TA1CCR1 = 1000;         </a:t>
+            </a:r>
+            <a:r>
+              <a:rPr lang="en-US" sz="1200" dirty="0">
+                <a:solidFill>
+                  <a:srgbClr val="3F7F5F"/>
+                </a:solidFill>
+                <a:latin typeface="Consolas"/>
+              </a:rPr>
+              <a:t>// set duty cycle to 1000/1000 (100%)</a:t>
+            </a:r>
+          </a:p>
+          <a:p>
+            <a:pPr marL="0" indent="0">
+              <a:buNone/>
+            </a:pPr>
+            <a:endParaRPr lang="en-US" sz="1200" dirty="0">
+              <a:latin typeface="Consolas"/>
+            </a:endParaRPr>
+          </a:p>
+          <a:p>
+            <a:pPr marL="0" indent="0">
+              <a:buNone/>
+            </a:pPr>
+            <a:r>
+              <a:rPr lang="en-US" sz="1200" dirty="0">
+                <a:solidFill>
+                  <a:srgbClr val="000000"/>
+                </a:solidFill>
+                <a:latin typeface="Consolas"/>
+              </a:rPr>
+              <a:t>            </a:t>
+            </a:r>
+            <a:r>
+              <a:rPr lang="en-US" sz="1200" b="1" dirty="0">
+                <a:solidFill>
+                  <a:srgbClr val="7F0055"/>
+                </a:solidFill>
+                <a:latin typeface="Consolas"/>
+              </a:rPr>
+              <a:t>while</a:t>
+            </a:r>
+            <a:r>
+              <a:rPr lang="en-US" sz="1200" b="1" dirty="0">
+                <a:solidFill>
+                  <a:srgbClr val="000000"/>
+                </a:solidFill>
+                <a:latin typeface="Consolas"/>
+              </a:rPr>
+              <a:t> (P1IN &amp; BIT3);</a:t>
+            </a:r>
+          </a:p>
+          <a:p>
+            <a:pPr marL="0" indent="0">
+              <a:buNone/>
+            </a:pPr>
+            <a:r>
+              <a:rPr lang="en-US" sz="1200" dirty="0">
+                <a:solidFill>
+                  <a:srgbClr val="000000"/>
+                </a:solidFill>
+                <a:latin typeface="Consolas"/>
+              </a:rPr>
+              <a:t>            </a:t>
+            </a:r>
+            <a:r>
+              <a:rPr lang="en-US" sz="1200" b="1" dirty="0">
+                <a:solidFill>
+                  <a:srgbClr val="642880"/>
+                </a:solidFill>
+                <a:latin typeface="Consolas"/>
+              </a:rPr>
+              <a:t>__</a:t>
+            </a:r>
+            <a:r>
+              <a:rPr lang="en-US" sz="1200" b="1" dirty="0" err="1">
+                <a:solidFill>
+                  <a:srgbClr val="642880"/>
+                </a:solidFill>
+                <a:latin typeface="Consolas"/>
+              </a:rPr>
+              <a:t>delay_cycles</a:t>
+            </a:r>
+            <a:r>
+              <a:rPr lang="en-US" sz="1200" b="1" dirty="0">
+                <a:solidFill>
+                  <a:srgbClr val="000000"/>
+                </a:solidFill>
+                <a:latin typeface="Consolas"/>
+              </a:rPr>
+              <a:t>(1000000);</a:t>
+            </a:r>
+          </a:p>
+          <a:p>
+            <a:pPr marL="0" indent="0">
+              <a:buNone/>
+            </a:pPr>
+            <a:r>
+              <a:rPr lang="en-US" sz="1200" dirty="0">
+                <a:solidFill>
+                  <a:srgbClr val="000000"/>
+                </a:solidFill>
+                <a:latin typeface="Consolas"/>
+              </a:rPr>
+              <a:t>            TA1CCR1 = 750;            </a:t>
+            </a:r>
+            <a:r>
+              <a:rPr lang="en-US" sz="1200" dirty="0">
+                <a:solidFill>
+                  <a:srgbClr val="3F7F5F"/>
+                </a:solidFill>
+                <a:latin typeface="Consolas"/>
+              </a:rPr>
+              <a:t>// set duty cycle to 750/1000 (75%)</a:t>
+            </a:r>
+          </a:p>
+          <a:p>
+            <a:pPr marL="0" indent="0">
+              <a:buNone/>
+            </a:pPr>
+            <a:endParaRPr lang="en-US" sz="1200" dirty="0">
+              <a:latin typeface="Consolas"/>
+            </a:endParaRPr>
+          </a:p>
+          <a:p>
+            <a:pPr marL="0" indent="0">
+              <a:buNone/>
+            </a:pPr>
+            <a:r>
+              <a:rPr lang="en-US" sz="1200" dirty="0">
+                <a:solidFill>
+                  <a:srgbClr val="000000"/>
+                </a:solidFill>
+                <a:latin typeface="Consolas"/>
+              </a:rPr>
+              <a:t>            </a:t>
+            </a:r>
+            <a:r>
+              <a:rPr lang="en-US" sz="1200" b="1" dirty="0">
+                <a:solidFill>
+                  <a:srgbClr val="7F0055"/>
+                </a:solidFill>
+                <a:latin typeface="Consolas"/>
+              </a:rPr>
+              <a:t>while</a:t>
+            </a:r>
+            <a:r>
+              <a:rPr lang="en-US" sz="1200" b="1" dirty="0">
+                <a:solidFill>
+                  <a:srgbClr val="000000"/>
+                </a:solidFill>
+                <a:latin typeface="Consolas"/>
+              </a:rPr>
+              <a:t> (P1IN &amp; BIT3);</a:t>
+            </a:r>
+          </a:p>
+          <a:p>
+            <a:pPr marL="0" indent="0">
+              <a:buNone/>
+            </a:pPr>
+            <a:r>
+              <a:rPr lang="en-US" sz="1200" dirty="0">
+                <a:solidFill>
+                  <a:srgbClr val="000000"/>
+                </a:solidFill>
+                <a:latin typeface="Consolas"/>
+              </a:rPr>
+              <a:t>            </a:t>
+            </a:r>
+            <a:r>
+              <a:rPr lang="en-US" sz="1200" b="1" dirty="0">
+                <a:solidFill>
+                  <a:srgbClr val="642880"/>
+                </a:solidFill>
+                <a:latin typeface="Consolas"/>
+              </a:rPr>
+              <a:t>__</a:t>
+            </a:r>
+            <a:r>
+              <a:rPr lang="en-US" sz="1200" b="1" dirty="0" err="1">
+                <a:solidFill>
+                  <a:srgbClr val="642880"/>
+                </a:solidFill>
+                <a:latin typeface="Consolas"/>
+              </a:rPr>
+              <a:t>delay_cycles</a:t>
+            </a:r>
+            <a:r>
+              <a:rPr lang="en-US" sz="1200" b="1" dirty="0">
+                <a:solidFill>
+                  <a:srgbClr val="000000"/>
+                </a:solidFill>
+                <a:latin typeface="Consolas"/>
+              </a:rPr>
+              <a:t>(1000000);</a:t>
+            </a:r>
+          </a:p>
+          <a:p>
+            <a:pPr marL="0" indent="0">
+              <a:buNone/>
+            </a:pPr>
+            <a:r>
+              <a:rPr lang="en-US" sz="1200" dirty="0">
+                <a:solidFill>
+                  <a:srgbClr val="000000"/>
+                </a:solidFill>
+                <a:latin typeface="Consolas"/>
+              </a:rPr>
+              <a:t>            TA1CCR1 = 500;           </a:t>
+            </a:r>
+            <a:r>
+              <a:rPr lang="en-US" sz="1200" dirty="0">
+                <a:solidFill>
+                  <a:srgbClr val="3F7F5F"/>
+                </a:solidFill>
+                <a:latin typeface="Consolas"/>
+              </a:rPr>
+              <a:t>// set duty cycle to 500/1000 (50%)</a:t>
+            </a:r>
+          </a:p>
+          <a:p>
+            <a:pPr marL="0" indent="0">
+              <a:buNone/>
+            </a:pPr>
+            <a:endParaRPr lang="en-US" sz="1200" dirty="0">
+              <a:latin typeface="Consolas"/>
+            </a:endParaRPr>
+          </a:p>
+          <a:p>
+            <a:pPr marL="0" indent="0">
+              <a:buNone/>
+            </a:pPr>
+            <a:r>
+              <a:rPr lang="en-US" sz="1200" dirty="0">
+                <a:solidFill>
+                  <a:srgbClr val="000000"/>
+                </a:solidFill>
+                <a:latin typeface="Consolas"/>
+              </a:rPr>
+              <a:t>            </a:t>
+            </a:r>
+            <a:r>
+              <a:rPr lang="en-US" sz="1200" b="1" dirty="0">
+                <a:solidFill>
+                  <a:srgbClr val="7F0055"/>
+                </a:solidFill>
+                <a:latin typeface="Consolas"/>
+              </a:rPr>
+              <a:t>while</a:t>
+            </a:r>
+            <a:r>
+              <a:rPr lang="en-US" sz="1200" b="1" dirty="0">
+                <a:solidFill>
+                  <a:srgbClr val="000000"/>
+                </a:solidFill>
+                <a:latin typeface="Consolas"/>
+              </a:rPr>
+              <a:t> (P1IN &amp; BIT3);</a:t>
+            </a:r>
+          </a:p>
+          <a:p>
+            <a:pPr marL="0" indent="0">
+              <a:buNone/>
+            </a:pPr>
+            <a:r>
+              <a:rPr lang="en-US" sz="1200" dirty="0">
+                <a:solidFill>
+                  <a:srgbClr val="000000"/>
+                </a:solidFill>
+                <a:latin typeface="Consolas"/>
+              </a:rPr>
+              <a:t>            </a:t>
+            </a:r>
+            <a:r>
+              <a:rPr lang="en-US" sz="1200" b="1" dirty="0">
+                <a:solidFill>
+                  <a:srgbClr val="642880"/>
+                </a:solidFill>
+                <a:latin typeface="Consolas"/>
+              </a:rPr>
+              <a:t>__</a:t>
+            </a:r>
+            <a:r>
+              <a:rPr lang="en-US" sz="1200" b="1" dirty="0" err="1">
+                <a:solidFill>
+                  <a:srgbClr val="642880"/>
+                </a:solidFill>
+                <a:latin typeface="Consolas"/>
+              </a:rPr>
+              <a:t>delay_cycles</a:t>
+            </a:r>
+            <a:r>
+              <a:rPr lang="en-US" sz="1200" b="1" dirty="0">
+                <a:solidFill>
+                  <a:srgbClr val="000000"/>
+                </a:solidFill>
+                <a:latin typeface="Consolas"/>
+              </a:rPr>
+              <a:t>(1000000);</a:t>
+            </a:r>
+          </a:p>
+          <a:p>
+            <a:pPr marL="0" indent="0">
+              <a:buNone/>
+            </a:pPr>
+            <a:r>
+              <a:rPr lang="en-US" sz="1200" dirty="0">
+                <a:solidFill>
+                  <a:srgbClr val="000000"/>
+                </a:solidFill>
+                <a:latin typeface="Consolas"/>
+              </a:rPr>
+              <a:t>            TA1CCR1 = 250;           </a:t>
+            </a:r>
+            <a:r>
+              <a:rPr lang="en-US" sz="1200" dirty="0">
+                <a:solidFill>
+                  <a:srgbClr val="3F7F5F"/>
+                </a:solidFill>
+                <a:latin typeface="Consolas"/>
+              </a:rPr>
+              <a:t>// set duty cycle to 250/1000 (25%)</a:t>
+            </a:r>
+          </a:p>
+          <a:p>
+            <a:pPr marL="0" indent="0">
+              <a:buNone/>
+            </a:pPr>
+            <a:endParaRPr lang="en-US" sz="1200" dirty="0">
+              <a:latin typeface="Consolas"/>
+            </a:endParaRPr>
+          </a:p>
+          <a:p>
+            <a:pPr marL="0" indent="0">
+              <a:buNone/>
+            </a:pPr>
+            <a:r>
+              <a:rPr lang="en-US" sz="1200" dirty="0">
+                <a:solidFill>
+                  <a:srgbClr val="000000"/>
+                </a:solidFill>
+                <a:latin typeface="Consolas"/>
+              </a:rPr>
+              <a:t>            </a:t>
+            </a:r>
+            <a:r>
+              <a:rPr lang="en-US" sz="1200" b="1" dirty="0">
+                <a:solidFill>
+                  <a:srgbClr val="7F0055"/>
+                </a:solidFill>
+                <a:latin typeface="Consolas"/>
+              </a:rPr>
+              <a:t>while</a:t>
+            </a:r>
+            <a:r>
+              <a:rPr lang="en-US" sz="1200" b="1" dirty="0">
+                <a:solidFill>
+                  <a:srgbClr val="000000"/>
+                </a:solidFill>
+                <a:latin typeface="Consolas"/>
+              </a:rPr>
+              <a:t> (P1IN &amp; BIT3);</a:t>
+            </a:r>
+          </a:p>
+          <a:p>
+            <a:pPr marL="0" indent="0">
+              <a:buNone/>
+            </a:pPr>
+            <a:r>
+              <a:rPr lang="en-US" sz="1200" dirty="0">
+                <a:solidFill>
+                  <a:srgbClr val="000000"/>
+                </a:solidFill>
+                <a:latin typeface="Consolas"/>
+              </a:rPr>
+              <a:t>            </a:t>
+            </a:r>
+            <a:r>
+              <a:rPr lang="en-US" sz="1200" b="1" dirty="0">
+                <a:solidFill>
+                  <a:srgbClr val="642880"/>
+                </a:solidFill>
+                <a:latin typeface="Consolas"/>
+              </a:rPr>
+              <a:t>__</a:t>
+            </a:r>
+            <a:r>
+              <a:rPr lang="en-US" sz="1200" b="1" dirty="0" err="1">
+                <a:solidFill>
+                  <a:srgbClr val="642880"/>
+                </a:solidFill>
+                <a:latin typeface="Consolas"/>
+              </a:rPr>
+              <a:t>delay_cycles</a:t>
+            </a:r>
+            <a:r>
+              <a:rPr lang="en-US" sz="1200" b="1" dirty="0">
+                <a:solidFill>
+                  <a:srgbClr val="000000"/>
+                </a:solidFill>
+                <a:latin typeface="Consolas"/>
+              </a:rPr>
+              <a:t>(1000000);</a:t>
+            </a:r>
+          </a:p>
+          <a:p>
+            <a:pPr marL="0" indent="0">
+              <a:buNone/>
+            </a:pPr>
+            <a:r>
+              <a:rPr lang="en-US" sz="1200" dirty="0">
+                <a:solidFill>
+                  <a:srgbClr val="000000"/>
+                </a:solidFill>
+                <a:latin typeface="Consolas"/>
+              </a:rPr>
+              <a:t>            TA1CCR1 = 100;            </a:t>
+            </a:r>
+            <a:r>
+              <a:rPr lang="en-US" sz="1200" dirty="0">
+                <a:solidFill>
+                  <a:srgbClr val="3F7F5F"/>
+                </a:solidFill>
+                <a:latin typeface="Consolas"/>
+              </a:rPr>
+              <a:t>// set duty cycle to 100/1000 (10%)</a:t>
+            </a:r>
+          </a:p>
+          <a:p>
+            <a:pPr marL="0" indent="0">
+              <a:buNone/>
+            </a:pPr>
+            <a:endParaRPr lang="en-US" sz="1200" dirty="0">
+              <a:latin typeface="Consolas"/>
+            </a:endParaRPr>
+          </a:p>
+          <a:p>
+            <a:pPr marL="0" indent="0">
+              <a:buNone/>
+            </a:pPr>
+            <a:r>
+              <a:rPr lang="en-US" sz="1200" dirty="0">
+                <a:solidFill>
+                  <a:srgbClr val="000000"/>
+                </a:solidFill>
+                <a:latin typeface="Consolas"/>
+              </a:rPr>
+              <a:t>            </a:t>
+            </a:r>
+            <a:r>
+              <a:rPr lang="en-US" sz="1200" b="1" dirty="0">
+                <a:solidFill>
+                  <a:srgbClr val="7F0055"/>
+                </a:solidFill>
+                <a:latin typeface="Consolas"/>
+              </a:rPr>
+              <a:t>while</a:t>
+            </a:r>
+            <a:r>
+              <a:rPr lang="en-US" sz="1200" b="1" dirty="0">
+                <a:solidFill>
+                  <a:srgbClr val="000000"/>
+                </a:solidFill>
+                <a:latin typeface="Consolas"/>
+              </a:rPr>
+              <a:t> (P1IN &amp; BIT3);</a:t>
+            </a:r>
+          </a:p>
+          <a:p>
+            <a:pPr marL="0" indent="0">
+              <a:buNone/>
+            </a:pPr>
+            <a:r>
+              <a:rPr lang="en-US" sz="1200" dirty="0">
+                <a:solidFill>
+                  <a:srgbClr val="000000"/>
+                </a:solidFill>
+                <a:latin typeface="Consolas"/>
+              </a:rPr>
+              <a:t>            </a:t>
+            </a:r>
+            <a:r>
+              <a:rPr lang="en-US" sz="1200" b="1" dirty="0">
+                <a:solidFill>
+                  <a:srgbClr val="642880"/>
+                </a:solidFill>
+                <a:latin typeface="Consolas"/>
+              </a:rPr>
+              <a:t>__</a:t>
+            </a:r>
+            <a:r>
+              <a:rPr lang="en-US" sz="1200" b="1" dirty="0" err="1">
+                <a:solidFill>
+                  <a:srgbClr val="642880"/>
+                </a:solidFill>
+                <a:latin typeface="Consolas"/>
+              </a:rPr>
+              <a:t>delay_cycles</a:t>
+            </a:r>
+            <a:r>
+              <a:rPr lang="en-US" sz="1200" b="1" dirty="0">
+                <a:solidFill>
+                  <a:srgbClr val="000000"/>
+                </a:solidFill>
+                <a:latin typeface="Consolas"/>
+              </a:rPr>
+              <a:t>(1000000);</a:t>
+            </a:r>
+          </a:p>
+          <a:p>
+            <a:pPr marL="0" indent="0">
+              <a:buNone/>
+            </a:pPr>
+            <a:r>
+              <a:rPr lang="en-US" sz="1200" dirty="0">
+                <a:solidFill>
+                  <a:srgbClr val="000000"/>
+                </a:solidFill>
+                <a:latin typeface="Consolas"/>
+              </a:rPr>
+              <a:t>            TA1CCR1 = 20;            </a:t>
+            </a:r>
+            <a:r>
+              <a:rPr lang="en-US" sz="1200" dirty="0">
+                <a:solidFill>
+                  <a:srgbClr val="3F7F5F"/>
+                </a:solidFill>
+                <a:latin typeface="Consolas"/>
+              </a:rPr>
+              <a:t>// set duty cycle to 20/1000 (2%)</a:t>
+            </a:r>
+          </a:p>
+          <a:p>
+            <a:pPr marL="0" indent="0">
+              <a:buNone/>
+            </a:pPr>
+            <a:endParaRPr lang="en-US" sz="1200" dirty="0">
+              <a:latin typeface="Consolas"/>
+            </a:endParaRPr>
+          </a:p>
+          <a:p>
+            <a:pPr marL="0" indent="0">
+              <a:buNone/>
+            </a:pPr>
+            <a:r>
+              <a:rPr lang="en-US" sz="1200" dirty="0">
+                <a:solidFill>
+                  <a:srgbClr val="000000"/>
+                </a:solidFill>
+                <a:latin typeface="Consolas"/>
+              </a:rPr>
+              <a:t>        }</a:t>
+            </a:r>
+          </a:p>
+          <a:p>
+            <a:pPr marL="0" indent="0">
+              <a:buNone/>
+            </a:pPr>
+            <a:r>
+              <a:rPr lang="en-US" sz="1200" dirty="0">
+                <a:solidFill>
+                  <a:srgbClr val="000000"/>
+                </a:solidFill>
+                <a:latin typeface="Consolas"/>
+              </a:rPr>
+              <a:t>}</a:t>
+            </a:r>
+          </a:p>
+          <a:p>
+            <a:pPr marL="0" indent="0">
+              <a:buNone/>
+            </a:pPr>
+            <a:endParaRPr lang="en-US" sz="1200" dirty="0">
+              <a:latin typeface="Consolas"/>
+            </a:endParaRPr>
+          </a:p>
+          <a:p>
+            <a:pPr marL="0" indent="0">
+              <a:buNone/>
+            </a:pPr>
+            <a:endParaRPr lang="en-US" sz="1200" dirty="0">
+              <a:latin typeface="Consolas"/>
+            </a:endParaRPr>
+          </a:p>
+          <a:p>
+            <a:pPr marL="0" indent="0">
+              <a:buNone/>
+            </a:pPr>
+            <a:r>
+              <a:rPr lang="en-US" sz="1200" b="1" dirty="0">
+                <a:solidFill>
+                  <a:srgbClr val="7F0055"/>
+                </a:solidFill>
+                <a:latin typeface="Consolas"/>
+              </a:rPr>
+              <a:t>#pragma</a:t>
+            </a:r>
+            <a:r>
+              <a:rPr lang="en-US" sz="1200" b="1" dirty="0">
+                <a:solidFill>
+                  <a:srgbClr val="000000"/>
+                </a:solidFill>
+                <a:latin typeface="Consolas"/>
+              </a:rPr>
+              <a:t> vector = TIMER1_A0_VECTOR            </a:t>
+            </a:r>
+            <a:r>
+              <a:rPr lang="en-US" sz="1200" b="1" dirty="0">
+                <a:solidFill>
+                  <a:srgbClr val="3F7F5F"/>
+                </a:solidFill>
+                <a:latin typeface="Consolas"/>
+              </a:rPr>
+              <a:t>// This is from the MSP430G2553.h file</a:t>
+            </a:r>
+          </a:p>
+          <a:p>
+            <a:pPr marL="0" indent="0">
+              <a:buNone/>
+            </a:pPr>
+            <a:r>
+              <a:rPr lang="en-US" sz="1200" b="1" dirty="0">
+                <a:solidFill>
+                  <a:srgbClr val="7F0055"/>
+                </a:solidFill>
+                <a:latin typeface="Consolas"/>
+              </a:rPr>
+              <a:t>__interrupt</a:t>
+            </a:r>
+            <a:r>
+              <a:rPr lang="en-US" sz="1200" b="1" dirty="0">
+                <a:solidFill>
+                  <a:srgbClr val="000000"/>
+                </a:solidFill>
+                <a:latin typeface="Consolas"/>
+              </a:rPr>
+              <a:t> </a:t>
+            </a:r>
+            <a:r>
+              <a:rPr lang="en-US" sz="1200" b="1" dirty="0">
+                <a:solidFill>
+                  <a:srgbClr val="7F0055"/>
+                </a:solidFill>
+                <a:latin typeface="Consolas"/>
+              </a:rPr>
+              <a:t>void</a:t>
+            </a:r>
+            <a:r>
+              <a:rPr lang="en-US" sz="1200" b="1" dirty="0">
+                <a:solidFill>
+                  <a:srgbClr val="000000"/>
+                </a:solidFill>
+                <a:latin typeface="Consolas"/>
+              </a:rPr>
+              <a:t> </a:t>
+            </a:r>
+            <a:r>
+              <a:rPr lang="en-US" sz="1200" b="1" dirty="0" err="1">
+                <a:solidFill>
+                  <a:srgbClr val="000000"/>
+                </a:solidFill>
+                <a:latin typeface="Consolas"/>
+              </a:rPr>
+              <a:t>captureCompareInt</a:t>
+            </a:r>
+            <a:r>
+              <a:rPr lang="en-US" sz="1200" b="1" dirty="0">
+                <a:solidFill>
+                  <a:srgbClr val="000000"/>
+                </a:solidFill>
+                <a:latin typeface="Consolas"/>
+              </a:rPr>
+              <a:t> (</a:t>
+            </a:r>
+            <a:r>
+              <a:rPr lang="en-US" sz="1200" b="1" dirty="0">
+                <a:solidFill>
+                  <a:srgbClr val="7F0055"/>
+                </a:solidFill>
+                <a:latin typeface="Consolas"/>
+              </a:rPr>
+              <a:t>void</a:t>
+            </a:r>
+            <a:r>
+              <a:rPr lang="en-US" sz="1200" b="1" dirty="0">
+                <a:solidFill>
+                  <a:srgbClr val="000000"/>
+                </a:solidFill>
+                <a:latin typeface="Consolas"/>
+              </a:rPr>
+              <a:t>) {</a:t>
+            </a:r>
+          </a:p>
+          <a:p>
+            <a:pPr marL="0" indent="0">
+              <a:buNone/>
+            </a:pPr>
+            <a:r>
+              <a:rPr lang="en-US" sz="1200" dirty="0">
+                <a:solidFill>
+                  <a:srgbClr val="000000"/>
+                </a:solidFill>
+                <a:latin typeface="Consolas"/>
+              </a:rPr>
+              <a:t>    P1OUT |= BIT0;                        </a:t>
+            </a:r>
+            <a:r>
+              <a:rPr lang="en-US" sz="1200" dirty="0">
+                <a:solidFill>
+                  <a:srgbClr val="3F7F5F"/>
+                </a:solidFill>
+                <a:latin typeface="Consolas"/>
+              </a:rPr>
+              <a:t>//Turn on LED</a:t>
+            </a:r>
+          </a:p>
+          <a:p>
+            <a:pPr marL="0" indent="0">
+              <a:buNone/>
+            </a:pPr>
+            <a:r>
+              <a:rPr lang="en-US" sz="1200" dirty="0">
+                <a:solidFill>
+                  <a:srgbClr val="000000"/>
+                </a:solidFill>
+                <a:latin typeface="Consolas"/>
+              </a:rPr>
+              <a:t>    </a:t>
+            </a:r>
+            <a:r>
+              <a:rPr lang="en-US" sz="1200" dirty="0">
+                <a:solidFill>
+                  <a:srgbClr val="3F7F5F"/>
+                </a:solidFill>
+                <a:latin typeface="Consolas"/>
+              </a:rPr>
+              <a:t>// Disable Timer A Interrupt</a:t>
+            </a:r>
+          </a:p>
+          <a:p>
+            <a:pPr marL="0" indent="0">
+              <a:buNone/>
+            </a:pPr>
+            <a:r>
+              <a:rPr lang="en-US" sz="1200" dirty="0">
+                <a:solidFill>
+                  <a:srgbClr val="000000"/>
+                </a:solidFill>
+                <a:latin typeface="Consolas"/>
+              </a:rPr>
+              <a:t>    TA1CCTL1 &amp;= ~CCIFG;                </a:t>
+            </a:r>
+            <a:r>
+              <a:rPr lang="en-US" sz="1200" dirty="0">
+                <a:solidFill>
+                  <a:srgbClr val="3F7F5F"/>
+                </a:solidFill>
+                <a:latin typeface="Consolas"/>
+              </a:rPr>
+              <a:t>//clear capture compare interrupt flag</a:t>
+            </a:r>
+          </a:p>
+          <a:p>
+            <a:pPr marL="0" indent="0">
+              <a:buNone/>
+            </a:pPr>
+            <a:r>
+              <a:rPr lang="en-US" sz="1200" dirty="0">
+                <a:solidFill>
+                  <a:srgbClr val="3F7F5F"/>
+                </a:solidFill>
+                <a:latin typeface="Consolas"/>
+              </a:rPr>
+              <a:t>//    TACTL &amp;= ~TAIFG;</a:t>
+            </a:r>
+          </a:p>
+          <a:p>
+            <a:pPr marL="0" indent="0">
+              <a:buNone/>
+            </a:pPr>
+            <a:r>
+              <a:rPr lang="en-US" sz="1200" dirty="0">
+                <a:solidFill>
+                  <a:srgbClr val="000000"/>
+                </a:solidFill>
+                <a:latin typeface="Consolas"/>
+              </a:rPr>
+              <a:t>}</a:t>
+            </a:r>
+          </a:p>
+          <a:p>
+            <a:pPr marL="0" indent="0">
+              <a:buNone/>
+            </a:pPr>
+            <a:endParaRPr lang="en-US" sz="1200" dirty="0">
+              <a:latin typeface="Consolas"/>
+            </a:endParaRPr>
+          </a:p>
+          <a:p>
+            <a:pPr marL="0" indent="0">
+              <a:buNone/>
+            </a:pPr>
+            <a:r>
+              <a:rPr lang="en-US" sz="1200" b="1" dirty="0">
+                <a:solidFill>
+                  <a:srgbClr val="7F0055"/>
+                </a:solidFill>
+                <a:latin typeface="Consolas"/>
+              </a:rPr>
+              <a:t>#pragma</a:t>
+            </a:r>
+            <a:r>
+              <a:rPr lang="en-US" sz="1200" b="1" dirty="0">
+                <a:solidFill>
+                  <a:srgbClr val="000000"/>
+                </a:solidFill>
+                <a:latin typeface="Consolas"/>
+              </a:rPr>
+              <a:t> vector = TIMER1_A1_VECTOR            </a:t>
+            </a:r>
+            <a:r>
+              <a:rPr lang="en-US" sz="1200" b="1" dirty="0">
+                <a:solidFill>
+                  <a:srgbClr val="3F7F5F"/>
+                </a:solidFill>
+                <a:latin typeface="Consolas"/>
+              </a:rPr>
+              <a:t>// This is from the MSP430G2553.h file</a:t>
+            </a:r>
+          </a:p>
+          <a:p>
+            <a:pPr marL="0" indent="0">
+              <a:buNone/>
+            </a:pPr>
+            <a:r>
+              <a:rPr lang="en-US" sz="1200" b="1" dirty="0">
+                <a:solidFill>
+                  <a:srgbClr val="7F0055"/>
+                </a:solidFill>
+                <a:latin typeface="Consolas"/>
+              </a:rPr>
+              <a:t>__interrupt</a:t>
+            </a:r>
+            <a:r>
+              <a:rPr lang="en-US" sz="1200" b="1" dirty="0">
+                <a:solidFill>
+                  <a:srgbClr val="000000"/>
+                </a:solidFill>
+                <a:latin typeface="Consolas"/>
+              </a:rPr>
+              <a:t> </a:t>
+            </a:r>
+            <a:r>
+              <a:rPr lang="en-US" sz="1200" b="1" dirty="0">
+                <a:solidFill>
+                  <a:srgbClr val="7F0055"/>
+                </a:solidFill>
+                <a:latin typeface="Consolas"/>
+              </a:rPr>
+              <a:t>void</a:t>
+            </a:r>
+            <a:r>
+              <a:rPr lang="en-US" sz="1200" b="1" dirty="0">
+                <a:solidFill>
+                  <a:srgbClr val="000000"/>
+                </a:solidFill>
+                <a:latin typeface="Consolas"/>
+              </a:rPr>
+              <a:t> captureCompareInt2 (</a:t>
+            </a:r>
+            <a:r>
+              <a:rPr lang="en-US" sz="1200" b="1" dirty="0">
+                <a:solidFill>
+                  <a:srgbClr val="7F0055"/>
+                </a:solidFill>
+                <a:latin typeface="Consolas"/>
+              </a:rPr>
+              <a:t>void</a:t>
+            </a:r>
+            <a:r>
+              <a:rPr lang="en-US" sz="1200" b="1" dirty="0">
+                <a:solidFill>
+                  <a:srgbClr val="000000"/>
+                </a:solidFill>
+                <a:latin typeface="Consolas"/>
+              </a:rPr>
+              <a:t>) {</a:t>
+            </a:r>
+          </a:p>
+          <a:p>
+            <a:pPr marL="0" indent="0">
+              <a:buNone/>
+            </a:pPr>
+            <a:r>
+              <a:rPr lang="en-US" sz="1200" dirty="0">
+                <a:solidFill>
+                  <a:srgbClr val="000000"/>
+                </a:solidFill>
+                <a:latin typeface="Consolas"/>
+              </a:rPr>
+              <a:t>    P1OUT &amp;= ~BIT0;                        </a:t>
+            </a:r>
+            <a:r>
+              <a:rPr lang="en-US" sz="1200" dirty="0">
+                <a:solidFill>
+                  <a:srgbClr val="3F7F5F"/>
+                </a:solidFill>
+                <a:latin typeface="Consolas"/>
+              </a:rPr>
+              <a:t>//Turn off LED</a:t>
+            </a:r>
+          </a:p>
+          <a:p>
+            <a:pPr marL="0" indent="0">
+              <a:buNone/>
+            </a:pPr>
+            <a:r>
+              <a:rPr lang="en-US" sz="1200" dirty="0">
+                <a:solidFill>
+                  <a:srgbClr val="000000"/>
+                </a:solidFill>
+                <a:latin typeface="Consolas"/>
+              </a:rPr>
+              <a:t>    </a:t>
+            </a:r>
+            <a:r>
+              <a:rPr lang="en-US" sz="1200" dirty="0">
+                <a:solidFill>
+                  <a:srgbClr val="3F7F5F"/>
+                </a:solidFill>
+                <a:latin typeface="Consolas"/>
+              </a:rPr>
+              <a:t>// Disable Timer A Interrupt</a:t>
+            </a:r>
+          </a:p>
+          <a:p>
+            <a:pPr marL="0" indent="0">
+              <a:buNone/>
+            </a:pPr>
+            <a:r>
+              <a:rPr lang="en-US" sz="1200" dirty="0">
+                <a:solidFill>
+                  <a:srgbClr val="000000"/>
+                </a:solidFill>
+                <a:latin typeface="Consolas"/>
+              </a:rPr>
+              <a:t>    TA1CCTL1 &amp;= ~CCIFG;                </a:t>
+            </a:r>
+            <a:r>
+              <a:rPr lang="en-US" sz="1200" dirty="0">
+                <a:solidFill>
+                  <a:srgbClr val="3F7F5F"/>
+                </a:solidFill>
+                <a:latin typeface="Consolas"/>
+              </a:rPr>
+              <a:t>//clear capture compare interrupt flag</a:t>
+            </a:r>
+          </a:p>
+          <a:p>
+            <a:pPr marL="0" indent="0">
+              <a:buNone/>
+            </a:pPr>
+            <a:r>
+              <a:rPr lang="en-US" sz="1200" dirty="0">
+                <a:solidFill>
+                  <a:srgbClr val="3F7F5F"/>
+                </a:solidFill>
+                <a:latin typeface="Consolas"/>
+              </a:rPr>
+              <a:t>//    TACTL &amp;= ~TAIFG;</a:t>
+            </a:r>
+          </a:p>
+          <a:p>
+            <a:pPr marL="0" indent="0">
+              <a:buNone/>
+            </a:pPr>
+            <a:r>
+              <a:rPr lang="en-US" sz="1200" dirty="0">
+                <a:solidFill>
+                  <a:srgbClr val="000000"/>
+                </a:solidFill>
+                <a:latin typeface="Consolas"/>
+              </a:rPr>
+              <a:t>}</a:t>
+            </a:r>
+          </a:p>
+          <a:p>
+            <a:pPr marL="57150" indent="0">
+              <a:buNone/>
+            </a:pPr>
+            <a:endParaRPr lang="en-US" sz="1200" dirty="0" smtClean="0">
               <a:solidFill>
                 <a:schemeClr val="accent2"/>
               </a:solidFill>
@@ -14419,7 +14988,7 @@
     </p:spTree>
     <p:extLst>
       <p:ext uri="{BB962C8B-B14F-4D97-AF65-F5344CB8AC3E}">
-        <p14:creationId xmlns:p14="http://schemas.microsoft.com/office/powerpoint/2010/main" val="684012099"/>
+        <p14:creationId xmlns:p14="http://schemas.microsoft.com/office/powerpoint/2010/main" val="1024480601"/>
       </p:ext>
     </p:extLst>
   </p:cSld>
@@ -14470,7 +15039,7 @@
           <a:p>
             <a:r>
               <a:rPr lang="en-US" b="1" dirty="0" smtClean="0"/>
-              <a:t>Lab Details</a:t>
+              <a:t>Lab Tips</a:t>
             </a:r>
             <a:endParaRPr lang="en-US" b="1" dirty="0"/>
           </a:p>
@@ -14500,8 +15069,115 @@
               <a:buNone/>
             </a:pPr>
             <a:r>
+              <a:rPr lang="en-US" sz="2000" b="1" dirty="0" smtClean="0"/>
+              <a:t>Drives like a tank?    How do you turn?</a:t>
+            </a:r>
+          </a:p>
+          <a:p>
+            <a:pPr marL="0" indent="0">
+              <a:buNone/>
+            </a:pPr>
+            <a:endParaRPr lang="en-US" sz="2000" b="1" dirty="0" smtClean="0"/>
+          </a:p>
+          <a:p>
+            <a:pPr marL="0" indent="0">
+              <a:buNone/>
+            </a:pPr>
+            <a:r>
               <a:rPr lang="en-US" sz="2000" b="1" dirty="0"/>
-              <a:t>http://ece.ninja/382/labs/lab6/index.html</a:t>
+              <a:t>Motor Driver Chip</a:t>
+            </a:r>
+          </a:p>
+          <a:p>
+            <a:r>
+              <a:rPr lang="en-US" sz="2000" dirty="0">
+                <a:solidFill>
+                  <a:schemeClr val="accent2"/>
+                </a:solidFill>
+              </a:rPr>
+              <a:t>You cannot hook your MSP430 directly up to the motors - it can't supply enough current! We need to use a motor driver chip instead. It can only supply 1A per circuit! Do not exceed that! </a:t>
+            </a:r>
+            <a:r>
+              <a:rPr lang="en-US" sz="2000" dirty="0">
+                <a:hlinkClick r:id="rId2"/>
+              </a:rPr>
+              <a:t>Check out the datasheet for wiring details</a:t>
+            </a:r>
+            <a:r>
+              <a:rPr lang="en-US" sz="2000" dirty="0" smtClean="0">
+                <a:hlinkClick r:id="rId2"/>
+              </a:rPr>
+              <a:t>.</a:t>
+            </a:r>
+            <a:r>
+              <a:rPr lang="en-US" sz="2000" dirty="0"/>
+              <a:t> </a:t>
+            </a:r>
+            <a:endParaRPr lang="en-US" sz="2000" dirty="0" smtClean="0"/>
+          </a:p>
+          <a:p>
+            <a:pPr lvl="1"/>
+            <a:r>
+              <a:rPr lang="en-US" sz="1600" dirty="0">
+                <a:hlinkClick r:id="rId3"/>
+              </a:rPr>
+              <a:t>http://</a:t>
+            </a:r>
+            <a:r>
+              <a:rPr lang="en-US" sz="1600" dirty="0" smtClean="0">
+                <a:hlinkClick r:id="rId3"/>
+              </a:rPr>
+              <a:t>ece.ninja/382/datasheets/SN754410.pdf</a:t>
+            </a:r>
+            <a:endParaRPr lang="en-US" sz="2000" dirty="0" smtClean="0"/>
+          </a:p>
+          <a:p>
+            <a:pPr marL="0" indent="0">
+              <a:buNone/>
+            </a:pPr>
+            <a:r>
+              <a:rPr lang="en-US" sz="2000" b="1" dirty="0" smtClean="0"/>
+              <a:t>Motor </a:t>
+            </a:r>
+            <a:r>
+              <a:rPr lang="en-US" sz="2000" b="1" dirty="0"/>
+              <a:t>Stall Current</a:t>
+            </a:r>
+          </a:p>
+          <a:p>
+            <a:r>
+              <a:rPr lang="en-US" sz="2000" dirty="0">
+                <a:solidFill>
+                  <a:schemeClr val="accent2"/>
+                </a:solidFill>
+              </a:rPr>
+              <a:t>This is the max current draw your motor might have - usually happens when it runs up against the wall or something. This better not exceed the 1A your motor driver chip can supply or you'll burn it!</a:t>
+            </a:r>
+          </a:p>
+          <a:p>
+            <a:r>
+              <a:rPr lang="en-US" sz="2000" i="1" dirty="0"/>
+              <a:t>[Show technique to measure stall current]</a:t>
+            </a:r>
+            <a:endParaRPr lang="en-US" sz="2000" dirty="0"/>
+          </a:p>
+          <a:p>
+            <a:r>
+              <a:rPr lang="en-US" sz="2000" dirty="0">
+                <a:solidFill>
+                  <a:schemeClr val="accent2"/>
+                </a:solidFill>
+              </a:rPr>
+              <a:t>On my robot, the stall current does not go below one amp until my motor is being driven at 8V or less - roughly 60% duty cycle. Exceed this at your own risk!</a:t>
+            </a:r>
+          </a:p>
+          <a:p>
+            <a:pPr marL="0" indent="0">
+              <a:buNone/>
+            </a:pPr>
+            <a:r>
+              <a:rPr lang="en-US" sz="2000" dirty="0"/>
+              <a:t>	</a:t>
             </a:r>
             <a:endParaRPr lang="en-US" sz="2000" dirty="0">
               <a:solidFill>
@@ -14514,7 +15190,7 @@
     </p:spTree>
     <p:extLst>
       <p:ext uri="{BB962C8B-B14F-4D97-AF65-F5344CB8AC3E}">
-        <p14:creationId xmlns:p14="http://schemas.microsoft.com/office/powerpoint/2010/main" val="1907260283"/>
+        <p14:creationId xmlns:p14="http://schemas.microsoft.com/office/powerpoint/2010/main" val="4265713799"/>
       </p:ext>
     </p:extLst>
   </p:cSld>
@@ -14563,7 +15239,11 @@
           <a:bodyPr/>
           <a:lstStyle/>
           <a:p>
-            <a:endParaRPr lang="en-US"/>
+            <a:r>
+              <a:rPr lang="en-US" b="1" dirty="0" smtClean="0"/>
+              <a:t>Lab Tips</a:t>
+            </a:r>
+            <a:endParaRPr lang="en-US" b="1" dirty="0"/>
           </a:p>
         </p:txBody>
       </p:sp>
@@ -14577,23 +15257,211 @@
             <p:ph idx="1"/>
           </p:nvPr>
         </p:nvSpPr>
-        <p:spPr/>
+        <p:spPr>
+          <a:xfrm>
+            <a:off x="348339" y="847679"/>
+            <a:ext cx="8083562" cy="5747330"/>
+          </a:xfrm>
+        </p:spPr>
         <p:txBody>
           <a:bodyPr/>
           <a:lstStyle/>
           <a:p>
-            <a:r>
-              <a:rPr lang="en-US" dirty="0" smtClean="0"/>
-              <a:t>Backup slides</a:t>
-            </a:r>
-            <a:endParaRPr lang="en-US" dirty="0"/>
+            <a:pPr marL="0" indent="0">
+              <a:buNone/>
+            </a:pPr>
+            <a:r>
+              <a:rPr lang="en-US" sz="2000" b="1" dirty="0" smtClean="0"/>
+              <a:t>Robot Guidance and Troubleshooting</a:t>
+            </a:r>
+            <a:endParaRPr lang="en-US" sz="2000" b="1" dirty="0"/>
+          </a:p>
+          <a:p>
+            <a:r>
+              <a:rPr lang="en-US" sz="2000" b="1" dirty="0">
+                <a:hlinkClick r:id="rId2"/>
+              </a:rPr>
+              <a:t>http://</a:t>
+            </a:r>
+            <a:r>
+              <a:rPr lang="en-US" sz="2000" b="1" dirty="0" smtClean="0">
+                <a:hlinkClick r:id="rId2"/>
+              </a:rPr>
+              <a:t>ece.ninja/382/datasheets/robot_guide.html</a:t>
+            </a:r>
+            <a:endParaRPr lang="en-US" sz="2000" dirty="0" smtClean="0"/>
+          </a:p>
+          <a:p>
+            <a:pPr marL="0" indent="0">
+              <a:buNone/>
+            </a:pPr>
+            <a:r>
+              <a:rPr lang="en-US" sz="2000" b="1" dirty="0" smtClean="0"/>
+              <a:t>MSP430 In-Circuit</a:t>
+            </a:r>
+          </a:p>
+          <a:p>
+            <a:r>
+              <a:rPr lang="en-US" sz="2000" b="1" dirty="0" smtClean="0"/>
+              <a:t>Supplying </a:t>
+            </a:r>
+            <a:r>
+              <a:rPr lang="en-US" sz="2000" b="1" dirty="0"/>
+              <a:t>Power</a:t>
+            </a:r>
+            <a:endParaRPr lang="en-US" sz="2000" dirty="0"/>
+          </a:p>
+          <a:p>
+            <a:pPr lvl="1"/>
+            <a:r>
+              <a:rPr lang="en-US" sz="1600" dirty="0">
+                <a:solidFill>
+                  <a:schemeClr val="accent2"/>
+                </a:solidFill>
+              </a:rPr>
+              <a:t>We have 3.3V regulators! Use them! If you try to give 5V to your MSP430, you will fry it! </a:t>
+            </a:r>
+            <a:r>
+              <a:rPr lang="en-US" sz="1600" dirty="0">
+                <a:hlinkClick r:id="rId3"/>
+              </a:rPr>
+              <a:t>Check out the datasheet for wiring details</a:t>
+            </a:r>
+            <a:r>
+              <a:rPr lang="en-US" sz="1600" dirty="0" smtClean="0">
+                <a:hlinkClick r:id="rId3"/>
+              </a:rPr>
+              <a:t>.</a:t>
+            </a:r>
+            <a:endParaRPr lang="en-US" sz="1600" dirty="0" smtClean="0"/>
+          </a:p>
+          <a:p>
+            <a:pPr lvl="1"/>
+            <a:r>
+              <a:rPr lang="en-US" sz="1600" dirty="0" smtClean="0">
+                <a:hlinkClick r:id="rId4"/>
+              </a:rPr>
+              <a:t>http://ece.ninja/382/datasheets/LD1117V33.pdf</a:t>
+            </a:r>
+            <a:endParaRPr lang="en-US" sz="1600" dirty="0" smtClean="0"/>
+          </a:p>
+          <a:p>
+            <a:r>
+              <a:rPr lang="en-US" sz="2000" b="1" dirty="0" smtClean="0"/>
+              <a:t>Wiring it up</a:t>
+            </a:r>
+            <a:endParaRPr lang="en-US" sz="2000" dirty="0"/>
+          </a:p>
+          <a:p>
+            <a:pPr lvl="1"/>
+            <a:r>
+              <a:rPr lang="en-US" sz="1600" dirty="0" smtClean="0">
+                <a:hlinkClick r:id="rId5"/>
+              </a:rPr>
+              <a:t>http://ece.ninja/382/datasheets/robot.html</a:t>
+            </a:r>
+            <a:endParaRPr lang="en-US" sz="1600" dirty="0" smtClean="0"/>
+          </a:p>
+          <a:p>
+            <a:r>
+              <a:rPr lang="en-US" sz="2000" b="1" dirty="0" smtClean="0"/>
+              <a:t>Programming</a:t>
+            </a:r>
+            <a:endParaRPr lang="en-US" sz="2000" dirty="0"/>
+          </a:p>
+          <a:p>
+            <a:pPr lvl="1"/>
+            <a:r>
+              <a:rPr lang="en-US" sz="1600" dirty="0">
+                <a:solidFill>
+                  <a:schemeClr val="accent2"/>
+                </a:solidFill>
+              </a:rPr>
+              <a:t>See the tutorial on the website! You can just jump the VCC / TEST / RESET signal over to the chip on the breadboard</a:t>
+            </a:r>
+            <a:r>
+              <a:rPr lang="en-US" sz="1600" dirty="0" smtClean="0">
+                <a:solidFill>
+                  <a:schemeClr val="accent2"/>
+                </a:solidFill>
+              </a:rPr>
+              <a:t>.</a:t>
+            </a:r>
+          </a:p>
+          <a:p>
+            <a:pPr lvl="1"/>
+            <a:r>
+              <a:rPr lang="en-US" sz="1600" dirty="0" smtClean="0">
+                <a:solidFill>
+                  <a:schemeClr val="accent2"/>
+                </a:solidFill>
+                <a:hlinkClick r:id="rId6"/>
+              </a:rPr>
+              <a:t>http://ece.ninja/382/datasheets/in_circuit_programming.html</a:t>
+            </a:r>
+            <a:endParaRPr lang="en-US" sz="1600" dirty="0" smtClean="0">
+              <a:solidFill>
+                <a:schemeClr val="accent2"/>
+              </a:solidFill>
+            </a:endParaRPr>
+          </a:p>
+          <a:p>
+            <a:pPr lvl="1"/>
+            <a:r>
+              <a:rPr lang="en-US" sz="1600" dirty="0" smtClean="0">
+                <a:solidFill>
+                  <a:schemeClr val="accent2"/>
+                </a:solidFill>
+                <a:hlinkClick r:id="rId7"/>
+              </a:rPr>
+              <a:t>http://ece.ninja/382/datasheets/standalone.html</a:t>
+            </a:r>
+            <a:endParaRPr lang="en-US" sz="1600" dirty="0">
+              <a:solidFill>
+                <a:schemeClr val="accent2"/>
+              </a:solidFill>
+            </a:endParaRPr>
+          </a:p>
+          <a:p>
+            <a:pPr marL="0" indent="0">
+              <a:buNone/>
+            </a:pPr>
+            <a:r>
+              <a:rPr lang="en-US" sz="2000" b="1" dirty="0" smtClean="0"/>
+              <a:t>Chip </a:t>
+            </a:r>
+            <a:r>
+              <a:rPr lang="en-US" sz="2000" b="1" dirty="0"/>
+              <a:t>Reset Due to Current Fluctuation</a:t>
+            </a:r>
+          </a:p>
+          <a:p>
+            <a:pPr lvl="1"/>
+            <a:r>
+              <a:rPr lang="en-US" sz="1600" dirty="0">
+                <a:solidFill>
+                  <a:schemeClr val="accent2"/>
+                </a:solidFill>
+              </a:rPr>
+              <a:t>If the motors draw a large amount of current (due to stall), there is a good chance it will interfere with the current provided to your MSP430. To combat this, you can put a large capacitor across the 5V rail (between power and ground). This will supplement the lost current and prevent your chip from being reset.</a:t>
+            </a:r>
+          </a:p>
+          <a:p>
+            <a:pPr marL="0" indent="0">
+              <a:buNone/>
+            </a:pPr>
+            <a:endParaRPr lang="en-US" sz="2000" dirty="0">
+              <a:solidFill>
+                <a:schemeClr val="accent2"/>
+              </a:solidFill>
+            </a:endParaRPr>
           </a:p>
         </p:txBody>
       </p:sp>
     </p:spTree>
     <p:extLst>
       <p:ext uri="{BB962C8B-B14F-4D97-AF65-F5344CB8AC3E}">
-        <p14:creationId xmlns:p14="http://schemas.microsoft.com/office/powerpoint/2010/main" val="3130095404"/>
+        <p14:creationId xmlns:p14="http://schemas.microsoft.com/office/powerpoint/2010/main" val="684012099"/>
       </p:ext>
     </p:extLst>
   </p:cSld>
@@ -14644,330 +15512,43 @@
           <a:p>
             <a:r>
               <a:rPr lang="en-US" b="1" dirty="0" smtClean="0"/>
-              <a:t>Timer  (</a:t>
-            </a:r>
-            <a:r>
-              <a:rPr lang="en-US" sz="2800" b="1" dirty="0" smtClean="0"/>
-              <a:t>p 355 User’s Guide</a:t>
-            </a:r>
-            <a:r>
-              <a:rPr lang="en-US" b="1" dirty="0" smtClean="0"/>
-              <a:t>)</a:t>
+              <a:t>Lab Details</a:t>
             </a:r>
             <a:endParaRPr lang="en-US" b="1" dirty="0"/>
-          </a:p>
-        </p:txBody>
-      </p:sp>
-      <p:pic>
-        <p:nvPicPr>
-          <p:cNvPr id="1026" name="Picture 2"/>
-          <p:cNvPicPr>
-            <a:picLocks noChangeAspect="1" noChangeArrowheads="1"/>
-          </p:cNvPicPr>
-          <p:nvPr/>
-        </p:nvPicPr>
-        <p:blipFill>
-          <a:blip r:embed="rId2">
-            <a:extLst>
-              <a:ext uri="{28A0092B-C50C-407E-A947-70E740481C1C}">
-                <a14:useLocalDpi xmlns:a14="http://schemas.microsoft.com/office/drawing/2010/main" val="0"/>
-              </a:ext>
-            </a:extLst>
-          </a:blip>
-          <a:srcRect/>
-          <a:stretch>
-            <a:fillRect/>
-          </a:stretch>
-        </p:blipFill>
-        <p:spPr bwMode="auto">
-          <a:xfrm>
-            <a:off x="1185863" y="661988"/>
-            <a:ext cx="7314290" cy="5976937"/>
-          </a:xfrm>
-          <a:prstGeom prst="rect">
-            <a:avLst/>
-          </a:prstGeom>
-          <a:noFill/>
-          <a:ln>
-            <a:noFill/>
-          </a:ln>
-          <a:extLst>
-            <a:ext uri="{909E8E84-426E-40DD-AFC4-6F175D3DCCD1}">
-              <a14:hiddenFill xmlns:a14="http://schemas.microsoft.com/office/drawing/2010/main">
-                <a:solidFill>
-                  <a:schemeClr val="accent1"/>
-                </a:solidFill>
-              </a14:hiddenFill>
-            </a:ext>
-            <a:ext uri="{91240B29-F687-4F45-9708-019B960494DF}">
-              <a14:hiddenLine xmlns:a14="http://schemas.microsoft.com/office/drawing/2010/main" w="9525">
-                <a:solidFill>
-                  <a:schemeClr val="tx1"/>
-                </a:solidFill>
-                <a:miter lim="800000"/>
-                <a:headEnd/>
-                <a:tailEnd/>
-              </a14:hiddenLine>
-            </a:ext>
-          </a:extLst>
-        </p:spPr>
-      </p:pic>
-      <p:sp>
-        <p:nvSpPr>
-          <p:cNvPr id="5" name="Rectangle 4"/>
-          <p:cNvSpPr/>
-          <p:nvPr/>
-        </p:nvSpPr>
-        <p:spPr bwMode="auto">
-          <a:xfrm>
-            <a:off x="1185863" y="661988"/>
-            <a:ext cx="3319462" cy="280987"/>
-          </a:xfrm>
-          <a:prstGeom prst="rect">
-            <a:avLst/>
-          </a:prstGeom>
-          <a:noFill/>
-          <a:ln w="9525" cap="flat" cmpd="sng" algn="ctr">
-            <a:solidFill>
-              <a:srgbClr val="FF0000"/>
-            </a:solidFill>
-            <a:prstDash val="solid"/>
-            <a:round/>
-            <a:headEnd type="none" w="med" len="med"/>
-            <a:tailEnd type="none" w="med" len="med"/>
-          </a:ln>
-          <a:effectLst/>
-        </p:spPr>
-        <p:txBody>
-          <a:bodyPr vert="horz" wrap="square" lIns="91440" tIns="45720" rIns="91440" bIns="45720" numCol="1" rtlCol="0" anchor="t" anchorCtr="0" compatLnSpc="1">
-            <a:prstTxWarp prst="textNoShape">
-              <a:avLst/>
-            </a:prstTxWarp>
-            <a:spAutoFit/>
-          </a:bodyPr>
-          <a:lstStyle/>
-          <a:p>
-            <a:pPr marL="0" marR="0" indent="0" algn="l" defTabSz="914400" rtl="0" eaLnBrk="1" fontAlgn="base" latinLnBrk="0" hangingPunct="1">
-              <a:lnSpc>
-                <a:spcPct val="100000"/>
-              </a:lnSpc>
-              <a:spcBef>
-                <a:spcPct val="50000"/>
-              </a:spcBef>
-              <a:spcAft>
-                <a:spcPct val="0"/>
-              </a:spcAft>
-              <a:buClrTx/>
-              <a:buSzTx/>
-              <a:buFontTx/>
-              <a:buNone/>
-              <a:tabLst/>
-            </a:pPr>
-            <a:endParaRPr kumimoji="0" lang="en-US" sz="2400" b="0" i="0" u="none" strike="noStrike" cap="none" normalizeH="0" baseline="0" smtClean="0">
-              <a:ln>
-                <a:noFill/>
-              </a:ln>
-              <a:solidFill>
-                <a:schemeClr val="tx1"/>
-              </a:solidFill>
-              <a:effectLst/>
-              <a:latin typeface="Times New Roman" pitchFamily="18" charset="0"/>
-              <a:sym typeface="Wingdings" pitchFamily="2" charset="2"/>
-            </a:endParaRPr>
           </a:p>
         </p:txBody>
       </p:sp>
       <p:sp>
         <p:nvSpPr>
-          <p:cNvPr id="7" name="Rectangle 6"/>
-          <p:cNvSpPr/>
-          <p:nvPr/>
+          <p:cNvPr id="3" name="Content Placeholder 2"/>
+          <p:cNvSpPr>
+            <a:spLocks noGrp="1"/>
+          </p:cNvSpPr>
+          <p:nvPr>
+            <p:ph idx="1"/>
+          </p:nvPr>
         </p:nvSpPr>
-        <p:spPr bwMode="auto">
+        <p:spPr>
           <a:xfrm>
-            <a:off x="7405688" y="1662113"/>
-            <a:ext cx="1004887" cy="509587"/>
+            <a:off x="348339" y="847679"/>
+            <a:ext cx="8083562" cy="5747330"/>
           </a:xfrm>
-          <a:prstGeom prst="rect">
-            <a:avLst/>
-          </a:prstGeom>
-          <a:noFill/>
-          <a:ln w="9525" cap="flat" cmpd="sng" algn="ctr">
-            <a:solidFill>
-              <a:srgbClr val="FF0000"/>
-            </a:solidFill>
-            <a:prstDash val="solid"/>
-            <a:round/>
-            <a:headEnd type="none" w="med" len="med"/>
-            <a:tailEnd type="none" w="med" len="med"/>
-          </a:ln>
-          <a:effectLst/>
         </p:spPr>
         <p:txBody>
-          <a:bodyPr vert="horz" wrap="square" lIns="91440" tIns="45720" rIns="91440" bIns="45720" numCol="1" rtlCol="0" anchor="t" anchorCtr="0" compatLnSpc="1">
-            <a:prstTxWarp prst="textNoShape">
-              <a:avLst/>
-            </a:prstTxWarp>
-            <a:spAutoFit/>
-          </a:bodyPr>
+          <a:bodyPr/>
           <a:lstStyle/>
           <a:p>
-            <a:pPr marL="0" marR="0" indent="0" algn="l" defTabSz="914400" rtl="0" eaLnBrk="1" fontAlgn="base" latinLnBrk="0" hangingPunct="1">
-              <a:lnSpc>
-                <a:spcPct val="100000"/>
-              </a:lnSpc>
-              <a:spcBef>
-                <a:spcPct val="50000"/>
-              </a:spcBef>
-              <a:spcAft>
-                <a:spcPct val="0"/>
-              </a:spcAft>
-              <a:buClrTx/>
-              <a:buSzTx/>
-              <a:buFontTx/>
-              <a:buNone/>
-              <a:tabLst/>
+            <a:pPr marL="0" indent="0">
+              <a:buNone/>
             </a:pPr>
-            <a:endParaRPr kumimoji="0" lang="en-US" sz="2400" b="0" i="0" u="none" strike="noStrike" cap="none" normalizeH="0" baseline="0" smtClean="0">
-              <a:ln>
-                <a:noFill/>
-              </a:ln>
+            <a:r>
+              <a:rPr lang="en-US" sz="2000" b="1" dirty="0"/>
+              <a:t>http://ece.ninja/382/labs/lab6/index.html</a:t>
+            </a:r>
+            <a:endParaRPr lang="en-US" sz="2000" dirty="0">
               <a:solidFill>
-                <a:schemeClr val="tx1"/>
+                <a:schemeClr val="accent2"/>
               </a:solidFill>
-              <a:effectLst/>
-              <a:latin typeface="Times New Roman" pitchFamily="18" charset="0"/>
-              <a:sym typeface="Wingdings" pitchFamily="2" charset="2"/>
-            </a:endParaRPr>
-          </a:p>
-        </p:txBody>
-      </p:sp>
-      <p:sp>
-        <p:nvSpPr>
-          <p:cNvPr id="8" name="Rectangle 7"/>
-          <p:cNvSpPr/>
-          <p:nvPr/>
-        </p:nvSpPr>
-        <p:spPr bwMode="auto">
-          <a:xfrm>
-            <a:off x="5643563" y="1647826"/>
-            <a:ext cx="1004887" cy="509587"/>
-          </a:xfrm>
-          <a:prstGeom prst="rect">
-            <a:avLst/>
-          </a:prstGeom>
-          <a:noFill/>
-          <a:ln w="9525" cap="flat" cmpd="sng" algn="ctr">
-            <a:solidFill>
-              <a:srgbClr val="FF0000"/>
-            </a:solidFill>
-            <a:prstDash val="solid"/>
-            <a:round/>
-            <a:headEnd type="none" w="med" len="med"/>
-            <a:tailEnd type="none" w="med" len="med"/>
-          </a:ln>
-          <a:effectLst/>
-        </p:spPr>
-        <p:txBody>
-          <a:bodyPr vert="horz" wrap="square" lIns="91440" tIns="45720" rIns="91440" bIns="45720" numCol="1" rtlCol="0" anchor="t" anchorCtr="0" compatLnSpc="1">
-            <a:prstTxWarp prst="textNoShape">
-              <a:avLst/>
-            </a:prstTxWarp>
-            <a:spAutoFit/>
-          </a:bodyPr>
-          <a:lstStyle/>
-          <a:p>
-            <a:pPr marL="0" marR="0" indent="0" algn="l" defTabSz="914400" rtl="0" eaLnBrk="1" fontAlgn="base" latinLnBrk="0" hangingPunct="1">
-              <a:lnSpc>
-                <a:spcPct val="100000"/>
-              </a:lnSpc>
-              <a:spcBef>
-                <a:spcPct val="50000"/>
-              </a:spcBef>
-              <a:spcAft>
-                <a:spcPct val="0"/>
-              </a:spcAft>
-              <a:buClrTx/>
-              <a:buSzTx/>
-              <a:buFontTx/>
-              <a:buNone/>
-              <a:tabLst/>
-            </a:pPr>
-            <a:endParaRPr kumimoji="0" lang="en-US" sz="2400" b="0" i="0" u="none" strike="noStrike" cap="none" normalizeH="0" baseline="0" smtClean="0">
-              <a:ln>
-                <a:noFill/>
-              </a:ln>
-              <a:solidFill>
-                <a:schemeClr val="tx1"/>
-              </a:solidFill>
-              <a:effectLst/>
-              <a:latin typeface="Times New Roman" pitchFamily="18" charset="0"/>
-              <a:sym typeface="Wingdings" pitchFamily="2" charset="2"/>
-            </a:endParaRPr>
-          </a:p>
-        </p:txBody>
-      </p:sp>
-      <p:sp>
-        <p:nvSpPr>
-          <p:cNvPr id="10" name="Rectangle 9"/>
-          <p:cNvSpPr/>
-          <p:nvPr/>
-        </p:nvSpPr>
-        <p:spPr bwMode="auto">
-          <a:xfrm>
-            <a:off x="1247775" y="4133851"/>
-            <a:ext cx="6924675" cy="904874"/>
-          </a:xfrm>
-          <a:prstGeom prst="rect">
-            <a:avLst/>
-          </a:prstGeom>
-          <a:noFill/>
-          <a:ln w="9525" cap="flat" cmpd="sng" algn="ctr">
-            <a:solidFill>
-              <a:srgbClr val="FF0000"/>
-            </a:solidFill>
-            <a:prstDash val="solid"/>
-            <a:round/>
-            <a:headEnd type="none" w="med" len="med"/>
-            <a:tailEnd type="none" w="med" len="med"/>
-          </a:ln>
-          <a:effectLst/>
-        </p:spPr>
-        <p:txBody>
-          <a:bodyPr vert="horz" wrap="square" lIns="91440" tIns="45720" rIns="91440" bIns="45720" numCol="1" rtlCol="0" anchor="t" anchorCtr="0" compatLnSpc="1">
-            <a:prstTxWarp prst="textNoShape">
-              <a:avLst/>
-            </a:prstTxWarp>
-            <a:spAutoFit/>
-          </a:bodyPr>
-          <a:lstStyle/>
-          <a:p>
-            <a:pPr marL="0" marR="0" indent="0" algn="l" defTabSz="914400" rtl="0" eaLnBrk="1" fontAlgn="base" latinLnBrk="0" hangingPunct="1">
-              <a:lnSpc>
-                <a:spcPct val="100000"/>
-              </a:lnSpc>
-              <a:spcBef>
-                <a:spcPct val="50000"/>
-              </a:spcBef>
-              <a:spcAft>
-                <a:spcPct val="0"/>
-              </a:spcAft>
-              <a:buClrTx/>
-              <a:buSzTx/>
-              <a:buFontTx/>
-              <a:buNone/>
-              <a:tabLst/>
-            </a:pPr>
-            <a:endParaRPr kumimoji="0" lang="en-US" sz="2400" b="0" i="0" u="none" strike="noStrike" cap="none" normalizeH="0" baseline="0" smtClean="0">
-              <a:ln>
-                <a:noFill/>
-              </a:ln>
-              <a:solidFill>
-                <a:schemeClr val="tx1"/>
-              </a:solidFill>
-              <a:effectLst/>
-              <a:latin typeface="Times New Roman" pitchFamily="18" charset="0"/>
-              <a:sym typeface="Wingdings" pitchFamily="2" charset="2"/>
             </a:endParaRPr>
           </a:p>
         </p:txBody>
@@ -14975,7 +15556,7 @@
     </p:spTree>
     <p:extLst>
       <p:ext uri="{BB962C8B-B14F-4D97-AF65-F5344CB8AC3E}">
-        <p14:creationId xmlns:p14="http://schemas.microsoft.com/office/powerpoint/2010/main" val="3907356131"/>
+        <p14:creationId xmlns:p14="http://schemas.microsoft.com/office/powerpoint/2010/main" val="1907260283"/>
       </p:ext>
     </p:extLst>
   </p:cSld>
@@ -15024,11 +15605,7 @@
           <a:bodyPr/>
           <a:lstStyle/>
           <a:p>
-            <a:r>
-              <a:rPr lang="en-US" b="1" dirty="0" smtClean="0"/>
-              <a:t>Multiplexing</a:t>
-            </a:r>
-            <a:endParaRPr lang="en-US" dirty="0"/>
+            <a:endParaRPr lang="en-US"/>
           </a:p>
         </p:txBody>
       </p:sp>
@@ -15042,163 +15619,23 @@
             <p:ph idx="1"/>
           </p:nvPr>
         </p:nvSpPr>
-        <p:spPr>
-          <a:xfrm>
-            <a:off x="395177" y="669852"/>
-            <a:ext cx="8493642" cy="4724400"/>
-          </a:xfrm>
-        </p:spPr>
+        <p:spPr/>
         <p:txBody>
           <a:bodyPr/>
           <a:lstStyle/>
           <a:p>
             <a:r>
-              <a:rPr lang="en-US" sz="2000" dirty="0" smtClean="0">
-                <a:solidFill>
-                  <a:schemeClr val="accent2"/>
-                </a:solidFill>
-              </a:rPr>
-              <a:t>Only 20 Pins !!! But want access to many more signals</a:t>
-            </a:r>
-          </a:p>
-          <a:p>
-            <a:pPr lvl="1"/>
-            <a:r>
-              <a:rPr lang="en-US" sz="1600" dirty="0" smtClean="0"/>
-              <a:t>Therefore, each pin shares several signals </a:t>
-            </a:r>
-            <a:r>
-              <a:rPr lang="en-US" sz="1600" dirty="0" smtClean="0">
-                <a:sym typeface="Wingdings" pitchFamily="2" charset="2"/>
-              </a:rPr>
-              <a:t> multiplexing</a:t>
-            </a:r>
-            <a:endParaRPr lang="en-US" sz="1600" dirty="0" smtClean="0"/>
-          </a:p>
-          <a:p>
-            <a:endParaRPr lang="en-US" sz="2000" dirty="0" smtClean="0">
-              <a:solidFill>
-                <a:schemeClr val="accent2"/>
-              </a:solidFill>
-            </a:endParaRPr>
-          </a:p>
-          <a:p>
-            <a:endParaRPr lang="en-US" sz="2000" dirty="0">
-              <a:solidFill>
-                <a:schemeClr val="accent2"/>
-              </a:solidFill>
-            </a:endParaRPr>
-          </a:p>
-          <a:p>
-            <a:endParaRPr lang="en-US" sz="2000" dirty="0" smtClean="0">
-              <a:solidFill>
-                <a:schemeClr val="accent2"/>
-              </a:solidFill>
-            </a:endParaRPr>
-          </a:p>
-          <a:p>
-            <a:endParaRPr lang="en-US" sz="2000" dirty="0">
-              <a:solidFill>
-                <a:schemeClr val="accent2"/>
-              </a:solidFill>
-            </a:endParaRPr>
-          </a:p>
-          <a:p>
-            <a:endParaRPr lang="en-US" sz="2000" dirty="0" smtClean="0">
-              <a:solidFill>
-                <a:schemeClr val="accent2"/>
-              </a:solidFill>
-            </a:endParaRPr>
-          </a:p>
-          <a:p>
-            <a:endParaRPr lang="en-US" sz="2000" dirty="0" smtClean="0">
-              <a:solidFill>
-                <a:schemeClr val="accent2"/>
-              </a:solidFill>
-            </a:endParaRPr>
-          </a:p>
-          <a:p>
-            <a:endParaRPr lang="en-US" sz="2000" dirty="0">
-              <a:solidFill>
-                <a:schemeClr val="accent2"/>
-              </a:solidFill>
-            </a:endParaRPr>
-          </a:p>
-          <a:p>
-            <a:r>
-              <a:rPr lang="en-US" sz="2000" dirty="0" smtClean="0">
-                <a:solidFill>
-                  <a:schemeClr val="accent2"/>
-                </a:solidFill>
-              </a:rPr>
-              <a:t>Use PxSEL1 and PxSEL2 to select signal for each pin</a:t>
-            </a:r>
-          </a:p>
-          <a:p>
-            <a:pPr lvl="1"/>
-            <a:r>
-              <a:rPr lang="en-US" sz="2000" dirty="0"/>
-              <a:t>The details are in the </a:t>
-            </a:r>
-            <a:r>
-              <a:rPr lang="en-US" sz="2000" dirty="0">
-                <a:hlinkClick r:id="rId2" action="ppaction://hlinkfile"/>
-              </a:rPr>
-              <a:t>MSP430G2x53 2x13 Mixed Signal MCU Datasheet</a:t>
-            </a:r>
-            <a:r>
-              <a:rPr lang="en-US" sz="2000" dirty="0"/>
-              <a:t>.</a:t>
-            </a:r>
-            <a:endParaRPr lang="en-US" sz="1600" dirty="0"/>
+              <a:rPr lang="en-US" dirty="0" smtClean="0"/>
+              <a:t>Backup slides</a:t>
+            </a:r>
+            <a:endParaRPr lang="en-US" dirty="0"/>
           </a:p>
         </p:txBody>
       </p:sp>
-      <p:pic>
-        <p:nvPicPr>
-          <p:cNvPr id="4" name="Picture 2" descr="MSP430G2553 Pinout"/>
-          <p:cNvPicPr>
-            <a:picLocks noChangeAspect="1" noChangeArrowheads="1"/>
-          </p:cNvPicPr>
-          <p:nvPr/>
-        </p:nvPicPr>
-        <p:blipFill>
-          <a:blip r:embed="rId3">
-            <a:extLst>
-              <a:ext uri="{28A0092B-C50C-407E-A947-70E740481C1C}">
-                <a14:useLocalDpi xmlns:a14="http://schemas.microsoft.com/office/drawing/2010/main" val="0"/>
-              </a:ext>
-            </a:extLst>
-          </a:blip>
-          <a:srcRect/>
-          <a:stretch>
-            <a:fillRect/>
-          </a:stretch>
-        </p:blipFill>
-        <p:spPr bwMode="auto">
-          <a:xfrm>
-            <a:off x="1121224" y="1334418"/>
-            <a:ext cx="6543675" cy="2381250"/>
-          </a:xfrm>
-          <a:prstGeom prst="rect">
-            <a:avLst/>
-          </a:prstGeom>
-          <a:noFill/>
-          <a:extLst>
-            <a:ext uri="{909E8E84-426E-40DD-AFC4-6F175D3DCCD1}">
-              <a14:hiddenFill xmlns:a14="http://schemas.microsoft.com/office/drawing/2010/main">
-                <a:solidFill>
-                  <a:srgbClr val="FFFFFF"/>
-                </a:solidFill>
-              </a14:hiddenFill>
-            </a:ext>
-          </a:extLst>
-        </p:spPr>
-      </p:pic>
     </p:spTree>
     <p:extLst>
       <p:ext uri="{BB962C8B-B14F-4D97-AF65-F5344CB8AC3E}">
-        <p14:creationId xmlns:p14="http://schemas.microsoft.com/office/powerpoint/2010/main" val="4012474465"/>
+        <p14:creationId xmlns:p14="http://schemas.microsoft.com/office/powerpoint/2010/main" val="3130095404"/>
       </p:ext>
     </p:extLst>
   </p:cSld>
@@ -15249,6 +15686,611 @@
           <a:p>
             <a:r>
               <a:rPr lang="en-US" b="1" dirty="0" smtClean="0"/>
+              <a:t>Timer  (</a:t>
+            </a:r>
+            <a:r>
+              <a:rPr lang="en-US" sz="2800" b="1" dirty="0" smtClean="0"/>
+              <a:t>p 355 User’s Guide</a:t>
+            </a:r>
+            <a:r>
+              <a:rPr lang="en-US" b="1" dirty="0" smtClean="0"/>
+              <a:t>)</a:t>
+            </a:r>
+            <a:endParaRPr lang="en-US" b="1" dirty="0"/>
+          </a:p>
+        </p:txBody>
+      </p:sp>
+      <p:pic>
+        <p:nvPicPr>
+          <p:cNvPr id="1026" name="Picture 2"/>
+          <p:cNvPicPr>
+            <a:picLocks noChangeAspect="1" noChangeArrowheads="1"/>
+          </p:cNvPicPr>
+          <p:nvPr/>
+        </p:nvPicPr>
+        <p:blipFill>
+          <a:blip r:embed="rId2">
+            <a:extLst>
+              <a:ext uri="{28A0092B-C50C-407E-A947-70E740481C1C}">
+                <a14:useLocalDpi xmlns:a14="http://schemas.microsoft.com/office/drawing/2010/main" val="0"/>
+              </a:ext>
+            </a:extLst>
+          </a:blip>
+          <a:srcRect/>
+          <a:stretch>
+            <a:fillRect/>
+          </a:stretch>
+        </p:blipFill>
+        <p:spPr bwMode="auto">
+          <a:xfrm>
+            <a:off x="1185863" y="661988"/>
+            <a:ext cx="7314290" cy="5976937"/>
+          </a:xfrm>
+          <a:prstGeom prst="rect">
+            <a:avLst/>
+          </a:prstGeom>
+          <a:noFill/>
+          <a:ln>
+            <a:noFill/>
+          </a:ln>
+          <a:extLst>
+            <a:ext uri="{909E8E84-426E-40DD-AFC4-6F175D3DCCD1}">
+              <a14:hiddenFill xmlns:a14="http://schemas.microsoft.com/office/drawing/2010/main">
+                <a:solidFill>
+                  <a:schemeClr val="accent1"/>
+                </a:solidFill>
+              </a14:hiddenFill>
+            </a:ext>
+            <a:ext uri="{91240B29-F687-4F45-9708-019B960494DF}">
+              <a14:hiddenLine xmlns:a14="http://schemas.microsoft.com/office/drawing/2010/main" w="9525">
+                <a:solidFill>
+                  <a:schemeClr val="tx1"/>
+                </a:solidFill>
+                <a:miter lim="800000"/>
+                <a:headEnd/>
+                <a:tailEnd/>
+              </a14:hiddenLine>
+            </a:ext>
+          </a:extLst>
+        </p:spPr>
+      </p:pic>
+      <p:sp>
+        <p:nvSpPr>
+          <p:cNvPr id="5" name="Rectangle 4"/>
+          <p:cNvSpPr/>
+          <p:nvPr/>
+        </p:nvSpPr>
+        <p:spPr bwMode="auto">
+          <a:xfrm>
+            <a:off x="1185863" y="661988"/>
+            <a:ext cx="3319462" cy="280987"/>
+          </a:xfrm>
+          <a:prstGeom prst="rect">
+            <a:avLst/>
+          </a:prstGeom>
+          <a:noFill/>
+          <a:ln w="9525" cap="flat" cmpd="sng" algn="ctr">
+            <a:solidFill>
+              <a:srgbClr val="FF0000"/>
+            </a:solidFill>
+            <a:prstDash val="solid"/>
+            <a:round/>
+            <a:headEnd type="none" w="med" len="med"/>
+            <a:tailEnd type="none" w="med" len="med"/>
+          </a:ln>
+          <a:effectLst/>
+        </p:spPr>
+        <p:txBody>
+          <a:bodyPr vert="horz" wrap="square" lIns="91440" tIns="45720" rIns="91440" bIns="45720" numCol="1" rtlCol="0" anchor="t" anchorCtr="0" compatLnSpc="1">
+            <a:prstTxWarp prst="textNoShape">
+              <a:avLst/>
+            </a:prstTxWarp>
+            <a:spAutoFit/>
+          </a:bodyPr>
+          <a:lstStyle/>
+          <a:p>
+            <a:pPr marL="0" marR="0" indent="0" algn="l" defTabSz="914400" rtl="0" eaLnBrk="1" fontAlgn="base" latinLnBrk="0" hangingPunct="1">
+              <a:lnSpc>
+                <a:spcPct val="100000"/>
+              </a:lnSpc>
+              <a:spcBef>
+                <a:spcPct val="50000"/>
+              </a:spcBef>
+              <a:spcAft>
+                <a:spcPct val="0"/>
+              </a:spcAft>
+              <a:buClrTx/>
+              <a:buSzTx/>
+              <a:buFontTx/>
+              <a:buNone/>
+              <a:tabLst/>
+            </a:pPr>
+            <a:endParaRPr kumimoji="0" lang="en-US" sz="2400" b="0" i="0" u="none" strike="noStrike" cap="none" normalizeH="0" baseline="0" smtClean="0">
+              <a:ln>
+                <a:noFill/>
+              </a:ln>
+              <a:solidFill>
+                <a:schemeClr val="tx1"/>
+              </a:solidFill>
+              <a:effectLst/>
+              <a:latin typeface="Times New Roman" pitchFamily="18" charset="0"/>
+              <a:sym typeface="Wingdings" pitchFamily="2" charset="2"/>
+            </a:endParaRPr>
+          </a:p>
+        </p:txBody>
+      </p:sp>
+      <p:sp>
+        <p:nvSpPr>
+          <p:cNvPr id="7" name="Rectangle 6"/>
+          <p:cNvSpPr/>
+          <p:nvPr/>
+        </p:nvSpPr>
+        <p:spPr bwMode="auto">
+          <a:xfrm>
+            <a:off x="7405688" y="1662113"/>
+            <a:ext cx="1004887" cy="509587"/>
+          </a:xfrm>
+          <a:prstGeom prst="rect">
+            <a:avLst/>
+          </a:prstGeom>
+          <a:noFill/>
+          <a:ln w="9525" cap="flat" cmpd="sng" algn="ctr">
+            <a:solidFill>
+              <a:srgbClr val="FF0000"/>
+            </a:solidFill>
+            <a:prstDash val="solid"/>
+            <a:round/>
+            <a:headEnd type="none" w="med" len="med"/>
+            <a:tailEnd type="none" w="med" len="med"/>
+          </a:ln>
+          <a:effectLst/>
+        </p:spPr>
+        <p:txBody>
+          <a:bodyPr vert="horz" wrap="square" lIns="91440" tIns="45720" rIns="91440" bIns="45720" numCol="1" rtlCol="0" anchor="t" anchorCtr="0" compatLnSpc="1">
+            <a:prstTxWarp prst="textNoShape">
+              <a:avLst/>
+            </a:prstTxWarp>
+            <a:spAutoFit/>
+          </a:bodyPr>
+          <a:lstStyle/>
+          <a:p>
+            <a:pPr marL="0" marR="0" indent="0" algn="l" defTabSz="914400" rtl="0" eaLnBrk="1" fontAlgn="base" latinLnBrk="0" hangingPunct="1">
+              <a:lnSpc>
+                <a:spcPct val="100000"/>
+              </a:lnSpc>
+              <a:spcBef>
+                <a:spcPct val="50000"/>
+              </a:spcBef>
+              <a:spcAft>
+                <a:spcPct val="0"/>
+              </a:spcAft>
+              <a:buClrTx/>
+              <a:buSzTx/>
+              <a:buFontTx/>
+              <a:buNone/>
+              <a:tabLst/>
+            </a:pPr>
+            <a:endParaRPr kumimoji="0" lang="en-US" sz="2400" b="0" i="0" u="none" strike="noStrike" cap="none" normalizeH="0" baseline="0" smtClean="0">
+              <a:ln>
+                <a:noFill/>
+              </a:ln>
+              <a:solidFill>
+                <a:schemeClr val="tx1"/>
+              </a:solidFill>
+              <a:effectLst/>
+              <a:latin typeface="Times New Roman" pitchFamily="18" charset="0"/>
+              <a:sym typeface="Wingdings" pitchFamily="2" charset="2"/>
+            </a:endParaRPr>
+          </a:p>
+        </p:txBody>
+      </p:sp>
+      <p:sp>
+        <p:nvSpPr>
+          <p:cNvPr id="8" name="Rectangle 7"/>
+          <p:cNvSpPr/>
+          <p:nvPr/>
+        </p:nvSpPr>
+        <p:spPr bwMode="auto">
+          <a:xfrm>
+            <a:off x="5643563" y="1647826"/>
+            <a:ext cx="1004887" cy="509587"/>
+          </a:xfrm>
+          <a:prstGeom prst="rect">
+            <a:avLst/>
+          </a:prstGeom>
+          <a:noFill/>
+          <a:ln w="9525" cap="flat" cmpd="sng" algn="ctr">
+            <a:solidFill>
+              <a:srgbClr val="FF0000"/>
+            </a:solidFill>
+            <a:prstDash val="solid"/>
+            <a:round/>
+            <a:headEnd type="none" w="med" len="med"/>
+            <a:tailEnd type="none" w="med" len="med"/>
+          </a:ln>
+          <a:effectLst/>
+        </p:spPr>
+        <p:txBody>
+          <a:bodyPr vert="horz" wrap="square" lIns="91440" tIns="45720" rIns="91440" bIns="45720" numCol="1" rtlCol="0" anchor="t" anchorCtr="0" compatLnSpc="1">
+            <a:prstTxWarp prst="textNoShape">
+              <a:avLst/>
+            </a:prstTxWarp>
+            <a:spAutoFit/>
+          </a:bodyPr>
+          <a:lstStyle/>
+          <a:p>
+            <a:pPr marL="0" marR="0" indent="0" algn="l" defTabSz="914400" rtl="0" eaLnBrk="1" fontAlgn="base" latinLnBrk="0" hangingPunct="1">
+              <a:lnSpc>
+                <a:spcPct val="100000"/>
+              </a:lnSpc>
+              <a:spcBef>
+                <a:spcPct val="50000"/>
+              </a:spcBef>
+              <a:spcAft>
+                <a:spcPct val="0"/>
+              </a:spcAft>
+              <a:buClrTx/>
+              <a:buSzTx/>
+              <a:buFontTx/>
+              <a:buNone/>
+              <a:tabLst/>
+            </a:pPr>
+            <a:endParaRPr kumimoji="0" lang="en-US" sz="2400" b="0" i="0" u="none" strike="noStrike" cap="none" normalizeH="0" baseline="0" smtClean="0">
+              <a:ln>
+                <a:noFill/>
+              </a:ln>
+              <a:solidFill>
+                <a:schemeClr val="tx1"/>
+              </a:solidFill>
+              <a:effectLst/>
+              <a:latin typeface="Times New Roman" pitchFamily="18" charset="0"/>
+              <a:sym typeface="Wingdings" pitchFamily="2" charset="2"/>
+            </a:endParaRPr>
+          </a:p>
+        </p:txBody>
+      </p:sp>
+      <p:sp>
+        <p:nvSpPr>
+          <p:cNvPr id="10" name="Rectangle 9"/>
+          <p:cNvSpPr/>
+          <p:nvPr/>
+        </p:nvSpPr>
+        <p:spPr bwMode="auto">
+          <a:xfrm>
+            <a:off x="1247775" y="4133851"/>
+            <a:ext cx="6924675" cy="904874"/>
+          </a:xfrm>
+          <a:prstGeom prst="rect">
+            <a:avLst/>
+          </a:prstGeom>
+          <a:noFill/>
+          <a:ln w="9525" cap="flat" cmpd="sng" algn="ctr">
+            <a:solidFill>
+              <a:srgbClr val="FF0000"/>
+            </a:solidFill>
+            <a:prstDash val="solid"/>
+            <a:round/>
+            <a:headEnd type="none" w="med" len="med"/>
+            <a:tailEnd type="none" w="med" len="med"/>
+          </a:ln>
+          <a:effectLst/>
+        </p:spPr>
+        <p:txBody>
+          <a:bodyPr vert="horz" wrap="square" lIns="91440" tIns="45720" rIns="91440" bIns="45720" numCol="1" rtlCol="0" anchor="t" anchorCtr="0" compatLnSpc="1">
+            <a:prstTxWarp prst="textNoShape">
+              <a:avLst/>
+            </a:prstTxWarp>
+            <a:spAutoFit/>
+          </a:bodyPr>
+          <a:lstStyle/>
+          <a:p>
+            <a:pPr marL="0" marR="0" indent="0" algn="l" defTabSz="914400" rtl="0" eaLnBrk="1" fontAlgn="base" latinLnBrk="0" hangingPunct="1">
+              <a:lnSpc>
+                <a:spcPct val="100000"/>
+              </a:lnSpc>
+              <a:spcBef>
+                <a:spcPct val="50000"/>
+              </a:spcBef>
+              <a:spcAft>
+                <a:spcPct val="0"/>
+              </a:spcAft>
+              <a:buClrTx/>
+              <a:buSzTx/>
+              <a:buFontTx/>
+              <a:buNone/>
+              <a:tabLst/>
+            </a:pPr>
+            <a:endParaRPr kumimoji="0" lang="en-US" sz="2400" b="0" i="0" u="none" strike="noStrike" cap="none" normalizeH="0" baseline="0" smtClean="0">
+              <a:ln>
+                <a:noFill/>
+              </a:ln>
+              <a:solidFill>
+                <a:schemeClr val="tx1"/>
+              </a:solidFill>
+              <a:effectLst/>
+              <a:latin typeface="Times New Roman" pitchFamily="18" charset="0"/>
+              <a:sym typeface="Wingdings" pitchFamily="2" charset="2"/>
+            </a:endParaRPr>
+          </a:p>
+        </p:txBody>
+      </p:sp>
+    </p:spTree>
+    <p:extLst>
+      <p:ext uri="{BB962C8B-B14F-4D97-AF65-F5344CB8AC3E}">
+        <p14:creationId xmlns:p14="http://schemas.microsoft.com/office/powerpoint/2010/main" val="3907356131"/>
+      </p:ext>
+    </p:extLst>
+  </p:cSld>
+  <p:clrMapOvr>
+    <a:masterClrMapping/>
+  </p:clrMapOvr>
+  <p:timing>
+    <p:tnLst>
+      <p:par>
+        <p:cTn id="1" dur="indefinite" restart="never" nodeType="tmRoot"/>
+      </p:par>
+    </p:tnLst>
+  </p:timing>
+</p:sld>
+</file>
+
+<file path=ppt/slides/slide36.xml><?xml version="1.0" encoding="utf-8"?>
+<p:sld xmlns:a="http://schemas.openxmlformats.org/drawingml/2006/main" xmlns:r="http://schemas.openxmlformats.org/officeDocument/2006/relationships" xmlns:p="http://schemas.openxmlformats.org/presentationml/2006/main">
+  <p:cSld>
+    <p:spTree>
+      <p:nvGrpSpPr>
+        <p:cNvPr id="1" name=""/>
+        <p:cNvGrpSpPr/>
+        <p:nvPr/>
+      </p:nvGrpSpPr>
+      <p:grpSpPr>
+        <a:xfrm>
+          <a:off x="0" y="0"/>
+          <a:ext cx="0" cy="0"/>
+          <a:chOff x="0" y="0"/>
+          <a:chExt cx="0" cy="0"/>
+        </a:xfrm>
+      </p:grpSpPr>
+      <p:sp>
+        <p:nvSpPr>
+          <p:cNvPr id="2" name="Title 1"/>
+          <p:cNvSpPr>
+            <a:spLocks noGrp="1"/>
+          </p:cNvSpPr>
+          <p:nvPr>
+            <p:ph type="title"/>
+          </p:nvPr>
+        </p:nvSpPr>
+        <p:spPr/>
+        <p:txBody>
+          <a:bodyPr/>
+          <a:lstStyle/>
+          <a:p>
+            <a:r>
+              <a:rPr lang="en-US" b="1" dirty="0" smtClean="0"/>
+              <a:t>Multiplexing</a:t>
+            </a:r>
+            <a:endParaRPr lang="en-US" dirty="0"/>
+          </a:p>
+        </p:txBody>
+      </p:sp>
+      <p:sp>
+        <p:nvSpPr>
+          <p:cNvPr id="3" name="Content Placeholder 2"/>
+          <p:cNvSpPr>
+            <a:spLocks noGrp="1"/>
+          </p:cNvSpPr>
+          <p:nvPr>
+            <p:ph idx="1"/>
+          </p:nvPr>
+        </p:nvSpPr>
+        <p:spPr>
+          <a:xfrm>
+            <a:off x="395177" y="669852"/>
+            <a:ext cx="8493642" cy="4724400"/>
+          </a:xfrm>
+        </p:spPr>
+        <p:txBody>
+          <a:bodyPr/>
+          <a:lstStyle/>
+          <a:p>
+            <a:r>
+              <a:rPr lang="en-US" sz="2000" dirty="0" smtClean="0">
+                <a:solidFill>
+                  <a:schemeClr val="accent2"/>
+                </a:solidFill>
+              </a:rPr>
+              <a:t>Only 20 Pins !!! But want access to many more signals</a:t>
+            </a:r>
+          </a:p>
+          <a:p>
+            <a:pPr lvl="1"/>
+            <a:r>
+              <a:rPr lang="en-US" sz="1600" dirty="0" smtClean="0"/>
+              <a:t>Therefore, each pin shares several signals </a:t>
+            </a:r>
+            <a:r>
+              <a:rPr lang="en-US" sz="1600" dirty="0" smtClean="0">
+                <a:sym typeface="Wingdings" pitchFamily="2" charset="2"/>
+              </a:rPr>
+              <a:t> multiplexing</a:t>
+            </a:r>
+            <a:endParaRPr lang="en-US" sz="1600" dirty="0" smtClean="0"/>
+          </a:p>
+          <a:p>
+            <a:endParaRPr lang="en-US" sz="2000" dirty="0" smtClean="0">
+              <a:solidFill>
+                <a:schemeClr val="accent2"/>
+              </a:solidFill>
+            </a:endParaRPr>
+          </a:p>
+          <a:p>
+            <a:endParaRPr lang="en-US" sz="2000" dirty="0">
+              <a:solidFill>
+                <a:schemeClr val="accent2"/>
+              </a:solidFill>
+            </a:endParaRPr>
+          </a:p>
+          <a:p>
+            <a:endParaRPr lang="en-US" sz="2000" dirty="0" smtClean="0">
+              <a:solidFill>
+                <a:schemeClr val="accent2"/>
+              </a:solidFill>
+            </a:endParaRPr>
+          </a:p>
+          <a:p>
+            <a:endParaRPr lang="en-US" sz="2000" dirty="0">
+              <a:solidFill>
+                <a:schemeClr val="accent2"/>
+              </a:solidFill>
+            </a:endParaRPr>
+          </a:p>
+          <a:p>
+            <a:endParaRPr lang="en-US" sz="2000" dirty="0" smtClean="0">
+              <a:solidFill>
+                <a:schemeClr val="accent2"/>
+              </a:solidFill>
+            </a:endParaRPr>
+          </a:p>
+          <a:p>
+            <a:endParaRPr lang="en-US" sz="2000" dirty="0" smtClean="0">
+              <a:solidFill>
+                <a:schemeClr val="accent2"/>
+              </a:solidFill>
+            </a:endParaRPr>
+          </a:p>
+          <a:p>
+            <a:endParaRPr lang="en-US" sz="2000" dirty="0">
+              <a:solidFill>
+                <a:schemeClr val="accent2"/>
+              </a:solidFill>
+            </a:endParaRPr>
+          </a:p>
+          <a:p>
+            <a:r>
+              <a:rPr lang="en-US" sz="2000" dirty="0" smtClean="0">
+                <a:solidFill>
+                  <a:schemeClr val="accent2"/>
+                </a:solidFill>
+              </a:rPr>
+              <a:t>Use PxSEL1 and PxSEL2 to select signal for each pin</a:t>
+            </a:r>
+          </a:p>
+          <a:p>
+            <a:pPr lvl="1"/>
+            <a:r>
+              <a:rPr lang="en-US" sz="2000" dirty="0"/>
+              <a:t>The details are in the </a:t>
+            </a:r>
+            <a:r>
+              <a:rPr lang="en-US" sz="2000" dirty="0">
+                <a:hlinkClick r:id="rId2" action="ppaction://hlinkfile"/>
+              </a:rPr>
+              <a:t>MSP430G2x53 2x13 Mixed Signal MCU Datasheet</a:t>
+            </a:r>
+            <a:r>
+              <a:rPr lang="en-US" sz="2000" dirty="0"/>
+              <a:t>.</a:t>
+            </a:r>
+            <a:endParaRPr lang="en-US" sz="1600" dirty="0"/>
+          </a:p>
+        </p:txBody>
+      </p:sp>
+      <p:pic>
+        <p:nvPicPr>
+          <p:cNvPr id="4" name="Picture 2" descr="MSP430G2553 Pinout"/>
+          <p:cNvPicPr>
+            <a:picLocks noChangeAspect="1" noChangeArrowheads="1"/>
+          </p:cNvPicPr>
+          <p:nvPr/>
+        </p:nvPicPr>
+        <p:blipFill>
+          <a:blip r:embed="rId3">
+            <a:extLst>
+              <a:ext uri="{28A0092B-C50C-407E-A947-70E740481C1C}">
+                <a14:useLocalDpi xmlns:a14="http://schemas.microsoft.com/office/drawing/2010/main" val="0"/>
+              </a:ext>
+            </a:extLst>
+          </a:blip>
+          <a:srcRect/>
+          <a:stretch>
+            <a:fillRect/>
+          </a:stretch>
+        </p:blipFill>
+        <p:spPr bwMode="auto">
+          <a:xfrm>
+            <a:off x="1121224" y="1334418"/>
+            <a:ext cx="6543675" cy="2381250"/>
+          </a:xfrm>
+          <a:prstGeom prst="rect">
+            <a:avLst/>
+          </a:prstGeom>
+          <a:noFill/>
+          <a:extLst>
+            <a:ext uri="{909E8E84-426E-40DD-AFC4-6F175D3DCCD1}">
+              <a14:hiddenFill xmlns:a14="http://schemas.microsoft.com/office/drawing/2010/main">
+                <a:solidFill>
+                  <a:srgbClr val="FFFFFF"/>
+                </a:solidFill>
+              </a14:hiddenFill>
+            </a:ext>
+          </a:extLst>
+        </p:spPr>
+      </p:pic>
+    </p:spTree>
+    <p:extLst>
+      <p:ext uri="{BB962C8B-B14F-4D97-AF65-F5344CB8AC3E}">
+        <p14:creationId xmlns:p14="http://schemas.microsoft.com/office/powerpoint/2010/main" val="4012474465"/>
+      </p:ext>
+    </p:extLst>
+  </p:cSld>
+  <p:clrMapOvr>
+    <a:masterClrMapping/>
+  </p:clrMapOvr>
+  <p:timing>
+    <p:tnLst>
+      <p:par>
+        <p:cTn id="1" dur="indefinite" restart="never" nodeType="tmRoot"/>
+      </p:par>
+    </p:tnLst>
+  </p:timing>
+</p:sld>
+</file>
+
+<file path=ppt/slides/slide37.xml><?xml version="1.0" encoding="utf-8"?>
+<p:sld xmlns:a="http://schemas.openxmlformats.org/drawingml/2006/main" xmlns:r="http://schemas.openxmlformats.org/officeDocument/2006/relationships" xmlns:p="http://schemas.openxmlformats.org/presentationml/2006/main">
+  <p:cSld>
+    <p:spTree>
+      <p:nvGrpSpPr>
+        <p:cNvPr id="1" name=""/>
+        <p:cNvGrpSpPr/>
+        <p:nvPr/>
+      </p:nvGrpSpPr>
+      <p:grpSpPr>
+        <a:xfrm>
+          <a:off x="0" y="0"/>
+          <a:ext cx="0" cy="0"/>
+          <a:chOff x="0" y="0"/>
+          <a:chExt cx="0" cy="0"/>
+        </a:xfrm>
+      </p:grpSpPr>
+      <p:sp>
+        <p:nvSpPr>
+          <p:cNvPr id="2" name="Title 1"/>
+          <p:cNvSpPr>
+            <a:spLocks noGrp="1"/>
+          </p:cNvSpPr>
+          <p:nvPr>
+            <p:ph type="title"/>
+          </p:nvPr>
+        </p:nvSpPr>
+        <p:spPr/>
+        <p:txBody>
+          <a:bodyPr/>
+          <a:lstStyle/>
+          <a:p>
+            <a:r>
+              <a:rPr lang="en-US" b="1" dirty="0" smtClean="0"/>
               <a:t>Pitfall !!!</a:t>
             </a:r>
             <a:endParaRPr lang="en-US" dirty="0"/>
@@ -15442,7 +16484,7 @@
 </p:sld>
 </file>
 
-<file path=ppt/slides/slide36.xml><?xml version="1.0" encoding="utf-8"?>
+<file path=ppt/slides/slide38.xml><?xml version="1.0" encoding="utf-8"?>
 <p:sld xmlns:a="http://schemas.openxmlformats.org/drawingml/2006/main" xmlns:r="http://schemas.openxmlformats.org/officeDocument/2006/relationships" xmlns:p="http://schemas.openxmlformats.org/presentationml/2006/main">
   <p:cSld>
     <p:spTree>
@@ -15527,7 +16569,7 @@
 </p:sld>
 </file>
 
-<file path=ppt/slides/slide37.xml><?xml version="1.0" encoding="utf-8"?>
+<file path=ppt/slides/slide39.xml><?xml version="1.0" encoding="utf-8"?>
 <p:sld xmlns:a="http://schemas.openxmlformats.org/drawingml/2006/main" xmlns:r="http://schemas.openxmlformats.org/officeDocument/2006/relationships" xmlns:p="http://schemas.openxmlformats.org/presentationml/2006/main">
   <p:cSld>
     <p:spTree>
@@ -15739,14 +16781,14 @@
             <a:r>
               <a:rPr lang="en-US" sz="1600" dirty="0" smtClean="0">
                 <a:solidFill>
-                  <a:schemeClr val="accent2"/>
+                  <a:srgbClr val="FF0000"/>
                 </a:solidFill>
               </a:rPr>
               <a:t>[ motor demo ]</a:t>
             </a:r>
             <a:endParaRPr lang="en-US" sz="1600" dirty="0">
               <a:solidFill>
-                <a:schemeClr val="accent2"/>
+                <a:srgbClr val="FF0000"/>
               </a:solidFill>
             </a:endParaRPr>
           </a:p>
@@ -16474,11 +17516,40 @@
                   <a:schemeClr val="accent2"/>
                 </a:solidFill>
               </a:rPr>
-              <a:t>PWM- pulse width modulation  (remember this?)</a:t>
+              <a:t>PWM- pulse width modulation  (remember this</a:t>
+            </a:r>
+            <a:r>
+              <a:rPr lang="en-US" sz="2000" dirty="0" smtClean="0">
+                <a:solidFill>
+                  <a:schemeClr val="accent2"/>
+                </a:solidFill>
+              </a:rPr>
+              <a:t>?)</a:t>
+            </a:r>
+          </a:p>
+          <a:p>
+            <a:pPr marL="0" indent="0">
+              <a:buNone/>
+            </a:pPr>
+            <a:r>
+              <a:rPr lang="en-US" sz="2000" dirty="0">
+                <a:solidFill>
+                  <a:schemeClr val="accent2"/>
+                </a:solidFill>
+              </a:rPr>
+              <a:t>	</a:t>
+            </a:r>
+            <a:r>
+              <a:rPr lang="en-US" sz="2000" dirty="0" smtClean="0">
+                <a:solidFill>
+                  <a:srgbClr val="FF0000"/>
+                </a:solidFill>
+              </a:rPr>
+              <a:t>[PWM demos]</a:t>
             </a:r>
             <a:endParaRPr lang="en-US" sz="2000" dirty="0">
               <a:solidFill>
-                <a:schemeClr val="accent2"/>
+                <a:srgbClr val="FF0000"/>
               </a:solidFill>
             </a:endParaRPr>
           </a:p>
@@ -16537,10 +17608,10 @@
           <a:lstStyle/>
           <a:p>
             <a:r>
-              <a:rPr lang="en-US" b="1" dirty="0" smtClean="0"/>
-              <a:t>Using DC Motors</a:t>
-            </a:r>
-            <a:endParaRPr lang="en-US" b="1" dirty="0"/>
+              <a:rPr lang="en-US" dirty="0" smtClean="0"/>
+              <a:t>PWM Setup Tasks</a:t>
+            </a:r>
+            <a:endParaRPr lang="en-US" dirty="0"/>
           </a:p>
         </p:txBody>
       </p:sp>
@@ -16556,189 +17627,75 @@
         </p:nvSpPr>
         <p:spPr>
           <a:xfrm>
-            <a:off x="348339" y="847679"/>
-            <a:ext cx="8083562" cy="5747330"/>
+            <a:off x="695325" y="904875"/>
+            <a:ext cx="7772400" cy="4724400"/>
           </a:xfrm>
         </p:spPr>
         <p:txBody>
           <a:bodyPr/>
           <a:lstStyle/>
           <a:p>
-            <a:pPr marL="0" indent="0">
-              <a:buNone/>
-            </a:pPr>
-            <a:r>
-              <a:rPr lang="en-US" sz="2000" dirty="0" smtClean="0"/>
-              <a:t>How do DC motors work?    How do you make them go faster?</a:t>
+            <a:r>
+              <a:rPr lang="en-US" dirty="0" smtClean="0"/>
+              <a:t>Set I/O direction for output</a:t>
             </a:r>
           </a:p>
           <a:p>
             <a:pPr lvl="1"/>
             <a:r>
-              <a:rPr lang="en-US" sz="1600" dirty="0" smtClean="0">
-                <a:solidFill>
-                  <a:schemeClr val="accent2"/>
-                </a:solidFill>
-              </a:rPr>
-              <a:t>Provide analog DC voltage… The higher the voltage, the faster it spins</a:t>
-            </a:r>
-          </a:p>
-          <a:p>
-            <a:pPr lvl="1"/>
-            <a:r>
-              <a:rPr lang="en-US" sz="1600" dirty="0" smtClean="0">
-                <a:solidFill>
-                  <a:schemeClr val="accent2"/>
-                </a:solidFill>
-              </a:rPr>
-              <a:t>[ motor demo ]</a:t>
-            </a:r>
-            <a:endParaRPr lang="en-US" sz="1600" dirty="0">
-              <a:solidFill>
-                <a:schemeClr val="accent2"/>
-              </a:solidFill>
-            </a:endParaRPr>
-          </a:p>
-          <a:p>
-            <a:pPr marL="0" indent="0">
-              <a:buNone/>
-            </a:pPr>
-            <a:r>
-              <a:rPr lang="en-US" sz="2000" dirty="0" smtClean="0"/>
-              <a:t>How to we control a DC motor with the </a:t>
-            </a:r>
-            <a:r>
-              <a:rPr lang="en-US" sz="2000" dirty="0"/>
-              <a:t>MSP430 </a:t>
-            </a:r>
-            <a:r>
-              <a:rPr lang="en-US" sz="2000" dirty="0" smtClean="0"/>
-              <a:t>?</a:t>
-            </a:r>
-          </a:p>
-          <a:p>
-            <a:pPr marL="0" indent="0">
-              <a:buNone/>
-            </a:pPr>
-            <a:r>
-              <a:rPr lang="en-US" sz="2000" dirty="0" smtClean="0"/>
-              <a:t>	Can we use the ADC converter?</a:t>
-            </a:r>
-            <a:endParaRPr lang="en-US" sz="2000" dirty="0"/>
-          </a:p>
-          <a:p>
-            <a:pPr marL="0" indent="0">
-              <a:buNone/>
-            </a:pPr>
-            <a:r>
-              <a:rPr lang="en-US" sz="2000" dirty="0" smtClean="0"/>
-              <a:t>Two issues interfacing MSP430 with a DC motor?</a:t>
-            </a:r>
-          </a:p>
-          <a:p>
-            <a:pPr lvl="1"/>
-            <a:r>
-              <a:rPr lang="en-US" sz="1600" dirty="0" smtClean="0">
-                <a:solidFill>
-                  <a:schemeClr val="accent2"/>
-                </a:solidFill>
-              </a:rPr>
-              <a:t>MSP430 only produces two voltages (</a:t>
-            </a:r>
-            <a:r>
-              <a:rPr lang="en-US" sz="1600" dirty="0" err="1" smtClean="0">
-                <a:solidFill>
-                  <a:schemeClr val="accent2"/>
-                </a:solidFill>
-              </a:rPr>
-              <a:t>Vcc</a:t>
-            </a:r>
-            <a:r>
-              <a:rPr lang="en-US" sz="1600" dirty="0" smtClean="0">
-                <a:solidFill>
-                  <a:schemeClr val="accent2"/>
-                </a:solidFill>
-              </a:rPr>
-              <a:t> and </a:t>
-            </a:r>
-            <a:r>
-              <a:rPr lang="en-US" sz="1600" dirty="0" err="1" smtClean="0">
-                <a:solidFill>
-                  <a:schemeClr val="accent2"/>
-                </a:solidFill>
-              </a:rPr>
-              <a:t>Gnd</a:t>
-            </a:r>
-            <a:r>
-              <a:rPr lang="en-US" sz="1600" dirty="0" smtClean="0">
-                <a:solidFill>
-                  <a:schemeClr val="accent2"/>
-                </a:solidFill>
-              </a:rPr>
-              <a:t>)</a:t>
-            </a:r>
-          </a:p>
-          <a:p>
-            <a:pPr marL="0" indent="0">
-              <a:buNone/>
-            </a:pPr>
-            <a:r>
-              <a:rPr lang="en-US" sz="2000" dirty="0" smtClean="0"/>
-              <a:t>	Solution?     </a:t>
-            </a:r>
-            <a:r>
-              <a:rPr lang="en-US" sz="2000" dirty="0" smtClean="0">
-                <a:solidFill>
-                  <a:schemeClr val="accent2"/>
-                </a:solidFill>
-              </a:rPr>
-              <a:t>PWM- pulse width modulation  (remember this?)</a:t>
-            </a:r>
-            <a:endParaRPr lang="en-US" sz="2000" dirty="0">
-              <a:solidFill>
-                <a:schemeClr val="accent2"/>
-              </a:solidFill>
-            </a:endParaRPr>
-          </a:p>
-          <a:p>
-            <a:pPr lvl="1"/>
-            <a:r>
-              <a:rPr lang="en-US" sz="1600" dirty="0" smtClean="0">
-                <a:solidFill>
-                  <a:schemeClr val="accent2"/>
-                </a:solidFill>
-              </a:rPr>
-              <a:t>MSP430 does not source enough current to power the motors (blow the </a:t>
-            </a:r>
-            <a:r>
-              <a:rPr lang="en-US" sz="1600" dirty="0">
-                <a:solidFill>
-                  <a:schemeClr val="accent2"/>
-                </a:solidFill>
-              </a:rPr>
-              <a:t>chip)</a:t>
-            </a:r>
-          </a:p>
-          <a:p>
-            <a:pPr marL="0" indent="0">
-              <a:buNone/>
-            </a:pPr>
-            <a:r>
-              <a:rPr lang="en-US" sz="2000" dirty="0"/>
-              <a:t>	</a:t>
-            </a:r>
-            <a:endParaRPr lang="en-US" sz="2000" dirty="0">
-              <a:solidFill>
-                <a:schemeClr val="accent2"/>
-              </a:solidFill>
-            </a:endParaRPr>
+              <a:rPr lang="en-US" dirty="0" smtClean="0"/>
+              <a:t>MUX PWM</a:t>
+            </a:r>
+          </a:p>
+          <a:p>
+            <a:endParaRPr lang="en-US" dirty="0" smtClean="0"/>
+          </a:p>
+          <a:p>
+            <a:r>
+              <a:rPr lang="en-US" dirty="0"/>
+              <a:t>Set period</a:t>
+            </a:r>
+          </a:p>
+          <a:p>
+            <a:r>
+              <a:rPr lang="en-US" dirty="0"/>
+              <a:t>Set on time</a:t>
+            </a:r>
+          </a:p>
+          <a:p>
+            <a:r>
+              <a:rPr lang="en-US" dirty="0" smtClean="0"/>
+              <a:t>Enable PWM </a:t>
+            </a:r>
+            <a:r>
+              <a:rPr lang="en-US" u="sng" dirty="0" smtClean="0"/>
+              <a:t>mode</a:t>
+            </a:r>
+            <a:r>
+              <a:rPr lang="en-US" dirty="0" smtClean="0"/>
+              <a:t> on timer</a:t>
+            </a:r>
+          </a:p>
+          <a:p>
+            <a:endParaRPr lang="en-US" dirty="0" smtClean="0"/>
+          </a:p>
+          <a:p>
+            <a:r>
+              <a:rPr lang="en-US" dirty="0" err="1" smtClean="0"/>
+              <a:t>Config</a:t>
+            </a:r>
+            <a:r>
+              <a:rPr lang="en-US" dirty="0" smtClean="0"/>
+              <a:t> / Start timer</a:t>
+            </a:r>
+            <a:endParaRPr lang="en-US" dirty="0"/>
           </a:p>
         </p:txBody>
       </p:sp>
     </p:spTree>
     <p:extLst>
       <p:ext uri="{BB962C8B-B14F-4D97-AF65-F5344CB8AC3E}">
-        <p14:creationId xmlns:p14="http://schemas.microsoft.com/office/powerpoint/2010/main" val="676976476"/>
+        <p14:creationId xmlns:p14="http://schemas.microsoft.com/office/powerpoint/2010/main" val="3552114568"/>
       </p:ext>
     </p:extLst>
   </p:cSld>
